--- a/NO6/NO6.pptx
+++ b/NO6/NO6.pptx
@@ -126,6 +126,11 @@
       </a:defRPr>
     </a:lvl9pPr>
   </p:defaultTextStyle>
+  <p:extLst>
+    <p:ext uri="{EFAFB233-063F-42B5-8137-9DF3F51BA10A}">
+      <p15:sldGuideLst xmlns:p15="http://schemas.microsoft.com/office/powerpoint/2012/main"/>
+    </p:ext>
+  </p:extLst>
 </p:presentation>
 </file>
 
@@ -211,7 +216,7 @@
           <a:p>
             <a:fld id="{8BF6706A-530E-468D-9AC5-38D0C03CB835}" type="datetimeFigureOut">
               <a:rPr lang="zh-CN" altLang="en-US" smtClean="0"/>
-              <a:t>2016/6/20</a:t>
+              <a:t>2016/6/21</a:t>
             </a:fld>
             <a:endParaRPr lang="zh-CN" altLang="en-US"/>
           </a:p>
@@ -1752,7 +1757,7 @@
           <a:p>
             <a:fld id="{D4BA5219-96DE-4C60-8FCE-EDBFE1B99FF2}" type="datetimeFigureOut">
               <a:rPr lang="zh-CN" altLang="en-US" smtClean="0"/>
-              <a:t>2016/6/20</a:t>
+              <a:t>2016/6/21</a:t>
             </a:fld>
             <a:endParaRPr lang="zh-CN" altLang="en-US"/>
           </a:p>
@@ -1922,7 +1927,7 @@
           <a:p>
             <a:fld id="{D4BA5219-96DE-4C60-8FCE-EDBFE1B99FF2}" type="datetimeFigureOut">
               <a:rPr lang="zh-CN" altLang="en-US" smtClean="0"/>
-              <a:t>2016/6/20</a:t>
+              <a:t>2016/6/21</a:t>
             </a:fld>
             <a:endParaRPr lang="zh-CN" altLang="en-US"/>
           </a:p>
@@ -2102,7 +2107,7 @@
           <a:p>
             <a:fld id="{D4BA5219-96DE-4C60-8FCE-EDBFE1B99FF2}" type="datetimeFigureOut">
               <a:rPr lang="zh-CN" altLang="en-US" smtClean="0"/>
-              <a:t>2016/6/20</a:t>
+              <a:t>2016/6/21</a:t>
             </a:fld>
             <a:endParaRPr lang="zh-CN" altLang="en-US"/>
           </a:p>
@@ -2272,7 +2277,7 @@
           <a:p>
             <a:fld id="{D4BA5219-96DE-4C60-8FCE-EDBFE1B99FF2}" type="datetimeFigureOut">
               <a:rPr lang="zh-CN" altLang="en-US" smtClean="0"/>
-              <a:t>2016/6/20</a:t>
+              <a:t>2016/6/21</a:t>
             </a:fld>
             <a:endParaRPr lang="zh-CN" altLang="en-US"/>
           </a:p>
@@ -2516,7 +2521,7 @@
           <a:p>
             <a:fld id="{D4BA5219-96DE-4C60-8FCE-EDBFE1B99FF2}" type="datetimeFigureOut">
               <a:rPr lang="zh-CN" altLang="en-US" smtClean="0"/>
-              <a:t>2016/6/20</a:t>
+              <a:t>2016/6/21</a:t>
             </a:fld>
             <a:endParaRPr lang="zh-CN" altLang="en-US"/>
           </a:p>
@@ -2748,7 +2753,7 @@
           <a:p>
             <a:fld id="{D4BA5219-96DE-4C60-8FCE-EDBFE1B99FF2}" type="datetimeFigureOut">
               <a:rPr lang="zh-CN" altLang="en-US" smtClean="0"/>
-              <a:t>2016/6/20</a:t>
+              <a:t>2016/6/21</a:t>
             </a:fld>
             <a:endParaRPr lang="zh-CN" altLang="en-US"/>
           </a:p>
@@ -3115,7 +3120,7 @@
           <a:p>
             <a:fld id="{D4BA5219-96DE-4C60-8FCE-EDBFE1B99FF2}" type="datetimeFigureOut">
               <a:rPr lang="zh-CN" altLang="en-US" smtClean="0"/>
-              <a:t>2016/6/20</a:t>
+              <a:t>2016/6/21</a:t>
             </a:fld>
             <a:endParaRPr lang="zh-CN" altLang="en-US"/>
           </a:p>
@@ -3233,7 +3238,7 @@
           <a:p>
             <a:fld id="{D4BA5219-96DE-4C60-8FCE-EDBFE1B99FF2}" type="datetimeFigureOut">
               <a:rPr lang="zh-CN" altLang="en-US" smtClean="0"/>
-              <a:t>2016/6/20</a:t>
+              <a:t>2016/6/21</a:t>
             </a:fld>
             <a:endParaRPr lang="zh-CN" altLang="en-US"/>
           </a:p>
@@ -3328,7 +3333,7 @@
           <a:p>
             <a:fld id="{D4BA5219-96DE-4C60-8FCE-EDBFE1B99FF2}" type="datetimeFigureOut">
               <a:rPr lang="zh-CN" altLang="en-US" smtClean="0"/>
-              <a:t>2016/6/20</a:t>
+              <a:t>2016/6/21</a:t>
             </a:fld>
             <a:endParaRPr lang="zh-CN" altLang="en-US"/>
           </a:p>
@@ -3605,7 +3610,7 @@
           <a:p>
             <a:fld id="{D4BA5219-96DE-4C60-8FCE-EDBFE1B99FF2}" type="datetimeFigureOut">
               <a:rPr lang="zh-CN" altLang="en-US" smtClean="0"/>
-              <a:t>2016/6/20</a:t>
+              <a:t>2016/6/21</a:t>
             </a:fld>
             <a:endParaRPr lang="zh-CN" altLang="en-US"/>
           </a:p>
@@ -3862,7 +3867,7 @@
           <a:p>
             <a:fld id="{D4BA5219-96DE-4C60-8FCE-EDBFE1B99FF2}" type="datetimeFigureOut">
               <a:rPr lang="zh-CN" altLang="en-US" smtClean="0"/>
-              <a:t>2016/6/20</a:t>
+              <a:t>2016/6/21</a:t>
             </a:fld>
             <a:endParaRPr lang="zh-CN" altLang="en-US"/>
           </a:p>
@@ -4075,7 +4080,7 @@
           <a:p>
             <a:fld id="{D4BA5219-96DE-4C60-8FCE-EDBFE1B99FF2}" type="datetimeFigureOut">
               <a:rPr lang="zh-CN" altLang="en-US" smtClean="0"/>
-              <a:t>2016/6/20</a:t>
+              <a:t>2016/6/21</a:t>
             </a:fld>
             <a:endParaRPr lang="zh-CN" altLang="en-US"/>
           </a:p>
@@ -4877,7 +4882,7 @@
           <a:graphicData uri="http://schemas.openxmlformats.org/presentationml/2006/ole">
             <mc:AlternateContent xmlns:mc="http://schemas.openxmlformats.org/markup-compatibility/2006">
               <mc:Choice xmlns:v="urn:schemas-microsoft-com:vml" Requires="v">
-                <p:oleObj spid="_x0000_s18539" name="Equation" r:id="rId3" imgW="1307880" imgH="444240" progId="Equation.DSMT4">
+                <p:oleObj spid="_x0000_s18545" name="Equation" r:id="rId3" imgW="1307880" imgH="444240" progId="Equation.DSMT4">
                   <p:embed/>
                 </p:oleObj>
               </mc:Choice>
@@ -4938,7 +4943,7 @@
           <a:graphicData uri="http://schemas.openxmlformats.org/presentationml/2006/ole">
             <mc:AlternateContent xmlns:mc="http://schemas.openxmlformats.org/markup-compatibility/2006">
               <mc:Choice xmlns:v="urn:schemas-microsoft-com:vml" Requires="v">
-                <p:oleObj spid="_x0000_s18540" name="Equation" r:id="rId5" imgW="634680" imgH="457200" progId="Equation.DSMT4">
+                <p:oleObj spid="_x0000_s18546" name="Equation" r:id="rId5" imgW="634680" imgH="457200" progId="Equation.DSMT4">
                   <p:embed/>
                 </p:oleObj>
               </mc:Choice>
@@ -5075,7 +5080,7 @@
           <a:graphicData uri="http://schemas.openxmlformats.org/presentationml/2006/ole">
             <mc:AlternateContent xmlns:mc="http://schemas.openxmlformats.org/markup-compatibility/2006">
               <mc:Choice xmlns:v="urn:schemas-microsoft-com:vml" Requires="v">
-                <p:oleObj spid="_x0000_s18541" name="Equation" r:id="rId7" imgW="3479760" imgH="1917360" progId="Equation.DSMT4">
+                <p:oleObj spid="_x0000_s18547" name="Equation" r:id="rId7" imgW="3479760" imgH="1917360" progId="Equation.DSMT4">
                   <p:embed/>
                 </p:oleObj>
               </mc:Choice>
@@ -5791,7 +5796,7 @@
           <a:graphicData uri="http://schemas.openxmlformats.org/presentationml/2006/ole">
             <mc:AlternateContent xmlns:mc="http://schemas.openxmlformats.org/markup-compatibility/2006">
               <mc:Choice xmlns:v="urn:schemas-microsoft-com:vml" Requires="v">
-                <p:oleObj spid="_x0000_s19481" name="Equation" r:id="rId3" imgW="393480" imgH="431640" progId="Equation.DSMT4">
+                <p:oleObj spid="_x0000_s19483" name="Equation" r:id="rId3" imgW="393480" imgH="431640" progId="Equation.DSMT4">
                   <p:embed/>
                 </p:oleObj>
               </mc:Choice>
@@ -6225,6 +6230,90 @@
           </a:p>
         </p:txBody>
       </p:sp>
+      <p:pic>
+        <p:nvPicPr>
+          <p:cNvPr id="7" name="图片 6"/>
+          <p:cNvPicPr/>
+          <p:nvPr/>
+        </p:nvPicPr>
+        <p:blipFill>
+          <a:blip r:embed="rId3" cstate="print">
+            <a:extLst>
+              <a:ext uri="{28A0092B-C50C-407E-A947-70E740481C1C}">
+                <a14:useLocalDpi xmlns:a14="http://schemas.microsoft.com/office/drawing/2010/main" val="0"/>
+              </a:ext>
+            </a:extLst>
+          </a:blip>
+          <a:stretch>
+            <a:fillRect/>
+          </a:stretch>
+        </p:blipFill>
+        <p:spPr>
+          <a:xfrm>
+            <a:off x="697559" y="1340993"/>
+            <a:ext cx="2469515" cy="2195830"/>
+          </a:xfrm>
+          <a:prstGeom prst="rect">
+            <a:avLst/>
+          </a:prstGeom>
+        </p:spPr>
+      </p:pic>
+      <p:pic>
+        <p:nvPicPr>
+          <p:cNvPr id="8" name="图片 7"/>
+          <p:cNvPicPr/>
+          <p:nvPr/>
+        </p:nvPicPr>
+        <p:blipFill>
+          <a:blip r:embed="rId4" cstate="print">
+            <a:extLst>
+              <a:ext uri="{28A0092B-C50C-407E-A947-70E740481C1C}">
+                <a14:useLocalDpi xmlns:a14="http://schemas.microsoft.com/office/drawing/2010/main" val="0"/>
+              </a:ext>
+            </a:extLst>
+          </a:blip>
+          <a:stretch>
+            <a:fillRect/>
+          </a:stretch>
+        </p:blipFill>
+        <p:spPr>
+          <a:xfrm>
+            <a:off x="3348159" y="1340993"/>
+            <a:ext cx="2469515" cy="2195830"/>
+          </a:xfrm>
+          <a:prstGeom prst="rect">
+            <a:avLst/>
+          </a:prstGeom>
+        </p:spPr>
+      </p:pic>
+      <p:pic>
+        <p:nvPicPr>
+          <p:cNvPr id="9" name="图片 8"/>
+          <p:cNvPicPr/>
+          <p:nvPr/>
+        </p:nvPicPr>
+        <p:blipFill>
+          <a:blip r:embed="rId5" cstate="print">
+            <a:extLst>
+              <a:ext uri="{28A0092B-C50C-407E-A947-70E740481C1C}">
+                <a14:useLocalDpi xmlns:a14="http://schemas.microsoft.com/office/drawing/2010/main" val="0"/>
+              </a:ext>
+            </a:extLst>
+          </a:blip>
+          <a:stretch>
+            <a:fillRect/>
+          </a:stretch>
+        </p:blipFill>
+        <p:spPr>
+          <a:xfrm>
+            <a:off x="6097695" y="1340993"/>
+            <a:ext cx="2469515" cy="2195830"/>
+          </a:xfrm>
+          <a:prstGeom prst="rect">
+            <a:avLst/>
+          </a:prstGeom>
+        </p:spPr>
+      </p:pic>
     </p:spTree>
     <p:extLst>
       <p:ext uri="{BB962C8B-B14F-4D97-AF65-F5344CB8AC3E}">
@@ -6576,24 +6665,95 @@
                 <a:ea typeface="华文细黑" panose="02010600040101010101" pitchFamily="2" charset="-122"/>
                 <a:cs typeface="Times New Roman" panose="02020603050405020304" pitchFamily="18" charset="0"/>
               </a:rPr>
-              <a:t>喷管喉部到喷管上表面出口范围内的压力数值基本相同，</a:t>
-            </a:r>
-            <a:r>
-              <a:rPr lang="zh-CN" altLang="en-US" sz="2000" dirty="0" smtClean="0">
-                <a:latin typeface="Times New Roman" panose="02020603050405020304" pitchFamily="18" charset="0"/>
-                <a:ea typeface="华文细黑" panose="02010600040101010101" pitchFamily="2" charset="-122"/>
-                <a:cs typeface="Times New Roman" panose="02020603050405020304" pitchFamily="18" charset="0"/>
-              </a:rPr>
-              <a:t>与速度分布一致</a:t>
-            </a:r>
-            <a:endParaRPr lang="zh-CN" altLang="en-US" sz="2000" dirty="0" smtClean="0">
-              <a:latin typeface="Times New Roman" panose="02020603050405020304" pitchFamily="18" charset="0"/>
-              <a:ea typeface="华文细黑" panose="02010600040101010101" pitchFamily="2" charset="-122"/>
-              <a:cs typeface="Times New Roman" panose="02020603050405020304" pitchFamily="18" charset="0"/>
-            </a:endParaRPr>
-          </a:p>
-        </p:txBody>
-      </p:sp>
+              <a:t>喷管喉部到喷管上表面出口范围内的压力数值基本相同，与速度分布一致</a:t>
+            </a:r>
+          </a:p>
+        </p:txBody>
+      </p:sp>
+      <p:pic>
+        <p:nvPicPr>
+          <p:cNvPr id="7" name="图片 6"/>
+          <p:cNvPicPr/>
+          <p:nvPr/>
+        </p:nvPicPr>
+        <p:blipFill>
+          <a:blip r:embed="rId3" cstate="print">
+            <a:extLst>
+              <a:ext uri="{28A0092B-C50C-407E-A947-70E740481C1C}">
+                <a14:useLocalDpi xmlns:a14="http://schemas.microsoft.com/office/drawing/2010/main" val="0"/>
+              </a:ext>
+            </a:extLst>
+          </a:blip>
+          <a:stretch>
+            <a:fillRect/>
+          </a:stretch>
+        </p:blipFill>
+        <p:spPr>
+          <a:xfrm>
+            <a:off x="706186" y="1459817"/>
+            <a:ext cx="2469515" cy="2195830"/>
+          </a:xfrm>
+          <a:prstGeom prst="rect">
+            <a:avLst/>
+          </a:prstGeom>
+        </p:spPr>
+      </p:pic>
+      <p:pic>
+        <p:nvPicPr>
+          <p:cNvPr id="8" name="图片 7"/>
+          <p:cNvPicPr/>
+          <p:nvPr/>
+        </p:nvPicPr>
+        <p:blipFill>
+          <a:blip r:embed="rId4" cstate="print">
+            <a:extLst>
+              <a:ext uri="{28A0092B-C50C-407E-A947-70E740481C1C}">
+                <a14:useLocalDpi xmlns:a14="http://schemas.microsoft.com/office/drawing/2010/main" val="0"/>
+              </a:ext>
+            </a:extLst>
+          </a:blip>
+          <a:stretch>
+            <a:fillRect/>
+          </a:stretch>
+        </p:blipFill>
+        <p:spPr>
+          <a:xfrm>
+            <a:off x="3483891" y="1459817"/>
+            <a:ext cx="2469515" cy="2195830"/>
+          </a:xfrm>
+          <a:prstGeom prst="rect">
+            <a:avLst/>
+          </a:prstGeom>
+        </p:spPr>
+      </p:pic>
+      <p:pic>
+        <p:nvPicPr>
+          <p:cNvPr id="9" name="图片 8"/>
+          <p:cNvPicPr/>
+          <p:nvPr/>
+        </p:nvPicPr>
+        <p:blipFill>
+          <a:blip r:embed="rId5" cstate="print">
+            <a:extLst>
+              <a:ext uri="{28A0092B-C50C-407E-A947-70E740481C1C}">
+                <a14:useLocalDpi xmlns:a14="http://schemas.microsoft.com/office/drawing/2010/main" val="0"/>
+              </a:ext>
+            </a:extLst>
+          </a:blip>
+          <a:stretch>
+            <a:fillRect/>
+          </a:stretch>
+        </p:blipFill>
+        <p:spPr>
+          <a:xfrm>
+            <a:off x="6577770" y="1459817"/>
+            <a:ext cx="2469515" cy="2195830"/>
+          </a:xfrm>
+          <a:prstGeom prst="rect">
+            <a:avLst/>
+          </a:prstGeom>
+        </p:spPr>
+      </p:pic>
     </p:spTree>
     <p:extLst>
       <p:ext uri="{BB962C8B-B14F-4D97-AF65-F5344CB8AC3E}">
@@ -6850,15 +7010,7 @@
                 <a:ea typeface="华文细黑" panose="02010600040101010101" pitchFamily="2" charset="-122"/>
                 <a:cs typeface="Times New Roman" panose="02020603050405020304" pitchFamily="18" charset="0"/>
               </a:rPr>
-              <a:t>对于</a:t>
-            </a:r>
-            <a:r>
-              <a:rPr lang="zh-CN" altLang="en-US" sz="2000" dirty="0">
-                <a:latin typeface="Times New Roman" panose="02020603050405020304" pitchFamily="18" charset="0"/>
-                <a:ea typeface="华文细黑" panose="02010600040101010101" pitchFamily="2" charset="-122"/>
-                <a:cs typeface="Times New Roman" panose="02020603050405020304" pitchFamily="18" charset="0"/>
-              </a:rPr>
-              <a:t>密度</a:t>
+              <a:t>对于密度</a:t>
             </a:r>
             <a:r>
               <a:rPr lang="en-US" altLang="zh-CN" sz="2000" dirty="0" smtClean="0">
@@ -6938,6 +7090,90 @@
           </a:p>
         </p:txBody>
       </p:sp>
+      <p:pic>
+        <p:nvPicPr>
+          <p:cNvPr id="7" name="图片 6"/>
+          <p:cNvPicPr/>
+          <p:nvPr/>
+        </p:nvPicPr>
+        <p:blipFill>
+          <a:blip r:embed="rId3" cstate="print">
+            <a:extLst>
+              <a:ext uri="{28A0092B-C50C-407E-A947-70E740481C1C}">
+                <a14:useLocalDpi xmlns:a14="http://schemas.microsoft.com/office/drawing/2010/main" val="0"/>
+              </a:ext>
+            </a:extLst>
+          </a:blip>
+          <a:stretch>
+            <a:fillRect/>
+          </a:stretch>
+        </p:blipFill>
+        <p:spPr>
+          <a:xfrm>
+            <a:off x="6063189" y="1721530"/>
+            <a:ext cx="2469515" cy="2195830"/>
+          </a:xfrm>
+          <a:prstGeom prst="rect">
+            <a:avLst/>
+          </a:prstGeom>
+        </p:spPr>
+      </p:pic>
+      <p:pic>
+        <p:nvPicPr>
+          <p:cNvPr id="8" name="图片 7"/>
+          <p:cNvPicPr/>
+          <p:nvPr/>
+        </p:nvPicPr>
+        <p:blipFill>
+          <a:blip r:embed="rId4" cstate="print">
+            <a:extLst>
+              <a:ext uri="{28A0092B-C50C-407E-A947-70E740481C1C}">
+                <a14:useLocalDpi xmlns:a14="http://schemas.microsoft.com/office/drawing/2010/main" val="0"/>
+              </a:ext>
+            </a:extLst>
+          </a:blip>
+          <a:stretch>
+            <a:fillRect/>
+          </a:stretch>
+        </p:blipFill>
+        <p:spPr>
+          <a:xfrm>
+            <a:off x="3157806" y="1680482"/>
+            <a:ext cx="2469515" cy="2195830"/>
+          </a:xfrm>
+          <a:prstGeom prst="rect">
+            <a:avLst/>
+          </a:prstGeom>
+        </p:spPr>
+      </p:pic>
+      <p:pic>
+        <p:nvPicPr>
+          <p:cNvPr id="9" name="图片 8"/>
+          <p:cNvPicPr/>
+          <p:nvPr/>
+        </p:nvPicPr>
+        <p:blipFill>
+          <a:blip r:embed="rId5" cstate="print">
+            <a:extLst>
+              <a:ext uri="{28A0092B-C50C-407E-A947-70E740481C1C}">
+                <a14:useLocalDpi xmlns:a14="http://schemas.microsoft.com/office/drawing/2010/main" val="0"/>
+              </a:ext>
+            </a:extLst>
+          </a:blip>
+          <a:stretch>
+            <a:fillRect/>
+          </a:stretch>
+        </p:blipFill>
+        <p:spPr>
+          <a:xfrm>
+            <a:off x="325132" y="1671852"/>
+            <a:ext cx="2469515" cy="2195830"/>
+          </a:xfrm>
+          <a:prstGeom prst="rect">
+            <a:avLst/>
+          </a:prstGeom>
+        </p:spPr>
+      </p:pic>
     </p:spTree>
     <p:extLst>
       <p:ext uri="{BB962C8B-B14F-4D97-AF65-F5344CB8AC3E}">
@@ -7197,20 +7433,12 @@
               <a:t>对于</a:t>
             </a:r>
             <a:r>
-              <a:rPr lang="zh-CN" altLang="en-US" sz="2000" dirty="0">
-                <a:latin typeface="Times New Roman" panose="02020603050405020304" pitchFamily="18" charset="0"/>
-                <a:ea typeface="华文细黑" panose="02010600040101010101" pitchFamily="2" charset="-122"/>
-                <a:cs typeface="Times New Roman" panose="02020603050405020304" pitchFamily="18" charset="0"/>
-              </a:rPr>
-              <a:t>温度</a:t>
-            </a:r>
-            <a:r>
               <a:rPr lang="en-US" altLang="zh-CN" sz="2000" dirty="0" smtClean="0">
                 <a:latin typeface="Times New Roman" panose="02020603050405020304" pitchFamily="18" charset="0"/>
                 <a:ea typeface="华文细黑" panose="02010600040101010101" pitchFamily="2" charset="-122"/>
                 <a:cs typeface="Times New Roman" panose="02020603050405020304" pitchFamily="18" charset="0"/>
               </a:rPr>
-              <a:t>:</a:t>
+              <a:t>v:</a:t>
             </a:r>
             <a:endParaRPr lang="zh-CN" altLang="en-US" sz="2000" dirty="0">
               <a:latin typeface="Times New Roman" panose="02020603050405020304" pitchFamily="18" charset="0"/>
@@ -7220,68 +7448,90 @@
           </a:p>
         </p:txBody>
       </p:sp>
-      <p:sp>
-        <p:nvSpPr>
-          <p:cNvPr id="10" name="矩形 9"/>
-          <p:cNvSpPr/>
+      <p:pic>
+        <p:nvPicPr>
+          <p:cNvPr id="7" name="图片 6"/>
+          <p:cNvPicPr/>
           <p:nvPr/>
-        </p:nvSpPr>
+        </p:nvPicPr>
+        <p:blipFill>
+          <a:blip r:embed="rId3" cstate="print">
+            <a:extLst>
+              <a:ext uri="{28A0092B-C50C-407E-A947-70E740481C1C}">
+                <a14:useLocalDpi xmlns:a14="http://schemas.microsoft.com/office/drawing/2010/main" val="0"/>
+              </a:ext>
+            </a:extLst>
+          </a:blip>
+          <a:stretch>
+            <a:fillRect/>
+          </a:stretch>
+        </p:blipFill>
         <p:spPr>
           <a:xfrm>
-            <a:off x="292185" y="5751576"/>
-            <a:ext cx="8530811" cy="707886"/>
+            <a:off x="6232036" y="1416685"/>
+            <a:ext cx="2469515" cy="2195830"/>
           </a:xfrm>
           <a:prstGeom prst="rect">
             <a:avLst/>
           </a:prstGeom>
         </p:spPr>
-        <p:txBody>
-          <a:bodyPr wrap="square">
-            <a:spAutoFit/>
-          </a:bodyPr>
-          <a:lstStyle/>
-          <a:p>
-            <a:pPr marL="342900" indent="-342900" eaLnBrk="0" fontAlgn="base" hangingPunct="0">
-              <a:spcBef>
-                <a:spcPct val="0"/>
-              </a:spcBef>
-              <a:spcAft>
-                <a:spcPct val="0"/>
-              </a:spcAft>
-              <a:buFont typeface="Arial" panose="020B0604020202020204" pitchFamily="34" charset="0"/>
-              <a:buChar char="•"/>
-            </a:pPr>
-            <a:r>
-              <a:rPr lang="zh-CN" altLang="en-US" sz="2000" dirty="0" smtClean="0">
-                <a:latin typeface="Times New Roman" panose="02020603050405020304" pitchFamily="18" charset="0"/>
-                <a:ea typeface="华文细黑" panose="02010600040101010101" pitchFamily="2" charset="-122"/>
-                <a:cs typeface="Times New Roman" panose="02020603050405020304" pitchFamily="18" charset="0"/>
-              </a:rPr>
-              <a:t>温度的分布规律与速度的分布规律一致</a:t>
-            </a:r>
-          </a:p>
-          <a:p>
-            <a:pPr marL="342900" indent="-342900" eaLnBrk="0" fontAlgn="base" hangingPunct="0">
-              <a:spcBef>
-                <a:spcPct val="0"/>
-              </a:spcBef>
-              <a:spcAft>
-                <a:spcPct val="0"/>
-              </a:spcAft>
-              <a:buFont typeface="Arial" panose="020B0604020202020204" pitchFamily="34" charset="0"/>
-              <a:buChar char="•"/>
-            </a:pPr>
-            <a:r>
-              <a:rPr lang="zh-CN" altLang="en-US" sz="2000" dirty="0" smtClean="0">
-                <a:latin typeface="Times New Roman" panose="02020603050405020304" pitchFamily="18" charset="0"/>
-                <a:ea typeface="华文细黑" panose="02010600040101010101" pitchFamily="2" charset="-122"/>
-                <a:cs typeface="Times New Roman" panose="02020603050405020304" pitchFamily="18" charset="0"/>
-              </a:rPr>
-              <a:t>随着斜切角的增加，喷管出口气流温度逐渐增加</a:t>
-            </a:r>
-          </a:p>
-        </p:txBody>
-      </p:sp>
+      </p:pic>
+      <p:pic>
+        <p:nvPicPr>
+          <p:cNvPr id="8" name="图片 7"/>
+          <p:cNvPicPr/>
+          <p:nvPr/>
+        </p:nvPicPr>
+        <p:blipFill>
+          <a:blip r:embed="rId4" cstate="print">
+            <a:extLst>
+              <a:ext uri="{28A0092B-C50C-407E-A947-70E740481C1C}">
+                <a14:useLocalDpi xmlns:a14="http://schemas.microsoft.com/office/drawing/2010/main" val="0"/>
+              </a:ext>
+            </a:extLst>
+          </a:blip>
+          <a:stretch>
+            <a:fillRect/>
+          </a:stretch>
+        </p:blipFill>
+        <p:spPr>
+          <a:xfrm>
+            <a:off x="3250978" y="1416685"/>
+            <a:ext cx="2469515" cy="2195830"/>
+          </a:xfrm>
+          <a:prstGeom prst="rect">
+            <a:avLst/>
+          </a:prstGeom>
+        </p:spPr>
+      </p:pic>
+      <p:pic>
+        <p:nvPicPr>
+          <p:cNvPr id="9" name="图片 8"/>
+          <p:cNvPicPr/>
+          <p:nvPr/>
+        </p:nvPicPr>
+        <p:blipFill>
+          <a:blip r:embed="rId5" cstate="print">
+            <a:extLst>
+              <a:ext uri="{28A0092B-C50C-407E-A947-70E740481C1C}">
+                <a14:useLocalDpi xmlns:a14="http://schemas.microsoft.com/office/drawing/2010/main" val="0"/>
+              </a:ext>
+            </a:extLst>
+          </a:blip>
+          <a:stretch>
+            <a:fillRect/>
+          </a:stretch>
+        </p:blipFill>
+        <p:spPr>
+          <a:xfrm>
+            <a:off x="516474" y="1400526"/>
+            <a:ext cx="2469515" cy="2195830"/>
+          </a:xfrm>
+          <a:prstGeom prst="rect">
+            <a:avLst/>
+          </a:prstGeom>
+        </p:spPr>
+      </p:pic>
     </p:spTree>
     <p:extLst>
       <p:ext uri="{BB962C8B-B14F-4D97-AF65-F5344CB8AC3E}">
@@ -7893,21 +8143,8 @@
                 <a:ea typeface="华文细黑" panose="02010600040101010101" pitchFamily="2" charset="-122"/>
                 <a:cs typeface="Times New Roman" panose="02020603050405020304" pitchFamily="18" charset="0"/>
               </a:rPr>
-              <a:t>喷管喉部到喷管上表面出口范围内的压力数值基本相同，</a:t>
-            </a:r>
-            <a:r>
-              <a:rPr lang="zh-CN" altLang="en-US" sz="2000" dirty="0" smtClean="0">
-                <a:latin typeface="Times New Roman" panose="02020603050405020304" pitchFamily="18" charset="0"/>
-                <a:ea typeface="华文细黑" panose="02010600040101010101" pitchFamily="2" charset="-122"/>
-                <a:cs typeface="Times New Roman" panose="02020603050405020304" pitchFamily="18" charset="0"/>
-              </a:rPr>
-              <a:t>与速度分布一致</a:t>
-            </a:r>
-            <a:endParaRPr lang="zh-CN" altLang="en-US" sz="2000" dirty="0" smtClean="0">
-              <a:latin typeface="Times New Roman" panose="02020603050405020304" pitchFamily="18" charset="0"/>
-              <a:ea typeface="华文细黑" panose="02010600040101010101" pitchFamily="2" charset="-122"/>
-              <a:cs typeface="Times New Roman" panose="02020603050405020304" pitchFamily="18" charset="0"/>
-            </a:endParaRPr>
+              <a:t>喷管喉部到喷管上表面出口范围内的压力数值基本相同，与速度分布一致</a:t>
+            </a:r>
           </a:p>
         </p:txBody>
       </p:sp>
@@ -8514,20 +8751,12 @@
               <a:t>对于</a:t>
             </a:r>
             <a:r>
-              <a:rPr lang="zh-CN" altLang="en-US" sz="2000" dirty="0">
-                <a:latin typeface="Times New Roman" panose="02020603050405020304" pitchFamily="18" charset="0"/>
-                <a:ea typeface="华文细黑" panose="02010600040101010101" pitchFamily="2" charset="-122"/>
-                <a:cs typeface="Times New Roman" panose="02020603050405020304" pitchFamily="18" charset="0"/>
-              </a:rPr>
-              <a:t>温度</a:t>
-            </a:r>
-            <a:r>
               <a:rPr lang="en-US" altLang="zh-CN" sz="2000" dirty="0" smtClean="0">
                 <a:latin typeface="Times New Roman" panose="02020603050405020304" pitchFamily="18" charset="0"/>
                 <a:ea typeface="华文细黑" panose="02010600040101010101" pitchFamily="2" charset="-122"/>
                 <a:cs typeface="Times New Roman" panose="02020603050405020304" pitchFamily="18" charset="0"/>
               </a:rPr>
-              <a:t>:</a:t>
+              <a:t>v:</a:t>
             </a:r>
             <a:endParaRPr lang="zh-CN" altLang="en-US" sz="2000" dirty="0">
               <a:latin typeface="Times New Roman" panose="02020603050405020304" pitchFamily="18" charset="0"/>
@@ -8909,7 +9138,7 @@
           <a:graphicData uri="http://schemas.openxmlformats.org/presentationml/2006/ole">
             <mc:AlternateContent xmlns:mc="http://schemas.openxmlformats.org/markup-compatibility/2006">
               <mc:Choice xmlns:v="urn:schemas-microsoft-com:vml" Requires="v">
-                <p:oleObj spid="_x0000_s1154" name="Equation" r:id="rId3" imgW="2552700" imgH="1168400" progId="Equation.DSMT4">
+                <p:oleObj spid="_x0000_s1158" name="Equation" r:id="rId3" imgW="2552700" imgH="1168400" progId="Equation.DSMT4">
                   <p:embed/>
                 </p:oleObj>
               </mc:Choice>
@@ -9127,7 +9356,7 @@
           <a:graphicData uri="http://schemas.openxmlformats.org/presentationml/2006/ole">
             <mc:AlternateContent xmlns:mc="http://schemas.openxmlformats.org/markup-compatibility/2006">
               <mc:Choice xmlns:v="urn:schemas-microsoft-com:vml" Requires="v">
-                <p:oleObj spid="_x0000_s1155" name="Equation" r:id="rId5" imgW="3606800" imgH="431800" progId="Equation.DSMT4">
+                <p:oleObj spid="_x0000_s1159" name="Equation" r:id="rId5" imgW="3606800" imgH="431800" progId="Equation.DSMT4">
                   <p:embed/>
                 </p:oleObj>
               </mc:Choice>
@@ -9385,7 +9614,7 @@
           <a:graphicData uri="http://schemas.openxmlformats.org/presentationml/2006/ole">
             <mc:AlternateContent xmlns:mc="http://schemas.openxmlformats.org/markup-compatibility/2006">
               <mc:Choice xmlns:v="urn:schemas-microsoft-com:vml" Requires="v">
-                <p:oleObj spid="_x0000_s9557" name="Equation" r:id="rId3" imgW="3606800" imgH="431800" progId="Equation.DSMT4">
+                <p:oleObj spid="_x0000_s9569" name="Equation" r:id="rId3" imgW="3606800" imgH="431800" progId="Equation.DSMT4">
                   <p:embed/>
                 </p:oleObj>
               </mc:Choice>
@@ -9651,7 +9880,7 @@
           <a:graphicData uri="http://schemas.openxmlformats.org/presentationml/2006/ole">
             <mc:AlternateContent xmlns:mc="http://schemas.openxmlformats.org/markup-compatibility/2006">
               <mc:Choice xmlns:v="urn:schemas-microsoft-com:vml" Requires="v">
-                <p:oleObj spid="_x0000_s9558" name="Equation" r:id="rId5" imgW="1231366" imgH="393529" progId="Equation.DSMT4">
+                <p:oleObj spid="_x0000_s9570" name="Equation" r:id="rId5" imgW="1231366" imgH="393529" progId="Equation.DSMT4">
                   <p:embed/>
                 </p:oleObj>
               </mc:Choice>
@@ -9965,7 +10194,7 @@
           <a:graphicData uri="http://schemas.openxmlformats.org/presentationml/2006/ole">
             <mc:AlternateContent xmlns:mc="http://schemas.openxmlformats.org/markup-compatibility/2006">
               <mc:Choice xmlns:v="urn:schemas-microsoft-com:vml" Requires="v">
-                <p:oleObj spid="_x0000_s9559" name="Equation" r:id="rId7" imgW="774364" imgH="279279" progId="Equation.DSMT4">
+                <p:oleObj spid="_x0000_s9571" name="Equation" r:id="rId7" imgW="774364" imgH="279279" progId="Equation.DSMT4">
                   <p:embed/>
                 </p:oleObj>
               </mc:Choice>
@@ -10095,7 +10324,7 @@
           <a:graphicData uri="http://schemas.openxmlformats.org/presentationml/2006/ole">
             <mc:AlternateContent xmlns:mc="http://schemas.openxmlformats.org/markup-compatibility/2006">
               <mc:Choice xmlns:v="urn:schemas-microsoft-com:vml" Requires="v">
-                <p:oleObj spid="_x0000_s9560" name="Equation" r:id="rId9" imgW="1435100" imgH="508000" progId="Equation.DSMT4">
+                <p:oleObj spid="_x0000_s9572" name="Equation" r:id="rId9" imgW="1435100" imgH="508000" progId="Equation.DSMT4">
                   <p:embed/>
                 </p:oleObj>
               </mc:Choice>
@@ -10225,7 +10454,7 @@
           <a:graphicData uri="http://schemas.openxmlformats.org/presentationml/2006/ole">
             <mc:AlternateContent xmlns:mc="http://schemas.openxmlformats.org/markup-compatibility/2006">
               <mc:Choice xmlns:v="urn:schemas-microsoft-com:vml" Requires="v">
-                <p:oleObj spid="_x0000_s9561" name="Equation" r:id="rId11" imgW="800100" imgH="279400" progId="Equation.DSMT4">
+                <p:oleObj spid="_x0000_s9573" name="Equation" r:id="rId11" imgW="800100" imgH="279400" progId="Equation.DSMT4">
                   <p:embed/>
                 </p:oleObj>
               </mc:Choice>
@@ -10292,7 +10521,7 @@
           <a:graphicData uri="http://schemas.openxmlformats.org/presentationml/2006/ole">
             <mc:AlternateContent xmlns:mc="http://schemas.openxmlformats.org/markup-compatibility/2006">
               <mc:Choice xmlns:v="urn:schemas-microsoft-com:vml" Requires="v">
-                <p:oleObj spid="_x0000_s9562" name="Equation" r:id="rId13" imgW="2666880" imgH="482400" progId="Equation.DSMT4">
+                <p:oleObj spid="_x0000_s9574" name="Equation" r:id="rId13" imgW="2666880" imgH="482400" progId="Equation.DSMT4">
                   <p:embed/>
                 </p:oleObj>
               </mc:Choice>
@@ -10505,7 +10734,7 @@
           <a:graphicData uri="http://schemas.openxmlformats.org/presentationml/2006/ole">
             <mc:AlternateContent xmlns:mc="http://schemas.openxmlformats.org/markup-compatibility/2006">
               <mc:Choice xmlns:v="urn:schemas-microsoft-com:vml" Requires="v">
-                <p:oleObj spid="_x0000_s8486" name="Equation" r:id="rId3" imgW="1930400" imgH="2286000" progId="Equation.DSMT4">
+                <p:oleObj spid="_x0000_s8496" name="Equation" r:id="rId3" imgW="1930400" imgH="2286000" progId="Equation.DSMT4">
                   <p:embed/>
                 </p:oleObj>
               </mc:Choice>
@@ -10635,7 +10864,7 @@
           <a:graphicData uri="http://schemas.openxmlformats.org/presentationml/2006/ole">
             <mc:AlternateContent xmlns:mc="http://schemas.openxmlformats.org/markup-compatibility/2006">
               <mc:Choice xmlns:v="urn:schemas-microsoft-com:vml" Requires="v">
-                <p:oleObj spid="_x0000_s8487" name="Equation" r:id="rId5" imgW="3124200" imgH="431800" progId="Equation.DSMT4">
+                <p:oleObj spid="_x0000_s8497" name="Equation" r:id="rId5" imgW="3124200" imgH="431800" progId="Equation.DSMT4">
                   <p:embed/>
                 </p:oleObj>
               </mc:Choice>
@@ -10765,7 +10994,7 @@
           <a:graphicData uri="http://schemas.openxmlformats.org/presentationml/2006/ole">
             <mc:AlternateContent xmlns:mc="http://schemas.openxmlformats.org/markup-compatibility/2006">
               <mc:Choice xmlns:v="urn:schemas-microsoft-com:vml" Requires="v">
-                <p:oleObj spid="_x0000_s8488" name="Equation" r:id="rId7" imgW="2552700" imgH="279400" progId="Equation.DSMT4">
+                <p:oleObj spid="_x0000_s8498" name="Equation" r:id="rId7" imgW="2552700" imgH="279400" progId="Equation.DSMT4">
                   <p:embed/>
                 </p:oleObj>
               </mc:Choice>
@@ -10895,7 +11124,7 @@
           <a:graphicData uri="http://schemas.openxmlformats.org/presentationml/2006/ole">
             <mc:AlternateContent xmlns:mc="http://schemas.openxmlformats.org/markup-compatibility/2006">
               <mc:Choice xmlns:v="urn:schemas-microsoft-com:vml" Requires="v">
-                <p:oleObj spid="_x0000_s8489" name="Equation" r:id="rId9" imgW="1294838" imgH="266584" progId="Equation.DSMT4">
+                <p:oleObj spid="_x0000_s8499" name="Equation" r:id="rId9" imgW="1294838" imgH="266584" progId="Equation.DSMT4">
                   <p:embed/>
                 </p:oleObj>
               </mc:Choice>
@@ -10962,7 +11191,7 @@
           <a:graphicData uri="http://schemas.openxmlformats.org/presentationml/2006/ole">
             <mc:AlternateContent xmlns:mc="http://schemas.openxmlformats.org/markup-compatibility/2006">
               <mc:Choice xmlns:v="urn:schemas-microsoft-com:vml" Requires="v">
-                <p:oleObj spid="_x0000_s8490" name="Equation" r:id="rId11" imgW="2032000" imgH="1549400" progId="Equation.DSMT4">
+                <p:oleObj spid="_x0000_s8500" name="Equation" r:id="rId11" imgW="2032000" imgH="1549400" progId="Equation.DSMT4">
                   <p:embed/>
                 </p:oleObj>
               </mc:Choice>
@@ -11466,7 +11695,7 @@
           <a:graphicData uri="http://schemas.openxmlformats.org/presentationml/2006/ole">
             <mc:AlternateContent xmlns:mc="http://schemas.openxmlformats.org/markup-compatibility/2006">
               <mc:Choice xmlns:v="urn:schemas-microsoft-com:vml" Requires="v">
-                <p:oleObj spid="_x0000_s10403" name="Equation" r:id="rId4" imgW="2349500" imgH="482600" progId="Equation.DSMT4">
+                <p:oleObj spid="_x0000_s10409" name="Equation" r:id="rId4" imgW="2349500" imgH="482600" progId="Equation.DSMT4">
                   <p:embed/>
                 </p:oleObj>
               </mc:Choice>
@@ -11596,7 +11825,7 @@
           <a:graphicData uri="http://schemas.openxmlformats.org/presentationml/2006/ole">
             <mc:AlternateContent xmlns:mc="http://schemas.openxmlformats.org/markup-compatibility/2006">
               <mc:Choice xmlns:v="urn:schemas-microsoft-com:vml" Requires="v">
-                <p:oleObj spid="_x0000_s10404" name="Equation" r:id="rId6" imgW="2755900" imgH="469900" progId="Equation.DSMT4">
+                <p:oleObj spid="_x0000_s10410" name="Equation" r:id="rId6" imgW="2755900" imgH="469900" progId="Equation.DSMT4">
                   <p:embed/>
                 </p:oleObj>
               </mc:Choice>
@@ -11726,7 +11955,7 @@
           <a:graphicData uri="http://schemas.openxmlformats.org/presentationml/2006/ole">
             <mc:AlternateContent xmlns:mc="http://schemas.openxmlformats.org/markup-compatibility/2006">
               <mc:Choice xmlns:v="urn:schemas-microsoft-com:vml" Requires="v">
-                <p:oleObj spid="_x0000_s10405" name="Equation" r:id="rId8" imgW="3441700" imgH="736600" progId="Equation.DSMT4">
+                <p:oleObj spid="_x0000_s10411" name="Equation" r:id="rId8" imgW="3441700" imgH="736600" progId="Equation.DSMT4">
                   <p:embed/>
                 </p:oleObj>
               </mc:Choice>
@@ -14801,7 +15030,7 @@
           <a:graphicData uri="http://schemas.openxmlformats.org/presentationml/2006/ole">
             <mc:AlternateContent xmlns:mc="http://schemas.openxmlformats.org/markup-compatibility/2006">
               <mc:Choice xmlns:v="urn:schemas-microsoft-com:vml" Requires="v">
-                <p:oleObj spid="_x0000_s16553" name="Equation" r:id="rId3" imgW="1308100" imgH="279400" progId="Equation.DSMT4">
+                <p:oleObj spid="_x0000_s16561" name="Equation" r:id="rId3" imgW="1308100" imgH="279400" progId="Equation.DSMT4">
                   <p:embed/>
                 </p:oleObj>
               </mc:Choice>
@@ -14868,7 +15097,7 @@
           <a:graphicData uri="http://schemas.openxmlformats.org/presentationml/2006/ole">
             <mc:AlternateContent xmlns:mc="http://schemas.openxmlformats.org/markup-compatibility/2006">
               <mc:Choice xmlns:v="urn:schemas-microsoft-com:vml" Requires="v">
-                <p:oleObj spid="_x0000_s16554" name="Equation" r:id="rId5" imgW="1397000" imgH="431800" progId="Equation.DSMT4">
+                <p:oleObj spid="_x0000_s16562" name="Equation" r:id="rId5" imgW="1397000" imgH="431800" progId="Equation.DSMT4">
                   <p:embed/>
                 </p:oleObj>
               </mc:Choice>
@@ -14984,7 +15213,7 @@
           <a:graphicData uri="http://schemas.openxmlformats.org/presentationml/2006/ole">
             <mc:AlternateContent xmlns:mc="http://schemas.openxmlformats.org/markup-compatibility/2006">
               <mc:Choice xmlns:v="urn:schemas-microsoft-com:vml" Requires="v">
-                <p:oleObj spid="_x0000_s16555" name="Equation" r:id="rId7" imgW="1384300" imgH="469900" progId="Equation.DSMT4">
+                <p:oleObj spid="_x0000_s16563" name="Equation" r:id="rId7" imgW="1384300" imgH="469900" progId="Equation.DSMT4">
                   <p:embed/>
                 </p:oleObj>
               </mc:Choice>
@@ -15051,7 +15280,7 @@
           <a:graphicData uri="http://schemas.openxmlformats.org/presentationml/2006/ole">
             <mc:AlternateContent xmlns:mc="http://schemas.openxmlformats.org/markup-compatibility/2006">
               <mc:Choice xmlns:v="urn:schemas-microsoft-com:vml" Requires="v">
-                <p:oleObj spid="_x0000_s16556" name="Equation" r:id="rId9" imgW="2197100" imgH="469900" progId="Equation.DSMT4">
+                <p:oleObj spid="_x0000_s16564" name="Equation" r:id="rId9" imgW="2197100" imgH="469900" progId="Equation.DSMT4">
                   <p:embed/>
                 </p:oleObj>
               </mc:Choice>
@@ -15581,7 +15810,7 @@
           <a:graphicData uri="http://schemas.openxmlformats.org/presentationml/2006/ole">
             <mc:AlternateContent xmlns:mc="http://schemas.openxmlformats.org/markup-compatibility/2006">
               <mc:Choice xmlns:v="urn:schemas-microsoft-com:vml" Requires="v">
-                <p:oleObj spid="_x0000_s15400" name="Equation" r:id="rId3" imgW="1905000" imgH="1625600" progId="Equation.DSMT4">
+                <p:oleObj spid="_x0000_s15402" name="Equation" r:id="rId3" imgW="1905000" imgH="1625600" progId="Equation.DSMT4">
                   <p:embed/>
                 </p:oleObj>
               </mc:Choice>

--- a/NO6/NO6.pptx
+++ b/NO6/NO6.pptx
@@ -5,7 +5,7 @@
     <p:sldMasterId id="2147483660" r:id="rId1"/>
   </p:sldMasterIdLst>
   <p:notesMasterIdLst>
-    <p:notesMasterId r:id="rId22"/>
+    <p:notesMasterId r:id="rId23"/>
   </p:notesMasterIdLst>
   <p:sldIdLst>
     <p:sldId id="257" r:id="rId2"/>
@@ -24,10 +24,11 @@
     <p:sldId id="281" r:id="rId15"/>
     <p:sldId id="283" r:id="rId16"/>
     <p:sldId id="284" r:id="rId17"/>
-    <p:sldId id="285" r:id="rId18"/>
-    <p:sldId id="286" r:id="rId19"/>
-    <p:sldId id="287" r:id="rId20"/>
-    <p:sldId id="288" r:id="rId21"/>
+    <p:sldId id="288" r:id="rId18"/>
+    <p:sldId id="285" r:id="rId19"/>
+    <p:sldId id="289" r:id="rId20"/>
+    <p:sldId id="287" r:id="rId21"/>
+    <p:sldId id="290" r:id="rId22"/>
   </p:sldIdLst>
   <p:sldSz cx="9144000" cy="6858000" type="screen4x3"/>
   <p:notesSz cx="6858000" cy="9144000"/>
@@ -216,7 +217,7 @@
           <a:p>
             <a:fld id="{8BF6706A-530E-468D-9AC5-38D0C03CB835}" type="datetimeFigureOut">
               <a:rPr lang="zh-CN" altLang="en-US" smtClean="0"/>
-              <a:t>2016/6/21</a:t>
+              <a:t>2016/6/23</a:t>
             </a:fld>
             <a:endParaRPr lang="zh-CN" altLang="en-US"/>
           </a:p>
@@ -599,6 +600,107 @@
 </p:notes>
 </file>
 
+<file path=ppt/notesSlides/notesSlide10.xml><?xml version="1.0" encoding="utf-8"?>
+<p:notes xmlns:a="http://schemas.openxmlformats.org/drawingml/2006/main" xmlns:r="http://schemas.openxmlformats.org/officeDocument/2006/relationships" xmlns:p="http://schemas.openxmlformats.org/presentationml/2006/main">
+  <p:cSld>
+    <p:spTree>
+      <p:nvGrpSpPr>
+        <p:cNvPr id="1" name=""/>
+        <p:cNvGrpSpPr/>
+        <p:nvPr/>
+      </p:nvGrpSpPr>
+      <p:grpSpPr>
+        <a:xfrm>
+          <a:off x="0" y="0"/>
+          <a:ext cx="0" cy="0"/>
+          <a:chOff x="0" y="0"/>
+          <a:chExt cx="0" cy="0"/>
+        </a:xfrm>
+      </p:grpSpPr>
+      <p:sp>
+        <p:nvSpPr>
+          <p:cNvPr id="2" name="幻灯片图像占位符 1"/>
+          <p:cNvSpPr>
+            <a:spLocks noGrp="1" noRot="1" noChangeAspect="1"/>
+          </p:cNvSpPr>
+          <p:nvPr>
+            <p:ph type="sldImg"/>
+          </p:nvPr>
+        </p:nvSpPr>
+        <p:spPr/>
+      </p:sp>
+      <p:sp>
+        <p:nvSpPr>
+          <p:cNvPr id="3" name="备注占位符 2"/>
+          <p:cNvSpPr>
+            <a:spLocks noGrp="1"/>
+          </p:cNvSpPr>
+          <p:nvPr>
+            <p:ph type="body" idx="1"/>
+          </p:nvPr>
+        </p:nvSpPr>
+        <p:spPr/>
+        <p:txBody>
+          <a:bodyPr/>
+          <a:lstStyle/>
+          <a:p>
+            <a:pPr marL="0" marR="0" indent="0" algn="l" defTabSz="914400" rtl="0" eaLnBrk="1" fontAlgn="auto" latinLnBrk="0" hangingPunct="1">
+              <a:lnSpc>
+                <a:spcPct val="100000"/>
+              </a:lnSpc>
+              <a:spcBef>
+                <a:spcPts val="0"/>
+              </a:spcBef>
+              <a:spcAft>
+                <a:spcPts val="0"/>
+              </a:spcAft>
+              <a:buClrTx/>
+              <a:buSzTx/>
+              <a:buFontTx/>
+              <a:buNone/>
+              <a:tabLst/>
+              <a:defRPr/>
+            </a:pPr>
+            <a:endParaRPr lang="zh-CN" altLang="en-US" dirty="0"/>
+          </a:p>
+        </p:txBody>
+      </p:sp>
+      <p:sp>
+        <p:nvSpPr>
+          <p:cNvPr id="4" name="灯片编号占位符 3"/>
+          <p:cNvSpPr>
+            <a:spLocks noGrp="1"/>
+          </p:cNvSpPr>
+          <p:nvPr>
+            <p:ph type="sldNum" sz="quarter" idx="10"/>
+          </p:nvPr>
+        </p:nvSpPr>
+        <p:spPr/>
+        <p:txBody>
+          <a:bodyPr/>
+          <a:lstStyle/>
+          <a:p>
+            <a:fld id="{05E6AA64-245C-409D-8BE8-FD8C1533D811}" type="slidenum">
+              <a:rPr lang="zh-CN" altLang="en-US" smtClean="0"/>
+              <a:t>21</a:t>
+            </a:fld>
+            <a:endParaRPr lang="zh-CN" altLang="en-US"/>
+          </a:p>
+        </p:txBody>
+      </p:sp>
+    </p:spTree>
+    <p:extLst>
+      <p:ext uri="{BB962C8B-B14F-4D97-AF65-F5344CB8AC3E}">
+        <p14:creationId xmlns:p14="http://schemas.microsoft.com/office/powerpoint/2010/main" val="1857848246"/>
+      </p:ext>
+    </p:extLst>
+  </p:cSld>
+  <p:clrMapOvr>
+    <a:masterClrMapping/>
+  </p:clrMapOvr>
+</p:notes>
+</file>
+
 <file path=ppt/notesSlides/notesSlide2.xml><?xml version="1.0" encoding="utf-8"?>
 <p:notes xmlns:a="http://schemas.openxmlformats.org/drawingml/2006/main" xmlns:r="http://schemas.openxmlformats.org/officeDocument/2006/relationships" xmlns:p="http://schemas.openxmlformats.org/presentationml/2006/main">
   <p:cSld>
@@ -1007,25 +1109,41 @@
               <a:defRPr/>
             </a:pPr>
             <a:r>
-              <a:rPr lang="zh-CN" altLang="en-US" sz="1200" kern="1200" dirty="0" smtClean="0">
-                <a:solidFill>
-                  <a:schemeClr val="tx1"/>
-                </a:solidFill>
-                <a:effectLst/>
-                <a:latin typeface="+mn-lt"/>
-                <a:ea typeface="+mn-ea"/>
-                <a:cs typeface="+mn-cs"/>
-              </a:rPr>
-              <a:t>从喷管入口到出口，气流温度逐渐降低，这主要是因为，气体速度增加，从而动能增加，内能减小。</a:t>
-            </a:r>
-            <a:endParaRPr lang="en-US" altLang="zh-CN" sz="1200" kern="1200" dirty="0" smtClean="0">
-              <a:solidFill>
-                <a:schemeClr val="tx1"/>
-              </a:solidFill>
-              <a:effectLst/>
-              <a:latin typeface="+mn-lt"/>
-              <a:ea typeface="+mn-ea"/>
-              <a:cs typeface="+mn-cs"/>
+              <a:rPr lang="en-US" altLang="zh-CN" sz="1200" dirty="0" smtClean="0">
+                <a:latin typeface="Times New Roman" panose="02020603050405020304" pitchFamily="18" charset="0"/>
+                <a:ea typeface="华文细黑" panose="02010600040101010101" pitchFamily="2" charset="-122"/>
+                <a:cs typeface="Times New Roman" panose="02020603050405020304" pitchFamily="18" charset="0"/>
+              </a:rPr>
+              <a:t>v</a:t>
+            </a:r>
+            <a:r>
+              <a:rPr lang="zh-CN" altLang="en-US" sz="1200" dirty="0" smtClean="0">
+                <a:latin typeface="Times New Roman" panose="02020603050405020304" pitchFamily="18" charset="0"/>
+                <a:ea typeface="华文细黑" panose="02010600040101010101" pitchFamily="2" charset="-122"/>
+                <a:cs typeface="Times New Roman" panose="02020603050405020304" pitchFamily="18" charset="0"/>
+              </a:rPr>
+              <a:t>速度的产生主要是因为喷管结构中的收缩和扩张段，因此，收缩和扩张段也是</a:t>
+            </a:r>
+            <a:r>
+              <a:rPr lang="en-US" altLang="zh-CN" sz="1200" dirty="0" smtClean="0">
+                <a:latin typeface="Times New Roman" panose="02020603050405020304" pitchFamily="18" charset="0"/>
+                <a:ea typeface="华文细黑" panose="02010600040101010101" pitchFamily="2" charset="-122"/>
+                <a:cs typeface="Times New Roman" panose="02020603050405020304" pitchFamily="18" charset="0"/>
+              </a:rPr>
+              <a:t>v</a:t>
+            </a:r>
+            <a:r>
+              <a:rPr lang="zh-CN" altLang="en-US" sz="1200" dirty="0" smtClean="0">
+                <a:latin typeface="Times New Roman" panose="02020603050405020304" pitchFamily="18" charset="0"/>
+                <a:ea typeface="华文细黑" panose="02010600040101010101" pitchFamily="2" charset="-122"/>
+                <a:cs typeface="Times New Roman" panose="02020603050405020304" pitchFamily="18" charset="0"/>
+              </a:rPr>
+              <a:t>速度变化比较剧烈的地方，尤其是在壁面附近。</a:t>
+            </a:r>
+            <a:endParaRPr lang="en-US" altLang="zh-CN" sz="1200" dirty="0" smtClean="0">
+              <a:latin typeface="Times New Roman" panose="02020603050405020304" pitchFamily="18" charset="0"/>
+              <a:ea typeface="华文细黑" panose="02010600040101010101" pitchFamily="2" charset="-122"/>
+              <a:cs typeface="Times New Roman" panose="02020603050405020304" pitchFamily="18" charset="0"/>
             </a:endParaRPr>
           </a:p>
           <a:p>
@@ -1047,25 +1165,33 @@
               <a:defRPr/>
             </a:pPr>
             <a:r>
-              <a:rPr lang="zh-CN" altLang="en-US" sz="1200" kern="1200" dirty="0" smtClean="0">
-                <a:solidFill>
-                  <a:schemeClr val="tx1"/>
-                </a:solidFill>
-                <a:effectLst/>
-                <a:latin typeface="+mn-lt"/>
-                <a:ea typeface="+mn-ea"/>
-                <a:cs typeface="+mn-cs"/>
-              </a:rPr>
-              <a:t>而且温度的分布规律与速度的分布规律非常一致，即在喉部之前变化不大，而在扩张段变化显著，因此，喷管斜切角对温度分布的影响规律也与其对速度的分布规律基本一致，</a:t>
-            </a:r>
-            <a:endParaRPr lang="en-US" altLang="zh-CN" sz="1200" kern="1200" dirty="0" smtClean="0">
-              <a:solidFill>
-                <a:schemeClr val="tx1"/>
-              </a:solidFill>
-              <a:effectLst/>
-              <a:latin typeface="+mn-lt"/>
-              <a:ea typeface="+mn-ea"/>
-              <a:cs typeface="+mn-cs"/>
+              <a:rPr lang="zh-CN" altLang="en-US" sz="1200" dirty="0" smtClean="0">
+                <a:latin typeface="Times New Roman" panose="02020603050405020304" pitchFamily="18" charset="0"/>
+                <a:ea typeface="华文细黑" panose="02010600040101010101" pitchFamily="2" charset="-122"/>
+                <a:cs typeface="Times New Roman" panose="02020603050405020304" pitchFamily="18" charset="0"/>
+              </a:rPr>
+              <a:t>在收缩段，上下壁面附近的</a:t>
+            </a:r>
+            <a:r>
+              <a:rPr lang="en-US" altLang="zh-CN" sz="1200" dirty="0" smtClean="0">
+                <a:latin typeface="Times New Roman" panose="02020603050405020304" pitchFamily="18" charset="0"/>
+                <a:ea typeface="华文细黑" panose="02010600040101010101" pitchFamily="2" charset="-122"/>
+                <a:cs typeface="Times New Roman" panose="02020603050405020304" pitchFamily="18" charset="0"/>
+              </a:rPr>
+              <a:t>v</a:t>
+            </a:r>
+            <a:r>
+              <a:rPr lang="zh-CN" altLang="en-US" sz="1200" dirty="0" smtClean="0">
+                <a:latin typeface="Times New Roman" panose="02020603050405020304" pitchFamily="18" charset="0"/>
+                <a:ea typeface="华文细黑" panose="02010600040101010101" pitchFamily="2" charset="-122"/>
+                <a:cs typeface="Times New Roman" panose="02020603050405020304" pitchFamily="18" charset="0"/>
+              </a:rPr>
+              <a:t>速度关于喷管轴线基本呈反对称分布，即大小相等而方向相反。</a:t>
+            </a:r>
+            <a:endParaRPr lang="en-US" altLang="zh-CN" sz="1200" dirty="0" smtClean="0">
+              <a:latin typeface="Times New Roman" panose="02020603050405020304" pitchFamily="18" charset="0"/>
+              <a:ea typeface="华文细黑" panose="02010600040101010101" pitchFamily="2" charset="-122"/>
+              <a:cs typeface="Times New Roman" panose="02020603050405020304" pitchFamily="18" charset="0"/>
             </a:endParaRPr>
           </a:p>
           <a:p>
@@ -1087,16 +1213,28 @@
               <a:defRPr/>
             </a:pPr>
             <a:r>
-              <a:rPr lang="zh-CN" altLang="en-US" sz="1200" kern="1200" dirty="0" smtClean="0">
-                <a:solidFill>
-                  <a:schemeClr val="tx1"/>
-                </a:solidFill>
-                <a:effectLst/>
-                <a:latin typeface="+mn-lt"/>
-                <a:ea typeface="+mn-ea"/>
-                <a:cs typeface="+mn-cs"/>
-              </a:rPr>
-              <a:t>随着斜切角的增加，喷管出口气流温度逐渐增加</a:t>
+              <a:rPr lang="zh-CN" altLang="en-US" sz="1200" dirty="0" smtClean="0">
+                <a:latin typeface="Times New Roman" panose="02020603050405020304" pitchFamily="18" charset="0"/>
+                <a:ea typeface="华文细黑" panose="02010600040101010101" pitchFamily="2" charset="-122"/>
+                <a:cs typeface="Times New Roman" panose="02020603050405020304" pitchFamily="18" charset="0"/>
+              </a:rPr>
+              <a:t>由于斜切角的存在，在扩张段，这种对称性遭到破坏，在喷管斜切角较大时，</a:t>
+            </a:r>
+            <a:r>
+              <a:rPr lang="en-US" altLang="zh-CN" sz="1200" dirty="0" smtClean="0">
+                <a:latin typeface="Times New Roman" panose="02020603050405020304" pitchFamily="18" charset="0"/>
+                <a:ea typeface="华文细黑" panose="02010600040101010101" pitchFamily="2" charset="-122"/>
+                <a:cs typeface="Times New Roman" panose="02020603050405020304" pitchFamily="18" charset="0"/>
+              </a:rPr>
+              <a:t>v</a:t>
+            </a:r>
+            <a:r>
+              <a:rPr lang="zh-CN" altLang="en-US" sz="1200" dirty="0" smtClean="0">
+                <a:latin typeface="Times New Roman" panose="02020603050405020304" pitchFamily="18" charset="0"/>
+                <a:ea typeface="华文细黑" panose="02010600040101010101" pitchFamily="2" charset="-122"/>
+                <a:cs typeface="Times New Roman" panose="02020603050405020304" pitchFamily="18" charset="0"/>
+              </a:rPr>
+              <a:t>速度的对称性逐渐恢复。</a:t>
             </a:r>
             <a:endParaRPr lang="zh-CN" altLang="en-US" dirty="0"/>
           </a:p>
@@ -1266,23 +1404,6 @@
           <a:bodyPr/>
           <a:lstStyle/>
           <a:p>
-            <a:pPr marL="0" marR="0" indent="0" algn="l" defTabSz="914400" rtl="0" eaLnBrk="1" fontAlgn="auto" latinLnBrk="0" hangingPunct="1">
-              <a:lnSpc>
-                <a:spcPct val="100000"/>
-              </a:lnSpc>
-              <a:spcBef>
-                <a:spcPts val="0"/>
-              </a:spcBef>
-              <a:spcAft>
-                <a:spcPts val="0"/>
-              </a:spcAft>
-              <a:buClrTx/>
-              <a:buSzTx/>
-              <a:buFontTx/>
-              <a:buNone/>
-              <a:tabLst/>
-              <a:defRPr/>
-            </a:pPr>
             <a:endParaRPr lang="zh-CN" altLang="en-US" dirty="0"/>
           </a:p>
         </p:txBody>
@@ -1313,7 +1434,7 @@
     </p:spTree>
     <p:extLst>
       <p:ext uri="{BB962C8B-B14F-4D97-AF65-F5344CB8AC3E}">
-        <p14:creationId xmlns:p14="http://schemas.microsoft.com/office/powerpoint/2010/main" val="760162277"/>
+        <p14:creationId xmlns:p14="http://schemas.microsoft.com/office/powerpoint/2010/main" val="2514349000"/>
       </p:ext>
     </p:extLst>
   </p:cSld>
@@ -1414,7 +1535,7 @@
     </p:spTree>
     <p:extLst>
       <p:ext uri="{BB962C8B-B14F-4D97-AF65-F5344CB8AC3E}">
-        <p14:creationId xmlns:p14="http://schemas.microsoft.com/office/powerpoint/2010/main" val="2426159764"/>
+        <p14:creationId xmlns:p14="http://schemas.microsoft.com/office/powerpoint/2010/main" val="760162277"/>
       </p:ext>
     </p:extLst>
   </p:cSld>
@@ -1515,7 +1636,7 @@
     </p:spTree>
     <p:extLst>
       <p:ext uri="{BB962C8B-B14F-4D97-AF65-F5344CB8AC3E}">
-        <p14:creationId xmlns:p14="http://schemas.microsoft.com/office/powerpoint/2010/main" val="4064483037"/>
+        <p14:creationId xmlns:p14="http://schemas.microsoft.com/office/powerpoint/2010/main" val="1632180363"/>
       </p:ext>
     </p:extLst>
   </p:cSld>
@@ -1616,7 +1737,7 @@
     </p:spTree>
     <p:extLst>
       <p:ext uri="{BB962C8B-B14F-4D97-AF65-F5344CB8AC3E}">
-        <p14:creationId xmlns:p14="http://schemas.microsoft.com/office/powerpoint/2010/main" val="814963491"/>
+        <p14:creationId xmlns:p14="http://schemas.microsoft.com/office/powerpoint/2010/main" val="4064483037"/>
       </p:ext>
     </p:extLst>
   </p:cSld>
@@ -1757,7 +1878,7 @@
           <a:p>
             <a:fld id="{D4BA5219-96DE-4C60-8FCE-EDBFE1B99FF2}" type="datetimeFigureOut">
               <a:rPr lang="zh-CN" altLang="en-US" smtClean="0"/>
-              <a:t>2016/6/21</a:t>
+              <a:t>2016/6/23</a:t>
             </a:fld>
             <a:endParaRPr lang="zh-CN" altLang="en-US"/>
           </a:p>
@@ -1927,7 +2048,7 @@
           <a:p>
             <a:fld id="{D4BA5219-96DE-4C60-8FCE-EDBFE1B99FF2}" type="datetimeFigureOut">
               <a:rPr lang="zh-CN" altLang="en-US" smtClean="0"/>
-              <a:t>2016/6/21</a:t>
+              <a:t>2016/6/23</a:t>
             </a:fld>
             <a:endParaRPr lang="zh-CN" altLang="en-US"/>
           </a:p>
@@ -2107,7 +2228,7 @@
           <a:p>
             <a:fld id="{D4BA5219-96DE-4C60-8FCE-EDBFE1B99FF2}" type="datetimeFigureOut">
               <a:rPr lang="zh-CN" altLang="en-US" smtClean="0"/>
-              <a:t>2016/6/21</a:t>
+              <a:t>2016/6/23</a:t>
             </a:fld>
             <a:endParaRPr lang="zh-CN" altLang="en-US"/>
           </a:p>
@@ -2277,7 +2398,7 @@
           <a:p>
             <a:fld id="{D4BA5219-96DE-4C60-8FCE-EDBFE1B99FF2}" type="datetimeFigureOut">
               <a:rPr lang="zh-CN" altLang="en-US" smtClean="0"/>
-              <a:t>2016/6/21</a:t>
+              <a:t>2016/6/23</a:t>
             </a:fld>
             <a:endParaRPr lang="zh-CN" altLang="en-US"/>
           </a:p>
@@ -2521,7 +2642,7 @@
           <a:p>
             <a:fld id="{D4BA5219-96DE-4C60-8FCE-EDBFE1B99FF2}" type="datetimeFigureOut">
               <a:rPr lang="zh-CN" altLang="en-US" smtClean="0"/>
-              <a:t>2016/6/21</a:t>
+              <a:t>2016/6/23</a:t>
             </a:fld>
             <a:endParaRPr lang="zh-CN" altLang="en-US"/>
           </a:p>
@@ -2753,7 +2874,7 @@
           <a:p>
             <a:fld id="{D4BA5219-96DE-4C60-8FCE-EDBFE1B99FF2}" type="datetimeFigureOut">
               <a:rPr lang="zh-CN" altLang="en-US" smtClean="0"/>
-              <a:t>2016/6/21</a:t>
+              <a:t>2016/6/23</a:t>
             </a:fld>
             <a:endParaRPr lang="zh-CN" altLang="en-US"/>
           </a:p>
@@ -3120,7 +3241,7 @@
           <a:p>
             <a:fld id="{D4BA5219-96DE-4C60-8FCE-EDBFE1B99FF2}" type="datetimeFigureOut">
               <a:rPr lang="zh-CN" altLang="en-US" smtClean="0"/>
-              <a:t>2016/6/21</a:t>
+              <a:t>2016/6/23</a:t>
             </a:fld>
             <a:endParaRPr lang="zh-CN" altLang="en-US"/>
           </a:p>
@@ -3238,7 +3359,7 @@
           <a:p>
             <a:fld id="{D4BA5219-96DE-4C60-8FCE-EDBFE1B99FF2}" type="datetimeFigureOut">
               <a:rPr lang="zh-CN" altLang="en-US" smtClean="0"/>
-              <a:t>2016/6/21</a:t>
+              <a:t>2016/6/23</a:t>
             </a:fld>
             <a:endParaRPr lang="zh-CN" altLang="en-US"/>
           </a:p>
@@ -3333,7 +3454,7 @@
           <a:p>
             <a:fld id="{D4BA5219-96DE-4C60-8FCE-EDBFE1B99FF2}" type="datetimeFigureOut">
               <a:rPr lang="zh-CN" altLang="en-US" smtClean="0"/>
-              <a:t>2016/6/21</a:t>
+              <a:t>2016/6/23</a:t>
             </a:fld>
             <a:endParaRPr lang="zh-CN" altLang="en-US"/>
           </a:p>
@@ -3610,7 +3731,7 @@
           <a:p>
             <a:fld id="{D4BA5219-96DE-4C60-8FCE-EDBFE1B99FF2}" type="datetimeFigureOut">
               <a:rPr lang="zh-CN" altLang="en-US" smtClean="0"/>
-              <a:t>2016/6/21</a:t>
+              <a:t>2016/6/23</a:t>
             </a:fld>
             <a:endParaRPr lang="zh-CN" altLang="en-US"/>
           </a:p>
@@ -3867,7 +3988,7 @@
           <a:p>
             <a:fld id="{D4BA5219-96DE-4C60-8FCE-EDBFE1B99FF2}" type="datetimeFigureOut">
               <a:rPr lang="zh-CN" altLang="en-US" smtClean="0"/>
-              <a:t>2016/6/21</a:t>
+              <a:t>2016/6/23</a:t>
             </a:fld>
             <a:endParaRPr lang="zh-CN" altLang="en-US"/>
           </a:p>
@@ -4080,7 +4201,7 @@
           <a:p>
             <a:fld id="{D4BA5219-96DE-4C60-8FCE-EDBFE1B99FF2}" type="datetimeFigureOut">
               <a:rPr lang="zh-CN" altLang="en-US" smtClean="0"/>
-              <a:t>2016/6/21</a:t>
+              <a:t>2016/6/23</a:t>
             </a:fld>
             <a:endParaRPr lang="zh-CN" altLang="en-US"/>
           </a:p>
@@ -4882,7 +5003,7 @@
           <a:graphicData uri="http://schemas.openxmlformats.org/presentationml/2006/ole">
             <mc:AlternateContent xmlns:mc="http://schemas.openxmlformats.org/markup-compatibility/2006">
               <mc:Choice xmlns:v="urn:schemas-microsoft-com:vml" Requires="v">
-                <p:oleObj spid="_x0000_s18545" name="Equation" r:id="rId3" imgW="1307880" imgH="444240" progId="Equation.DSMT4">
+                <p:oleObj spid="_x0000_s18665" name="Equation" r:id="rId3" imgW="1307880" imgH="444240" progId="Equation.DSMT4">
                   <p:embed/>
                 </p:oleObj>
               </mc:Choice>
@@ -4943,7 +5064,7 @@
           <a:graphicData uri="http://schemas.openxmlformats.org/presentationml/2006/ole">
             <mc:AlternateContent xmlns:mc="http://schemas.openxmlformats.org/markup-compatibility/2006">
               <mc:Choice xmlns:v="urn:schemas-microsoft-com:vml" Requires="v">
-                <p:oleObj spid="_x0000_s18546" name="Equation" r:id="rId5" imgW="634680" imgH="457200" progId="Equation.DSMT4">
+                <p:oleObj spid="_x0000_s18666" name="Equation" r:id="rId5" imgW="634680" imgH="457200" progId="Equation.DSMT4">
                   <p:embed/>
                 </p:oleObj>
               </mc:Choice>
@@ -5080,7 +5201,7 @@
           <a:graphicData uri="http://schemas.openxmlformats.org/presentationml/2006/ole">
             <mc:AlternateContent xmlns:mc="http://schemas.openxmlformats.org/markup-compatibility/2006">
               <mc:Choice xmlns:v="urn:schemas-microsoft-com:vml" Requires="v">
-                <p:oleObj spid="_x0000_s18547" name="Equation" r:id="rId7" imgW="3479760" imgH="1917360" progId="Equation.DSMT4">
+                <p:oleObj spid="_x0000_s18667" name="Equation" r:id="rId7" imgW="3479760" imgH="1917360" progId="Equation.DSMT4">
                   <p:embed/>
                 </p:oleObj>
               </mc:Choice>
@@ -5796,7 +5917,7 @@
           <a:graphicData uri="http://schemas.openxmlformats.org/presentationml/2006/ole">
             <mc:AlternateContent xmlns:mc="http://schemas.openxmlformats.org/markup-compatibility/2006">
               <mc:Choice xmlns:v="urn:schemas-microsoft-com:vml" Requires="v">
-                <p:oleObj spid="_x0000_s19483" name="Equation" r:id="rId3" imgW="393480" imgH="431640" progId="Equation.DSMT4">
+                <p:oleObj spid="_x0000_s19523" name="Equation" r:id="rId3" imgW="393480" imgH="431640" progId="Equation.DSMT4">
                   <p:embed/>
                 </p:oleObj>
               </mc:Choice>
@@ -5874,7 +5995,7 @@
                 <a:ea typeface="华文细黑" panose="02010600040101010101" pitchFamily="2" charset="-122"/>
                 <a:cs typeface="Times New Roman" panose="02020603050405020304" pitchFamily="18" charset="0"/>
               </a:rPr>
-              <a:t>1e-6</a:t>
+              <a:t>1e-3</a:t>
             </a:r>
             <a:endParaRPr lang="zh-CN" altLang="en-US" sz="2000" dirty="0">
               <a:latin typeface="Times New Roman" panose="02020603050405020304" pitchFamily="18" charset="0"/>
@@ -6250,8 +6371,8 @@
         </p:blipFill>
         <p:spPr>
           <a:xfrm>
-            <a:off x="697559" y="1340993"/>
-            <a:ext cx="2469515" cy="2195830"/>
+            <a:off x="0" y="1772314"/>
+            <a:ext cx="2952523" cy="2644412"/>
           </a:xfrm>
           <a:prstGeom prst="rect">
             <a:avLst/>
@@ -6278,8 +6399,8 @@
         </p:blipFill>
         <p:spPr>
           <a:xfrm>
-            <a:off x="3348159" y="1340993"/>
-            <a:ext cx="2469515" cy="2195830"/>
+            <a:off x="2995969" y="1632741"/>
+            <a:ext cx="2819728" cy="2799687"/>
           </a:xfrm>
           <a:prstGeom prst="rect">
             <a:avLst/>
@@ -6306,8 +6427,8 @@
         </p:blipFill>
         <p:spPr>
           <a:xfrm>
-            <a:off x="6097695" y="1340993"/>
-            <a:ext cx="2469515" cy="2195830"/>
+            <a:off x="6011431" y="1772314"/>
+            <a:ext cx="2716675" cy="2644411"/>
           </a:xfrm>
           <a:prstGeom prst="rect">
             <a:avLst/>
@@ -6690,8 +6811,8 @@
         </p:blipFill>
         <p:spPr>
           <a:xfrm>
-            <a:off x="706186" y="1459817"/>
-            <a:ext cx="2469515" cy="2195830"/>
+            <a:off x="24772" y="1830752"/>
+            <a:ext cx="3089369" cy="2853663"/>
           </a:xfrm>
           <a:prstGeom prst="rect">
             <a:avLst/>
@@ -6718,8 +6839,8 @@
         </p:blipFill>
         <p:spPr>
           <a:xfrm>
-            <a:off x="3483891" y="1459817"/>
-            <a:ext cx="2469515" cy="2195830"/>
+            <a:off x="3165897" y="1830752"/>
+            <a:ext cx="3001992" cy="2853663"/>
           </a:xfrm>
           <a:prstGeom prst="rect">
             <a:avLst/>
@@ -6746,8 +6867,8 @@
         </p:blipFill>
         <p:spPr>
           <a:xfrm>
-            <a:off x="6577770" y="1459817"/>
-            <a:ext cx="2469515" cy="2195830"/>
+            <a:off x="6167889" y="1935587"/>
+            <a:ext cx="2924355" cy="2748828"/>
           </a:xfrm>
           <a:prstGeom prst="rect">
             <a:avLst/>
@@ -7036,7 +7157,7 @@
         </p:nvSpPr>
         <p:spPr>
           <a:xfrm>
-            <a:off x="283559" y="5346134"/>
+            <a:off x="325132" y="4992451"/>
             <a:ext cx="8530811" cy="1323439"/>
           </a:xfrm>
           <a:prstGeom prst="rect">
@@ -7111,7 +7232,7 @@
         <p:spPr>
           <a:xfrm>
             <a:off x="6063189" y="1721530"/>
-            <a:ext cx="2469515" cy="2195830"/>
+            <a:ext cx="2891030" cy="2867722"/>
           </a:xfrm>
           <a:prstGeom prst="rect">
             <a:avLst/>
@@ -7138,8 +7259,8 @@
         </p:blipFill>
         <p:spPr>
           <a:xfrm>
-            <a:off x="3157806" y="1680482"/>
-            <a:ext cx="2469515" cy="2195830"/>
+            <a:off x="3157806" y="1680481"/>
+            <a:ext cx="2837552" cy="2908771"/>
           </a:xfrm>
           <a:prstGeom prst="rect">
             <a:avLst/>
@@ -7166,8 +7287,8 @@
         </p:blipFill>
         <p:spPr>
           <a:xfrm>
-            <a:off x="325132" y="1671852"/>
-            <a:ext cx="2469515" cy="2195830"/>
+            <a:off x="-311" y="1500279"/>
+            <a:ext cx="3090286" cy="3107729"/>
           </a:xfrm>
           <a:prstGeom prst="rect">
             <a:avLst/>
@@ -7468,8 +7589,8 @@
         </p:blipFill>
         <p:spPr>
           <a:xfrm>
-            <a:off x="6232036" y="1416685"/>
-            <a:ext cx="2469515" cy="2195830"/>
+            <a:off x="5934661" y="1770493"/>
+            <a:ext cx="2860205" cy="2663610"/>
           </a:xfrm>
           <a:prstGeom prst="rect">
             <a:avLst/>
@@ -7496,8 +7617,8 @@
         </p:blipFill>
         <p:spPr>
           <a:xfrm>
-            <a:off x="3250978" y="1416685"/>
-            <a:ext cx="2469515" cy="2195830"/>
+            <a:off x="3038182" y="1770493"/>
+            <a:ext cx="2853503" cy="2734442"/>
           </a:xfrm>
           <a:prstGeom prst="rect">
             <a:avLst/>
@@ -7524,14 +7645,193 @@
         </p:blipFill>
         <p:spPr>
           <a:xfrm>
-            <a:off x="516474" y="1400526"/>
-            <a:ext cx="2469515" cy="2195830"/>
+            <a:off x="78367" y="1644012"/>
+            <a:ext cx="2916839" cy="2860923"/>
           </a:xfrm>
           <a:prstGeom prst="rect">
             <a:avLst/>
           </a:prstGeom>
         </p:spPr>
       </p:pic>
+      <p:sp>
+        <p:nvSpPr>
+          <p:cNvPr id="10" name="矩形 9"/>
+          <p:cNvSpPr/>
+          <p:nvPr/>
+        </p:nvSpPr>
+        <p:spPr>
+          <a:xfrm>
+            <a:off x="325132" y="4992451"/>
+            <a:ext cx="8637713" cy="1323439"/>
+          </a:xfrm>
+          <a:prstGeom prst="rect">
+            <a:avLst/>
+          </a:prstGeom>
+        </p:spPr>
+        <p:txBody>
+          <a:bodyPr wrap="square">
+            <a:spAutoFit/>
+          </a:bodyPr>
+          <a:lstStyle/>
+          <a:p>
+            <a:pPr marL="342900" indent="-342900" eaLnBrk="0" fontAlgn="base" hangingPunct="0">
+              <a:spcBef>
+                <a:spcPct val="0"/>
+              </a:spcBef>
+              <a:spcAft>
+                <a:spcPct val="0"/>
+              </a:spcAft>
+              <a:buFont typeface="Arial" panose="020B0604020202020204" pitchFamily="34" charset="0"/>
+              <a:buChar char="•"/>
+            </a:pPr>
+            <a:r>
+              <a:rPr lang="zh-CN" altLang="en-US" sz="2000" dirty="0" smtClean="0">
+                <a:latin typeface="Times New Roman" panose="02020603050405020304" pitchFamily="18" charset="0"/>
+                <a:ea typeface="华文细黑" panose="02010600040101010101" pitchFamily="2" charset="-122"/>
+                <a:cs typeface="Times New Roman" panose="02020603050405020304" pitchFamily="18" charset="0"/>
+              </a:rPr>
+              <a:t>收缩</a:t>
+            </a:r>
+            <a:r>
+              <a:rPr lang="zh-CN" altLang="en-US" sz="2000" dirty="0">
+                <a:latin typeface="Times New Roman" panose="02020603050405020304" pitchFamily="18" charset="0"/>
+                <a:ea typeface="华文细黑" panose="02010600040101010101" pitchFamily="2" charset="-122"/>
+                <a:cs typeface="Times New Roman" panose="02020603050405020304" pitchFamily="18" charset="0"/>
+              </a:rPr>
+              <a:t>和扩张段也是</a:t>
+            </a:r>
+            <a:r>
+              <a:rPr lang="en-US" altLang="zh-CN" sz="2000" dirty="0">
+                <a:latin typeface="Times New Roman" panose="02020603050405020304" pitchFamily="18" charset="0"/>
+                <a:ea typeface="华文细黑" panose="02010600040101010101" pitchFamily="2" charset="-122"/>
+                <a:cs typeface="Times New Roman" panose="02020603050405020304" pitchFamily="18" charset="0"/>
+              </a:rPr>
+              <a:t>v</a:t>
+            </a:r>
+            <a:r>
+              <a:rPr lang="zh-CN" altLang="en-US" sz="2000" dirty="0">
+                <a:latin typeface="Times New Roman" panose="02020603050405020304" pitchFamily="18" charset="0"/>
+                <a:ea typeface="华文细黑" panose="02010600040101010101" pitchFamily="2" charset="-122"/>
+                <a:cs typeface="Times New Roman" panose="02020603050405020304" pitchFamily="18" charset="0"/>
+              </a:rPr>
+              <a:t>速度变化比较剧烈的地方，尤其是在壁面</a:t>
+            </a:r>
+            <a:r>
+              <a:rPr lang="zh-CN" altLang="en-US" sz="2000" dirty="0" smtClean="0">
+                <a:latin typeface="Times New Roman" panose="02020603050405020304" pitchFamily="18" charset="0"/>
+                <a:ea typeface="华文细黑" panose="02010600040101010101" pitchFamily="2" charset="-122"/>
+                <a:cs typeface="Times New Roman" panose="02020603050405020304" pitchFamily="18" charset="0"/>
+              </a:rPr>
+              <a:t>附近</a:t>
+            </a:r>
+            <a:endParaRPr lang="en-US" altLang="zh-CN" sz="2000" dirty="0" smtClean="0">
+              <a:latin typeface="Times New Roman" panose="02020603050405020304" pitchFamily="18" charset="0"/>
+              <a:ea typeface="华文细黑" panose="02010600040101010101" pitchFamily="2" charset="-122"/>
+              <a:cs typeface="Times New Roman" panose="02020603050405020304" pitchFamily="18" charset="0"/>
+            </a:endParaRPr>
+          </a:p>
+          <a:p>
+            <a:pPr marL="342900" indent="-342900" eaLnBrk="0" fontAlgn="base" hangingPunct="0">
+              <a:spcBef>
+                <a:spcPct val="0"/>
+              </a:spcBef>
+              <a:spcAft>
+                <a:spcPct val="0"/>
+              </a:spcAft>
+              <a:buFont typeface="Arial" panose="020B0604020202020204" pitchFamily="34" charset="0"/>
+              <a:buChar char="•"/>
+            </a:pPr>
+            <a:r>
+              <a:rPr lang="zh-CN" altLang="en-US" sz="2000" dirty="0" smtClean="0">
+                <a:latin typeface="Times New Roman" panose="02020603050405020304" pitchFamily="18" charset="0"/>
+                <a:ea typeface="华文细黑" panose="02010600040101010101" pitchFamily="2" charset="-122"/>
+                <a:cs typeface="Times New Roman" panose="02020603050405020304" pitchFamily="18" charset="0"/>
+              </a:rPr>
+              <a:t>在</a:t>
+            </a:r>
+            <a:r>
+              <a:rPr lang="zh-CN" altLang="en-US" sz="2000" dirty="0">
+                <a:latin typeface="Times New Roman" panose="02020603050405020304" pitchFamily="18" charset="0"/>
+                <a:ea typeface="华文细黑" panose="02010600040101010101" pitchFamily="2" charset="-122"/>
+                <a:cs typeface="Times New Roman" panose="02020603050405020304" pitchFamily="18" charset="0"/>
+              </a:rPr>
+              <a:t>收缩段，上下壁面附近的</a:t>
+            </a:r>
+            <a:r>
+              <a:rPr lang="en-US" altLang="zh-CN" sz="2000" dirty="0">
+                <a:latin typeface="Times New Roman" panose="02020603050405020304" pitchFamily="18" charset="0"/>
+                <a:ea typeface="华文细黑" panose="02010600040101010101" pitchFamily="2" charset="-122"/>
+                <a:cs typeface="Times New Roman" panose="02020603050405020304" pitchFamily="18" charset="0"/>
+              </a:rPr>
+              <a:t>v</a:t>
+            </a:r>
+            <a:r>
+              <a:rPr lang="zh-CN" altLang="en-US" sz="2000" dirty="0">
+                <a:latin typeface="Times New Roman" panose="02020603050405020304" pitchFamily="18" charset="0"/>
+                <a:ea typeface="华文细黑" panose="02010600040101010101" pitchFamily="2" charset="-122"/>
+                <a:cs typeface="Times New Roman" panose="02020603050405020304" pitchFamily="18" charset="0"/>
+              </a:rPr>
+              <a:t>速度关于喷管轴线基本呈反对称</a:t>
+            </a:r>
+            <a:r>
+              <a:rPr lang="zh-CN" altLang="en-US" sz="2000" dirty="0" smtClean="0">
+                <a:latin typeface="Times New Roman" panose="02020603050405020304" pitchFamily="18" charset="0"/>
+                <a:ea typeface="华文细黑" panose="02010600040101010101" pitchFamily="2" charset="-122"/>
+                <a:cs typeface="Times New Roman" panose="02020603050405020304" pitchFamily="18" charset="0"/>
+              </a:rPr>
+              <a:t>分布</a:t>
+            </a:r>
+            <a:r>
+              <a:rPr lang="en-US" altLang="zh-CN" sz="2000" dirty="0" smtClean="0">
+                <a:latin typeface="Times New Roman" panose="02020603050405020304" pitchFamily="18" charset="0"/>
+                <a:ea typeface="华文细黑" panose="02010600040101010101" pitchFamily="2" charset="-122"/>
+                <a:cs typeface="Times New Roman" panose="02020603050405020304" pitchFamily="18" charset="0"/>
+              </a:rPr>
+              <a:t>,</a:t>
+            </a:r>
+            <a:r>
+              <a:rPr lang="zh-CN" altLang="en-US" sz="2000" dirty="0" smtClean="0">
+                <a:latin typeface="Times New Roman" panose="02020603050405020304" pitchFamily="18" charset="0"/>
+                <a:ea typeface="华文细黑" panose="02010600040101010101" pitchFamily="2" charset="-122"/>
+                <a:cs typeface="Times New Roman" panose="02020603050405020304" pitchFamily="18" charset="0"/>
+              </a:rPr>
+              <a:t>由于</a:t>
+            </a:r>
+            <a:r>
+              <a:rPr lang="zh-CN" altLang="en-US" sz="2000" dirty="0">
+                <a:latin typeface="Times New Roman" panose="02020603050405020304" pitchFamily="18" charset="0"/>
+                <a:ea typeface="华文细黑" panose="02010600040101010101" pitchFamily="2" charset="-122"/>
+                <a:cs typeface="Times New Roman" panose="02020603050405020304" pitchFamily="18" charset="0"/>
+              </a:rPr>
+              <a:t>斜切角的存在，在扩张段，这种对称性遭到破坏，在喷管斜切角较大时，</a:t>
+            </a:r>
+            <a:r>
+              <a:rPr lang="en-US" altLang="zh-CN" sz="2000" dirty="0">
+                <a:latin typeface="Times New Roman" panose="02020603050405020304" pitchFamily="18" charset="0"/>
+                <a:ea typeface="华文细黑" panose="02010600040101010101" pitchFamily="2" charset="-122"/>
+                <a:cs typeface="Times New Roman" panose="02020603050405020304" pitchFamily="18" charset="0"/>
+              </a:rPr>
+              <a:t>v</a:t>
+            </a:r>
+            <a:r>
+              <a:rPr lang="zh-CN" altLang="en-US" sz="2000" dirty="0">
+                <a:latin typeface="Times New Roman" panose="02020603050405020304" pitchFamily="18" charset="0"/>
+                <a:ea typeface="华文细黑" panose="02010600040101010101" pitchFamily="2" charset="-122"/>
+                <a:cs typeface="Times New Roman" panose="02020603050405020304" pitchFamily="18" charset="0"/>
+              </a:rPr>
+              <a:t>速度的对称性逐渐</a:t>
+            </a:r>
+            <a:r>
+              <a:rPr lang="zh-CN" altLang="en-US" sz="2000" dirty="0" smtClean="0">
+                <a:latin typeface="Times New Roman" panose="02020603050405020304" pitchFamily="18" charset="0"/>
+                <a:ea typeface="华文细黑" panose="02010600040101010101" pitchFamily="2" charset="-122"/>
+                <a:cs typeface="Times New Roman" panose="02020603050405020304" pitchFamily="18" charset="0"/>
+              </a:rPr>
+              <a:t>恢复</a:t>
+            </a:r>
+          </a:p>
+        </p:txBody>
+      </p:sp>
     </p:spTree>
     <p:extLst>
       <p:ext uri="{BB962C8B-B14F-4D97-AF65-F5344CB8AC3E}">
@@ -7815,7 +8115,7 @@
         <p:spPr>
           <a:xfrm>
             <a:off x="283559" y="5346134"/>
-            <a:ext cx="8530811" cy="1323439"/>
+            <a:ext cx="8530811" cy="400110"/>
           </a:xfrm>
           <a:prstGeom prst="rect">
             <a:avLst/>
@@ -7838,12 +8138,20 @@
               <a:buChar char="•"/>
             </a:pPr>
             <a:r>
+              <a:rPr lang="zh-CN" altLang="en-US" sz="2000" dirty="0">
+                <a:latin typeface="Times New Roman" panose="02020603050405020304" pitchFamily="18" charset="0"/>
+                <a:ea typeface="华文细黑" panose="02010600040101010101" pitchFamily="2" charset="-122"/>
+                <a:cs typeface="Times New Roman" panose="02020603050405020304" pitchFamily="18" charset="0"/>
+              </a:rPr>
+              <a:t>喉</a:t>
+            </a:r>
+            <a:r>
               <a:rPr lang="zh-CN" altLang="en-US" sz="2000" dirty="0" smtClean="0">
                 <a:latin typeface="Times New Roman" panose="02020603050405020304" pitchFamily="18" charset="0"/>
                 <a:ea typeface="华文细黑" panose="02010600040101010101" pitchFamily="2" charset="-122"/>
                 <a:cs typeface="Times New Roman" panose="02020603050405020304" pitchFamily="18" charset="0"/>
               </a:rPr>
-              <a:t>在喷管出口的上部分壁面对应的截面上速度都是相同的，超音速区域仅仅受上游扰动的影响</a:t>
+              <a:t>部的大梯度区域弧度变大</a:t>
             </a:r>
             <a:endParaRPr lang="en-US" altLang="zh-CN" sz="2000" dirty="0" smtClean="0">
               <a:latin typeface="Times New Roman" panose="02020603050405020304" pitchFamily="18" charset="0"/>
@@ -7851,33 +8159,94 @@
               <a:cs typeface="Times New Roman" panose="02020603050405020304" pitchFamily="18" charset="0"/>
             </a:endParaRPr>
           </a:p>
-          <a:p>
-            <a:pPr marL="342900" indent="-342900" eaLnBrk="0" fontAlgn="base" hangingPunct="0">
-              <a:spcBef>
-                <a:spcPct val="0"/>
-              </a:spcBef>
-              <a:spcAft>
-                <a:spcPct val="0"/>
-              </a:spcAft>
-              <a:buFont typeface="Arial" panose="020B0604020202020204" pitchFamily="34" charset="0"/>
-              <a:buChar char="•"/>
-            </a:pPr>
-            <a:r>
-              <a:rPr lang="zh-CN" altLang="en-US" sz="2000" dirty="0" smtClean="0">
-                <a:latin typeface="Times New Roman" panose="02020603050405020304" pitchFamily="18" charset="0"/>
-                <a:ea typeface="华文细黑" panose="02010600040101010101" pitchFamily="2" charset="-122"/>
-                <a:cs typeface="Times New Roman" panose="02020603050405020304" pitchFamily="18" charset="0"/>
-              </a:rPr>
-              <a:t>喷管出口上表面出口以后的气流膨胀，速度进一步增加，斜切角越大，所能达到的最大速度也越大</a:t>
-            </a:r>
-            <a:endParaRPr lang="zh-CN" altLang="en-US" sz="2000" dirty="0">
-              <a:latin typeface="Times New Roman" panose="02020603050405020304" pitchFamily="18" charset="0"/>
-              <a:ea typeface="华文细黑" panose="02010600040101010101" pitchFamily="2" charset="-122"/>
-              <a:cs typeface="Times New Roman" panose="02020603050405020304" pitchFamily="18" charset="0"/>
-            </a:endParaRPr>
-          </a:p>
-        </p:txBody>
-      </p:sp>
+        </p:txBody>
+      </p:sp>
+      <p:pic>
+        <p:nvPicPr>
+          <p:cNvPr id="3" name="图片 2"/>
+          <p:cNvPicPr>
+            <a:picLocks noChangeAspect="1"/>
+          </p:cNvPicPr>
+          <p:nvPr/>
+        </p:nvPicPr>
+        <p:blipFill rotWithShape="1">
+          <a:blip r:embed="rId3">
+            <a:extLst>
+              <a:ext uri="{28A0092B-C50C-407E-A947-70E740481C1C}">
+                <a14:useLocalDpi xmlns:a14="http://schemas.microsoft.com/office/drawing/2010/main" val="0"/>
+              </a:ext>
+            </a:extLst>
+          </a:blip>
+          <a:srcRect l="12714" t="30050" r="10687" b="10544"/>
+          <a:stretch/>
+        </p:blipFill>
+        <p:spPr>
+          <a:xfrm>
+            <a:off x="2817252" y="1805030"/>
+            <a:ext cx="3103009" cy="2140163"/>
+          </a:xfrm>
+          <a:prstGeom prst="rect">
+            <a:avLst/>
+          </a:prstGeom>
+        </p:spPr>
+      </p:pic>
+      <p:pic>
+        <p:nvPicPr>
+          <p:cNvPr id="5" name="图片 4"/>
+          <p:cNvPicPr>
+            <a:picLocks noChangeAspect="1"/>
+          </p:cNvPicPr>
+          <p:nvPr/>
+        </p:nvPicPr>
+        <p:blipFill rotWithShape="1">
+          <a:blip r:embed="rId4">
+            <a:extLst>
+              <a:ext uri="{28A0092B-C50C-407E-A947-70E740481C1C}">
+                <a14:useLocalDpi xmlns:a14="http://schemas.microsoft.com/office/drawing/2010/main" val="0"/>
+              </a:ext>
+            </a:extLst>
+          </a:blip>
+          <a:srcRect l="12039" t="30556" r="10575" b="10038"/>
+          <a:stretch/>
+        </p:blipFill>
+        <p:spPr>
+          <a:xfrm>
+            <a:off x="5920261" y="1847438"/>
+            <a:ext cx="3223739" cy="2200777"/>
+          </a:xfrm>
+          <a:prstGeom prst="rect">
+            <a:avLst/>
+          </a:prstGeom>
+        </p:spPr>
+      </p:pic>
+      <p:pic>
+        <p:nvPicPr>
+          <p:cNvPr id="9" name="图片 8"/>
+          <p:cNvPicPr/>
+          <p:nvPr/>
+        </p:nvPicPr>
+        <p:blipFill>
+          <a:blip r:embed="rId5" cstate="print">
+            <a:extLst>
+              <a:ext uri="{28A0092B-C50C-407E-A947-70E740481C1C}">
+                <a14:useLocalDpi xmlns:a14="http://schemas.microsoft.com/office/drawing/2010/main" val="0"/>
+              </a:ext>
+            </a:extLst>
+          </a:blip>
+          <a:stretch>
+            <a:fillRect/>
+          </a:stretch>
+        </p:blipFill>
+        <p:spPr>
+          <a:xfrm>
+            <a:off x="-38343" y="1334407"/>
+            <a:ext cx="2819728" cy="2799687"/>
+          </a:xfrm>
+          <a:prstGeom prst="rect">
+            <a:avLst/>
+          </a:prstGeom>
+        </p:spPr>
+      </p:pic>
     </p:spTree>
     <p:extLst>
       <p:ext uri="{BB962C8B-B14F-4D97-AF65-F5344CB8AC3E}">
@@ -8007,150 +8376,7 @@
       </p:sp>
       <p:sp>
         <p:nvSpPr>
-          <p:cNvPr id="4" name="矩形 3"/>
-          <p:cNvSpPr/>
-          <p:nvPr/>
-        </p:nvSpPr>
-        <p:spPr>
-          <a:xfrm>
-            <a:off x="516474" y="940883"/>
-            <a:ext cx="8530811" cy="400110"/>
-          </a:xfrm>
-          <a:prstGeom prst="rect">
-            <a:avLst/>
-          </a:prstGeom>
-        </p:spPr>
-        <p:txBody>
-          <a:bodyPr wrap="square">
-            <a:spAutoFit/>
-          </a:bodyPr>
-          <a:lstStyle/>
-          <a:p>
-            <a:pPr eaLnBrk="0" fontAlgn="base" hangingPunct="0">
-              <a:spcBef>
-                <a:spcPct val="0"/>
-              </a:spcBef>
-              <a:spcAft>
-                <a:spcPct val="0"/>
-              </a:spcAft>
-            </a:pPr>
-            <a:r>
-              <a:rPr lang="en-US" altLang="zh-CN" sz="2000" dirty="0" smtClean="0">
-                <a:latin typeface="Times New Roman" panose="02020603050405020304" pitchFamily="18" charset="0"/>
-                <a:ea typeface="华文细黑" panose="02010600040101010101" pitchFamily="2" charset="-122"/>
-                <a:cs typeface="Times New Roman" panose="02020603050405020304" pitchFamily="18" charset="0"/>
-              </a:rPr>
-              <a:t>b)</a:t>
-            </a:r>
-            <a:r>
-              <a:rPr lang="zh-CN" altLang="en-US" sz="2000" dirty="0" smtClean="0">
-                <a:latin typeface="Times New Roman" panose="02020603050405020304" pitchFamily="18" charset="0"/>
-                <a:ea typeface="华文细黑" panose="02010600040101010101" pitchFamily="2" charset="-122"/>
-                <a:cs typeface="Times New Roman" panose="02020603050405020304" pitchFamily="18" charset="0"/>
-              </a:rPr>
-              <a:t>对于压力分布</a:t>
-            </a:r>
-            <a:r>
-              <a:rPr lang="en-US" altLang="zh-CN" sz="2000" dirty="0" smtClean="0">
-                <a:latin typeface="Times New Roman" panose="02020603050405020304" pitchFamily="18" charset="0"/>
-                <a:ea typeface="华文细黑" panose="02010600040101010101" pitchFamily="2" charset="-122"/>
-                <a:cs typeface="Times New Roman" panose="02020603050405020304" pitchFamily="18" charset="0"/>
-              </a:rPr>
-              <a:t>p:</a:t>
-            </a:r>
-            <a:endParaRPr lang="zh-CN" altLang="en-US" sz="2000" dirty="0">
-              <a:latin typeface="Times New Roman" panose="02020603050405020304" pitchFamily="18" charset="0"/>
-              <a:ea typeface="华文细黑" panose="02010600040101010101" pitchFamily="2" charset="-122"/>
-              <a:cs typeface="Times New Roman" panose="02020603050405020304" pitchFamily="18" charset="0"/>
-            </a:endParaRPr>
-          </a:p>
-        </p:txBody>
-      </p:sp>
-      <p:sp>
-        <p:nvSpPr>
-          <p:cNvPr id="10" name="矩形 9"/>
-          <p:cNvSpPr/>
-          <p:nvPr/>
-        </p:nvSpPr>
-        <p:spPr>
-          <a:xfrm>
-            <a:off x="128284" y="5346134"/>
-            <a:ext cx="9015716" cy="1323439"/>
-          </a:xfrm>
-          <a:prstGeom prst="rect">
-            <a:avLst/>
-          </a:prstGeom>
-        </p:spPr>
-        <p:txBody>
-          <a:bodyPr wrap="square">
-            <a:spAutoFit/>
-          </a:bodyPr>
-          <a:lstStyle/>
-          <a:p>
-            <a:pPr marL="342900" indent="-342900" eaLnBrk="0" fontAlgn="base" hangingPunct="0">
-              <a:spcBef>
-                <a:spcPct val="0"/>
-              </a:spcBef>
-              <a:spcAft>
-                <a:spcPct val="0"/>
-              </a:spcAft>
-              <a:buFont typeface="Arial" panose="020B0604020202020204" pitchFamily="34" charset="0"/>
-              <a:buChar char="•"/>
-            </a:pPr>
-            <a:r>
-              <a:rPr lang="zh-CN" altLang="en-US" sz="2000" dirty="0" smtClean="0">
-                <a:latin typeface="Times New Roman" panose="02020603050405020304" pitchFamily="18" charset="0"/>
-                <a:ea typeface="华文细黑" panose="02010600040101010101" pitchFamily="2" charset="-122"/>
-                <a:cs typeface="Times New Roman" panose="02020603050405020304" pitchFamily="18" charset="0"/>
-              </a:rPr>
-              <a:t>入口水平段内压力基本相同，收缩段内压力逐渐减小，压力势能转换为速度使得流动速度增加</a:t>
-            </a:r>
-          </a:p>
-          <a:p>
-            <a:pPr marL="342900" indent="-342900" eaLnBrk="0" fontAlgn="base" hangingPunct="0">
-              <a:spcBef>
-                <a:spcPct val="0"/>
-              </a:spcBef>
-              <a:spcAft>
-                <a:spcPct val="0"/>
-              </a:spcAft>
-              <a:buFont typeface="Arial" panose="020B0604020202020204" pitchFamily="34" charset="0"/>
-              <a:buChar char="•"/>
-            </a:pPr>
-            <a:r>
-              <a:rPr lang="zh-CN" altLang="en-US" sz="2000" dirty="0" smtClean="0">
-                <a:latin typeface="Times New Roman" panose="02020603050405020304" pitchFamily="18" charset="0"/>
-                <a:ea typeface="华文细黑" panose="02010600040101010101" pitchFamily="2" charset="-122"/>
-                <a:cs typeface="Times New Roman" panose="02020603050405020304" pitchFamily="18" charset="0"/>
-              </a:rPr>
-              <a:t>喷管斜切角越小，加速段越长，压力降低越明显，下表面出口处的压力最低</a:t>
-            </a:r>
-          </a:p>
-          <a:p>
-            <a:pPr marL="342900" indent="-342900" eaLnBrk="0" fontAlgn="base" hangingPunct="0">
-              <a:spcBef>
-                <a:spcPct val="0"/>
-              </a:spcBef>
-              <a:spcAft>
-                <a:spcPct val="0"/>
-              </a:spcAft>
-              <a:buFont typeface="Arial" panose="020B0604020202020204" pitchFamily="34" charset="0"/>
-              <a:buChar char="•"/>
-            </a:pPr>
-            <a:r>
-              <a:rPr lang="zh-CN" altLang="en-US" sz="2000" dirty="0" smtClean="0">
-                <a:latin typeface="Times New Roman" panose="02020603050405020304" pitchFamily="18" charset="0"/>
-                <a:ea typeface="华文细黑" panose="02010600040101010101" pitchFamily="2" charset="-122"/>
-                <a:cs typeface="Times New Roman" panose="02020603050405020304" pitchFamily="18" charset="0"/>
-              </a:rPr>
-              <a:t>喷管喉部到喷管上表面出口范围内的压力数值基本相同，与速度分布一致</a:t>
-            </a:r>
-          </a:p>
-        </p:txBody>
-      </p:sp>
-      <p:sp>
-        <p:nvSpPr>
-          <p:cNvPr id="7" name="Rectangle 6"/>
+          <p:cNvPr id="57" name="Rectangle 6"/>
           <p:cNvSpPr>
             <a:spLocks noChangeArrowheads="1"/>
           </p:cNvSpPr>
@@ -8234,10 +8460,227 @@
           </a:p>
         </p:txBody>
       </p:sp>
+      <p:sp>
+        <p:nvSpPr>
+          <p:cNvPr id="4" name="矩形 3"/>
+          <p:cNvSpPr/>
+          <p:nvPr/>
+        </p:nvSpPr>
+        <p:spPr>
+          <a:xfrm>
+            <a:off x="516474" y="940883"/>
+            <a:ext cx="8530811" cy="400110"/>
+          </a:xfrm>
+          <a:prstGeom prst="rect">
+            <a:avLst/>
+          </a:prstGeom>
+        </p:spPr>
+        <p:txBody>
+          <a:bodyPr wrap="square">
+            <a:spAutoFit/>
+          </a:bodyPr>
+          <a:lstStyle/>
+          <a:p>
+            <a:pPr eaLnBrk="0" fontAlgn="base" hangingPunct="0">
+              <a:spcBef>
+                <a:spcPct val="0"/>
+              </a:spcBef>
+              <a:spcAft>
+                <a:spcPct val="0"/>
+              </a:spcAft>
+            </a:pPr>
+            <a:r>
+              <a:rPr lang="en-US" altLang="zh-CN" sz="2000" dirty="0" smtClean="0">
+                <a:latin typeface="Times New Roman" panose="02020603050405020304" pitchFamily="18" charset="0"/>
+                <a:ea typeface="华文细黑" panose="02010600040101010101" pitchFamily="2" charset="-122"/>
+                <a:cs typeface="Times New Roman" panose="02020603050405020304" pitchFamily="18" charset="0"/>
+              </a:rPr>
+              <a:t>a)</a:t>
+            </a:r>
+            <a:r>
+              <a:rPr lang="zh-CN" altLang="en-US" sz="2000" dirty="0" smtClean="0">
+                <a:latin typeface="Times New Roman" panose="02020603050405020304" pitchFamily="18" charset="0"/>
+                <a:ea typeface="华文细黑" panose="02010600040101010101" pitchFamily="2" charset="-122"/>
+                <a:cs typeface="Times New Roman" panose="02020603050405020304" pitchFamily="18" charset="0"/>
+              </a:rPr>
+              <a:t>对于水平方向速度</a:t>
+            </a:r>
+            <a:r>
+              <a:rPr lang="en-US" altLang="zh-CN" sz="2000" dirty="0" smtClean="0">
+                <a:latin typeface="Times New Roman" panose="02020603050405020304" pitchFamily="18" charset="0"/>
+                <a:ea typeface="华文细黑" panose="02010600040101010101" pitchFamily="2" charset="-122"/>
+                <a:cs typeface="Times New Roman" panose="02020603050405020304" pitchFamily="18" charset="0"/>
+              </a:rPr>
+              <a:t>u</a:t>
+            </a:r>
+            <a:r>
+              <a:rPr lang="zh-CN" altLang="en-US" sz="2000" dirty="0" smtClean="0">
+                <a:latin typeface="Times New Roman" panose="02020603050405020304" pitchFamily="18" charset="0"/>
+                <a:ea typeface="华文细黑" panose="02010600040101010101" pitchFamily="2" charset="-122"/>
+                <a:cs typeface="Times New Roman" panose="02020603050405020304" pitchFamily="18" charset="0"/>
+              </a:rPr>
+              <a:t>，</a:t>
+            </a:r>
+            <a:r>
+              <a:rPr lang="zh-CN" altLang="en-US" sz="2000" dirty="0" smtClean="0">
+                <a:latin typeface="Times New Roman" panose="02020603050405020304" pitchFamily="18" charset="0"/>
+                <a:ea typeface="华文细黑" panose="02010600040101010101" pitchFamily="2" charset="-122"/>
+                <a:cs typeface="Times New Roman" panose="02020603050405020304" pitchFamily="18" charset="0"/>
+              </a:rPr>
+              <a:t>取喉部截面的速度分布如下图：</a:t>
+            </a:r>
+            <a:endParaRPr lang="zh-CN" altLang="en-US" sz="2000" dirty="0">
+              <a:latin typeface="Times New Roman" panose="02020603050405020304" pitchFamily="18" charset="0"/>
+              <a:ea typeface="华文细黑" panose="02010600040101010101" pitchFamily="2" charset="-122"/>
+              <a:cs typeface="Times New Roman" panose="02020603050405020304" pitchFamily="18" charset="0"/>
+            </a:endParaRPr>
+          </a:p>
+        </p:txBody>
+      </p:sp>
+      <p:sp>
+        <p:nvSpPr>
+          <p:cNvPr id="10" name="矩形 9"/>
+          <p:cNvSpPr/>
+          <p:nvPr/>
+        </p:nvSpPr>
+        <p:spPr>
+          <a:xfrm>
+            <a:off x="283559" y="5346134"/>
+            <a:ext cx="8530811" cy="707886"/>
+          </a:xfrm>
+          <a:prstGeom prst="rect">
+            <a:avLst/>
+          </a:prstGeom>
+        </p:spPr>
+        <p:txBody>
+          <a:bodyPr wrap="square">
+            <a:spAutoFit/>
+          </a:bodyPr>
+          <a:lstStyle/>
+          <a:p>
+            <a:pPr marL="342900" indent="-342900" eaLnBrk="0" fontAlgn="base" hangingPunct="0">
+              <a:spcBef>
+                <a:spcPct val="0"/>
+              </a:spcBef>
+              <a:spcAft>
+                <a:spcPct val="0"/>
+              </a:spcAft>
+              <a:buFont typeface="Arial" panose="020B0604020202020204" pitchFamily="34" charset="0"/>
+              <a:buChar char="•"/>
+            </a:pPr>
+            <a:r>
+              <a:rPr lang="zh-CN" altLang="en-US" sz="2000" dirty="0" smtClean="0">
+                <a:latin typeface="Times New Roman" panose="02020603050405020304" pitchFamily="18" charset="0"/>
+                <a:ea typeface="华文细黑" panose="02010600040101010101" pitchFamily="2" charset="-122"/>
+                <a:cs typeface="Times New Roman" panose="02020603050405020304" pitchFamily="18" charset="0"/>
+              </a:rPr>
+              <a:t>从具体数值上随着收敛半角变大，喉部，速度与马赫数都下降</a:t>
+            </a:r>
+            <a:endParaRPr lang="en-US" altLang="zh-CN" sz="2000" dirty="0" smtClean="0">
+              <a:latin typeface="Times New Roman" panose="02020603050405020304" pitchFamily="18" charset="0"/>
+              <a:ea typeface="华文细黑" panose="02010600040101010101" pitchFamily="2" charset="-122"/>
+              <a:cs typeface="Times New Roman" panose="02020603050405020304" pitchFamily="18" charset="0"/>
+            </a:endParaRPr>
+          </a:p>
+          <a:p>
+            <a:pPr marL="342900" indent="-342900" eaLnBrk="0" fontAlgn="base" hangingPunct="0">
+              <a:spcBef>
+                <a:spcPct val="0"/>
+              </a:spcBef>
+              <a:spcAft>
+                <a:spcPct val="0"/>
+              </a:spcAft>
+              <a:buFont typeface="Arial" panose="020B0604020202020204" pitchFamily="34" charset="0"/>
+              <a:buChar char="•"/>
+            </a:pPr>
+            <a:r>
+              <a:rPr lang="zh-CN" altLang="en-US" sz="2000" dirty="0">
+                <a:latin typeface="Times New Roman" panose="02020603050405020304" pitchFamily="18" charset="0"/>
+                <a:ea typeface="华文细黑" panose="02010600040101010101" pitchFamily="2" charset="-122"/>
+                <a:cs typeface="Times New Roman" panose="02020603050405020304" pitchFamily="18" charset="0"/>
+              </a:rPr>
+              <a:t>越</a:t>
+            </a:r>
+            <a:r>
+              <a:rPr lang="zh-CN" altLang="en-US" sz="2000" dirty="0" smtClean="0">
+                <a:latin typeface="Times New Roman" panose="02020603050405020304" pitchFamily="18" charset="0"/>
+                <a:ea typeface="华文细黑" panose="02010600040101010101" pitchFamily="2" charset="-122"/>
+                <a:cs typeface="Times New Roman" panose="02020603050405020304" pitchFamily="18" charset="0"/>
+              </a:rPr>
+              <a:t>靠近壁面的区域速度下降越大</a:t>
+            </a:r>
+            <a:endParaRPr lang="en-US" altLang="zh-CN" sz="2000" dirty="0" smtClean="0">
+              <a:latin typeface="Times New Roman" panose="02020603050405020304" pitchFamily="18" charset="0"/>
+              <a:ea typeface="华文细黑" panose="02010600040101010101" pitchFamily="2" charset="-122"/>
+              <a:cs typeface="Times New Roman" panose="02020603050405020304" pitchFamily="18" charset="0"/>
+            </a:endParaRPr>
+          </a:p>
+        </p:txBody>
+      </p:sp>
+      <p:pic>
+        <p:nvPicPr>
+          <p:cNvPr id="6" name="图片 5"/>
+          <p:cNvPicPr>
+            <a:picLocks noChangeAspect="1"/>
+          </p:cNvPicPr>
+          <p:nvPr/>
+        </p:nvPicPr>
+        <p:blipFill>
+          <a:blip r:embed="rId3" cstate="print">
+            <a:extLst>
+              <a:ext uri="{28A0092B-C50C-407E-A947-70E740481C1C}">
+                <a14:useLocalDpi xmlns:a14="http://schemas.microsoft.com/office/drawing/2010/main" val="0"/>
+              </a:ext>
+            </a:extLst>
+          </a:blip>
+          <a:stretch>
+            <a:fillRect/>
+          </a:stretch>
+        </p:blipFill>
+        <p:spPr>
+          <a:xfrm>
+            <a:off x="146168" y="1602603"/>
+            <a:ext cx="4279356" cy="3274718"/>
+          </a:xfrm>
+          <a:prstGeom prst="rect">
+            <a:avLst/>
+          </a:prstGeom>
+        </p:spPr>
+      </p:pic>
+      <p:pic>
+        <p:nvPicPr>
+          <p:cNvPr id="7" name="图片 6"/>
+          <p:cNvPicPr>
+            <a:picLocks noChangeAspect="1"/>
+          </p:cNvPicPr>
+          <p:nvPr/>
+        </p:nvPicPr>
+        <p:blipFill>
+          <a:blip r:embed="rId4" cstate="print">
+            <a:extLst>
+              <a:ext uri="{28A0092B-C50C-407E-A947-70E740481C1C}">
+                <a14:useLocalDpi xmlns:a14="http://schemas.microsoft.com/office/drawing/2010/main" val="0"/>
+              </a:ext>
+            </a:extLst>
+          </a:blip>
+          <a:stretch>
+            <a:fillRect/>
+          </a:stretch>
+        </p:blipFill>
+        <p:spPr>
+          <a:xfrm>
+            <a:off x="4095894" y="1471592"/>
+            <a:ext cx="4951391" cy="3536739"/>
+          </a:xfrm>
+          <a:prstGeom prst="rect">
+            <a:avLst/>
+          </a:prstGeom>
+        </p:spPr>
+      </p:pic>
     </p:spTree>
     <p:extLst>
       <p:ext uri="{BB962C8B-B14F-4D97-AF65-F5344CB8AC3E}">
-        <p14:creationId xmlns:p14="http://schemas.microsoft.com/office/powerpoint/2010/main" val="304764711"/>
+        <p14:creationId xmlns:p14="http://schemas.microsoft.com/office/powerpoint/2010/main" val="1307187758"/>
       </p:ext>
     </p:extLst>
   </p:cSld>
@@ -8396,7 +8839,7 @@
                 <a:ea typeface="华文细黑" panose="02010600040101010101" pitchFamily="2" charset="-122"/>
                 <a:cs typeface="Times New Roman" panose="02020603050405020304" pitchFamily="18" charset="0"/>
               </a:rPr>
-              <a:t>c)</a:t>
+              <a:t>b)</a:t>
             </a:r>
             <a:r>
               <a:rPr lang="zh-CN" altLang="en-US" sz="2000" dirty="0" smtClean="0">
@@ -8404,15 +8847,23 @@
                 <a:ea typeface="华文细黑" panose="02010600040101010101" pitchFamily="2" charset="-122"/>
                 <a:cs typeface="Times New Roman" panose="02020603050405020304" pitchFamily="18" charset="0"/>
               </a:rPr>
-              <a:t>对于</a:t>
-            </a:r>
-            <a:r>
-              <a:rPr lang="zh-CN" altLang="en-US" sz="2000" dirty="0">
-                <a:latin typeface="Times New Roman" panose="02020603050405020304" pitchFamily="18" charset="0"/>
-                <a:ea typeface="华文细黑" panose="02010600040101010101" pitchFamily="2" charset="-122"/>
-                <a:cs typeface="Times New Roman" panose="02020603050405020304" pitchFamily="18" charset="0"/>
-              </a:rPr>
-              <a:t>密度</a:t>
+              <a:t>对于压力分布</a:t>
+            </a:r>
+            <a:r>
+              <a:rPr lang="en-US" altLang="zh-CN" sz="2000" dirty="0" smtClean="0">
+                <a:latin typeface="Times New Roman" panose="02020603050405020304" pitchFamily="18" charset="0"/>
+                <a:ea typeface="华文细黑" panose="02010600040101010101" pitchFamily="2" charset="-122"/>
+                <a:cs typeface="Times New Roman" panose="02020603050405020304" pitchFamily="18" charset="0"/>
+              </a:rPr>
+              <a:t>p</a:t>
+            </a:r>
+            <a:r>
+              <a:rPr lang="zh-CN" altLang="en-US" sz="2000" dirty="0" smtClean="0">
+                <a:latin typeface="Times New Roman" panose="02020603050405020304" pitchFamily="18" charset="0"/>
+                <a:ea typeface="华文细黑" panose="02010600040101010101" pitchFamily="2" charset="-122"/>
+                <a:cs typeface="Times New Roman" panose="02020603050405020304" pitchFamily="18" charset="0"/>
+              </a:rPr>
+              <a:t>与密度分布</a:t>
             </a:r>
             <a:r>
               <a:rPr lang="en-US" altLang="zh-CN" sz="2000" dirty="0" smtClean="0">
@@ -8427,68 +8878,6 @@
               <a:ea typeface="华文细黑" panose="02010600040101010101" pitchFamily="2" charset="-122"/>
               <a:cs typeface="Times New Roman" panose="02020603050405020304" pitchFamily="18" charset="0"/>
             </a:endParaRPr>
-          </a:p>
-        </p:txBody>
-      </p:sp>
-      <p:sp>
-        <p:nvSpPr>
-          <p:cNvPr id="10" name="矩形 9"/>
-          <p:cNvSpPr/>
-          <p:nvPr/>
-        </p:nvSpPr>
-        <p:spPr>
-          <a:xfrm>
-            <a:off x="283559" y="5346134"/>
-            <a:ext cx="8530811" cy="1323439"/>
-          </a:xfrm>
-          <a:prstGeom prst="rect">
-            <a:avLst/>
-          </a:prstGeom>
-        </p:spPr>
-        <p:txBody>
-          <a:bodyPr wrap="square">
-            <a:spAutoFit/>
-          </a:bodyPr>
-          <a:lstStyle/>
-          <a:p>
-            <a:pPr marL="342900" indent="-342900" eaLnBrk="0" fontAlgn="base" hangingPunct="0">
-              <a:spcBef>
-                <a:spcPct val="0"/>
-              </a:spcBef>
-              <a:spcAft>
-                <a:spcPct val="0"/>
-              </a:spcAft>
-              <a:buFont typeface="Arial" panose="020B0604020202020204" pitchFamily="34" charset="0"/>
-              <a:buChar char="•"/>
-            </a:pPr>
-            <a:r>
-              <a:rPr lang="zh-CN" altLang="en-US" sz="2000" dirty="0" smtClean="0">
-                <a:latin typeface="Times New Roman" panose="02020603050405020304" pitchFamily="18" charset="0"/>
-                <a:ea typeface="华文细黑" panose="02010600040101010101" pitchFamily="2" charset="-122"/>
-                <a:cs typeface="Times New Roman" panose="02020603050405020304" pitchFamily="18" charset="0"/>
-              </a:rPr>
-              <a:t>从水平段到收缩段起始位置处的密度是全场最大的，由于流动从中心区域到壁面时剧烈滞止，使得密度达到最大</a:t>
-            </a:r>
-          </a:p>
-          <a:p>
-            <a:pPr marL="342900" indent="-342900" eaLnBrk="0" fontAlgn="base" hangingPunct="0">
-              <a:spcBef>
-                <a:spcPct val="0"/>
-              </a:spcBef>
-              <a:spcAft>
-                <a:spcPct val="0"/>
-              </a:spcAft>
-              <a:buFont typeface="Arial" panose="020B0604020202020204" pitchFamily="34" charset="0"/>
-              <a:buChar char="•"/>
-            </a:pPr>
-            <a:r>
-              <a:rPr lang="zh-CN" altLang="en-US" sz="2000" dirty="0" smtClean="0">
-                <a:latin typeface="Times New Roman" panose="02020603050405020304" pitchFamily="18" charset="0"/>
-                <a:ea typeface="华文细黑" panose="02010600040101010101" pitchFamily="2" charset="-122"/>
-                <a:cs typeface="Times New Roman" panose="02020603050405020304" pitchFamily="18" charset="0"/>
-              </a:rPr>
-              <a:t>不同斜切角下，水平段和收敛段的分布趋势基本一致，扩张段内的密度大小基本一致，越接近出口等值线的形状差别越大</a:t>
-            </a:r>
           </a:p>
         </p:txBody>
       </p:sp>
@@ -8578,10 +8967,180 @@
           </a:p>
         </p:txBody>
       </p:sp>
+      <p:pic>
+        <p:nvPicPr>
+          <p:cNvPr id="3" name="图片 2"/>
+          <p:cNvPicPr>
+            <a:picLocks noChangeAspect="1"/>
+          </p:cNvPicPr>
+          <p:nvPr/>
+        </p:nvPicPr>
+        <p:blipFill rotWithShape="1">
+          <a:blip r:embed="rId3">
+            <a:extLst>
+              <a:ext uri="{28A0092B-C50C-407E-A947-70E740481C1C}">
+                <a14:useLocalDpi xmlns:a14="http://schemas.microsoft.com/office/drawing/2010/main" val="0"/>
+              </a:ext>
+            </a:extLst>
+          </a:blip>
+          <a:srcRect l="12826" t="30936" r="11588" b="11050"/>
+          <a:stretch/>
+        </p:blipFill>
+        <p:spPr>
+          <a:xfrm>
+            <a:off x="6164685" y="1870190"/>
+            <a:ext cx="2979315" cy="2033571"/>
+          </a:xfrm>
+          <a:prstGeom prst="rect">
+            <a:avLst/>
+          </a:prstGeom>
+        </p:spPr>
+      </p:pic>
+      <p:pic>
+        <p:nvPicPr>
+          <p:cNvPr id="5" name="图片 4"/>
+          <p:cNvPicPr>
+            <a:picLocks noChangeAspect="1"/>
+          </p:cNvPicPr>
+          <p:nvPr/>
+        </p:nvPicPr>
+        <p:blipFill rotWithShape="1">
+          <a:blip r:embed="rId4">
+            <a:extLst>
+              <a:ext uri="{28A0092B-C50C-407E-A947-70E740481C1C}">
+                <a14:useLocalDpi xmlns:a14="http://schemas.microsoft.com/office/drawing/2010/main" val="0"/>
+              </a:ext>
+            </a:extLst>
+          </a:blip>
+          <a:srcRect l="12827" t="30810" r="11814" b="10670"/>
+          <a:stretch/>
+        </p:blipFill>
+        <p:spPr>
+          <a:xfrm>
+            <a:off x="3004051" y="1870190"/>
+            <a:ext cx="3160633" cy="2182679"/>
+          </a:xfrm>
+          <a:prstGeom prst="rect">
+            <a:avLst/>
+          </a:prstGeom>
+        </p:spPr>
+      </p:pic>
+      <p:pic>
+        <p:nvPicPr>
+          <p:cNvPr id="9" name="图片 8"/>
+          <p:cNvPicPr/>
+          <p:nvPr/>
+        </p:nvPicPr>
+        <p:blipFill rotWithShape="1">
+          <a:blip r:embed="rId5" cstate="print">
+            <a:extLst>
+              <a:ext uri="{28A0092B-C50C-407E-A947-70E740481C1C}">
+                <a14:useLocalDpi xmlns:a14="http://schemas.microsoft.com/office/drawing/2010/main" val="0"/>
+              </a:ext>
+            </a:extLst>
+          </a:blip>
+          <a:srcRect t="8670" b="9686"/>
+          <a:stretch/>
+        </p:blipFill>
+        <p:spPr>
+          <a:xfrm>
+            <a:off x="1" y="1613278"/>
+            <a:ext cx="2691442" cy="2182346"/>
+          </a:xfrm>
+          <a:prstGeom prst="rect">
+            <a:avLst/>
+          </a:prstGeom>
+        </p:spPr>
+      </p:pic>
+      <p:pic>
+        <p:nvPicPr>
+          <p:cNvPr id="12" name="图片 11"/>
+          <p:cNvPicPr>
+            <a:picLocks noChangeAspect="1"/>
+          </p:cNvPicPr>
+          <p:nvPr/>
+        </p:nvPicPr>
+        <p:blipFill rotWithShape="1">
+          <a:blip r:embed="rId6">
+            <a:extLst>
+              <a:ext uri="{28A0092B-C50C-407E-A947-70E740481C1C}">
+                <a14:useLocalDpi xmlns:a14="http://schemas.microsoft.com/office/drawing/2010/main" val="0"/>
+              </a:ext>
+            </a:extLst>
+          </a:blip>
+          <a:srcRect l="13053" t="32710" r="11138" b="10797"/>
+          <a:stretch/>
+        </p:blipFill>
+        <p:spPr>
+          <a:xfrm>
+            <a:off x="2940062" y="4468849"/>
+            <a:ext cx="3028025" cy="2006685"/>
+          </a:xfrm>
+          <a:prstGeom prst="rect">
+            <a:avLst/>
+          </a:prstGeom>
+        </p:spPr>
+      </p:pic>
+      <p:pic>
+        <p:nvPicPr>
+          <p:cNvPr id="13" name="图片 12"/>
+          <p:cNvPicPr>
+            <a:picLocks noChangeAspect="1"/>
+          </p:cNvPicPr>
+          <p:nvPr/>
+        </p:nvPicPr>
+        <p:blipFill rotWithShape="1">
+          <a:blip r:embed="rId7">
+            <a:extLst>
+              <a:ext uri="{28A0092B-C50C-407E-A947-70E740481C1C}">
+                <a14:useLocalDpi xmlns:a14="http://schemas.microsoft.com/office/drawing/2010/main" val="0"/>
+              </a:ext>
+            </a:extLst>
+          </a:blip>
+          <a:srcRect l="12828" t="30810" r="11363" b="10417"/>
+          <a:stretch/>
+        </p:blipFill>
+        <p:spPr>
+          <a:xfrm>
+            <a:off x="5990470" y="4588556"/>
+            <a:ext cx="2802692" cy="1932317"/>
+          </a:xfrm>
+          <a:prstGeom prst="rect">
+            <a:avLst/>
+          </a:prstGeom>
+        </p:spPr>
+      </p:pic>
+      <p:pic>
+        <p:nvPicPr>
+          <p:cNvPr id="14" name="图片 13"/>
+          <p:cNvPicPr/>
+          <p:nvPr/>
+        </p:nvPicPr>
+        <p:blipFill rotWithShape="1">
+          <a:blip r:embed="rId8" cstate="print">
+            <a:extLst>
+              <a:ext uri="{28A0092B-C50C-407E-A947-70E740481C1C}">
+                <a14:useLocalDpi xmlns:a14="http://schemas.microsoft.com/office/drawing/2010/main" val="0"/>
+              </a:ext>
+            </a:extLst>
+          </a:blip>
+          <a:srcRect t="17717" b="9329"/>
+          <a:stretch/>
+        </p:blipFill>
+        <p:spPr>
+          <a:xfrm>
+            <a:off x="80127" y="4324821"/>
+            <a:ext cx="2837552" cy="2122098"/>
+          </a:xfrm>
+          <a:prstGeom prst="rect">
+            <a:avLst/>
+          </a:prstGeom>
+        </p:spPr>
+      </p:pic>
     </p:spTree>
     <p:extLst>
       <p:ext uri="{BB962C8B-B14F-4D97-AF65-F5344CB8AC3E}">
-        <p14:creationId xmlns:p14="http://schemas.microsoft.com/office/powerpoint/2010/main" val="3631294759"/>
+        <p14:creationId xmlns:p14="http://schemas.microsoft.com/office/powerpoint/2010/main" val="304764711"/>
       </p:ext>
     </p:extLst>
   </p:cSld>
@@ -8740,7 +9299,7 @@
                 <a:ea typeface="华文细黑" panose="02010600040101010101" pitchFamily="2" charset="-122"/>
                 <a:cs typeface="Times New Roman" panose="02020603050405020304" pitchFamily="18" charset="0"/>
               </a:rPr>
-              <a:t>d)</a:t>
+              <a:t>b)</a:t>
             </a:r>
             <a:r>
               <a:rPr lang="zh-CN" altLang="en-US" sz="2000" dirty="0" smtClean="0">
@@ -8748,7 +9307,7 @@
                 <a:ea typeface="华文细黑" panose="02010600040101010101" pitchFamily="2" charset="-122"/>
                 <a:cs typeface="Times New Roman" panose="02020603050405020304" pitchFamily="18" charset="0"/>
               </a:rPr>
-              <a:t>对于</a:t>
+              <a:t>对于喉部压力与密度分布</a:t>
             </a:r>
             <a:r>
               <a:rPr lang="en-US" altLang="zh-CN" sz="2000" dirty="0" smtClean="0">
@@ -8756,7 +9315,7 @@
                 <a:ea typeface="华文细黑" panose="02010600040101010101" pitchFamily="2" charset="-122"/>
                 <a:cs typeface="Times New Roman" panose="02020603050405020304" pitchFamily="18" charset="0"/>
               </a:rPr>
-              <a:t>v:</a:t>
+              <a:t>:</a:t>
             </a:r>
             <a:endParaRPr lang="zh-CN" altLang="en-US" sz="2000" dirty="0">
               <a:latin typeface="Times New Roman" panose="02020603050405020304" pitchFamily="18" charset="0"/>
@@ -8774,8 +9333,8 @@
         </p:nvSpPr>
         <p:spPr>
           <a:xfrm>
-            <a:off x="292185" y="5751576"/>
-            <a:ext cx="8530811" cy="707886"/>
+            <a:off x="128284" y="5346134"/>
+            <a:ext cx="9015716" cy="707886"/>
           </a:xfrm>
           <a:prstGeom prst="rect">
             <a:avLst/>
@@ -8803,8 +9362,13 @@
                 <a:ea typeface="华文细黑" panose="02010600040101010101" pitchFamily="2" charset="-122"/>
                 <a:cs typeface="Times New Roman" panose="02020603050405020304" pitchFamily="18" charset="0"/>
               </a:rPr>
-              <a:t>温度的分布规律与速度的分布规律一致</a:t>
-            </a:r>
+              <a:t>收敛半角越大，滞止越明显，压力越高</a:t>
+            </a:r>
+            <a:endParaRPr lang="en-US" altLang="zh-CN" sz="2000" dirty="0" smtClean="0">
+              <a:latin typeface="Times New Roman" panose="02020603050405020304" pitchFamily="18" charset="0"/>
+              <a:ea typeface="华文细黑" panose="02010600040101010101" pitchFamily="2" charset="-122"/>
+              <a:cs typeface="Times New Roman" panose="02020603050405020304" pitchFamily="18" charset="0"/>
+            </a:endParaRPr>
           </a:p>
           <a:p>
             <a:pPr marL="342900" indent="-342900" eaLnBrk="0" fontAlgn="base" hangingPunct="0">
@@ -8823,8 +9387,13 @@
                 <a:ea typeface="华文细黑" panose="02010600040101010101" pitchFamily="2" charset="-122"/>
                 <a:cs typeface="Times New Roman" panose="02020603050405020304" pitchFamily="18" charset="0"/>
               </a:rPr>
-              <a:t>随着斜切角的增加，喷管出口气流温度逐渐增加</a:t>
-            </a:r>
+              <a:t>密度变化与压力相同</a:t>
+            </a:r>
+            <a:endParaRPr lang="zh-CN" altLang="en-US" sz="2000" dirty="0" smtClean="0">
+              <a:latin typeface="Times New Roman" panose="02020603050405020304" pitchFamily="18" charset="0"/>
+              <a:ea typeface="华文细黑" panose="02010600040101010101" pitchFamily="2" charset="-122"/>
+              <a:cs typeface="Times New Roman" panose="02020603050405020304" pitchFamily="18" charset="0"/>
+            </a:endParaRPr>
           </a:p>
         </p:txBody>
       </p:sp>
@@ -8914,10 +9483,70 @@
           </a:p>
         </p:txBody>
       </p:sp>
+      <p:pic>
+        <p:nvPicPr>
+          <p:cNvPr id="11" name="图片 10"/>
+          <p:cNvPicPr>
+            <a:picLocks noChangeAspect="1"/>
+          </p:cNvPicPr>
+          <p:nvPr/>
+        </p:nvPicPr>
+        <p:blipFill>
+          <a:blip r:embed="rId3" cstate="print">
+            <a:extLst>
+              <a:ext uri="{28A0092B-C50C-407E-A947-70E740481C1C}">
+                <a14:useLocalDpi xmlns:a14="http://schemas.microsoft.com/office/drawing/2010/main" val="0"/>
+              </a:ext>
+            </a:extLst>
+          </a:blip>
+          <a:stretch>
+            <a:fillRect/>
+          </a:stretch>
+        </p:blipFill>
+        <p:spPr>
+          <a:xfrm>
+            <a:off x="128284" y="1507379"/>
+            <a:ext cx="5016431" cy="3838755"/>
+          </a:xfrm>
+          <a:prstGeom prst="rect">
+            <a:avLst/>
+          </a:prstGeom>
+        </p:spPr>
+      </p:pic>
+      <p:pic>
+        <p:nvPicPr>
+          <p:cNvPr id="12" name="图片 11"/>
+          <p:cNvPicPr>
+            <a:picLocks noChangeAspect="1"/>
+          </p:cNvPicPr>
+          <p:nvPr/>
+        </p:nvPicPr>
+        <p:blipFill>
+          <a:blip r:embed="rId4" cstate="print">
+            <a:extLst>
+              <a:ext uri="{28A0092B-C50C-407E-A947-70E740481C1C}">
+                <a14:useLocalDpi xmlns:a14="http://schemas.microsoft.com/office/drawing/2010/main" val="0"/>
+              </a:ext>
+            </a:extLst>
+          </a:blip>
+          <a:stretch>
+            <a:fillRect/>
+          </a:stretch>
+        </p:blipFill>
+        <p:spPr>
+          <a:xfrm>
+            <a:off x="4528867" y="1507379"/>
+            <a:ext cx="4782894" cy="3660044"/>
+          </a:xfrm>
+          <a:prstGeom prst="rect">
+            <a:avLst/>
+          </a:prstGeom>
+        </p:spPr>
+      </p:pic>
     </p:spTree>
     <p:extLst>
       <p:ext uri="{BB962C8B-B14F-4D97-AF65-F5344CB8AC3E}">
-        <p14:creationId xmlns:p14="http://schemas.microsoft.com/office/powerpoint/2010/main" val="60904574"/>
+        <p14:creationId xmlns:p14="http://schemas.microsoft.com/office/powerpoint/2010/main" val="22482043"/>
       </p:ext>
     </p:extLst>
   </p:cSld>
@@ -9138,7 +9767,7 @@
           <a:graphicData uri="http://schemas.openxmlformats.org/presentationml/2006/ole">
             <mc:AlternateContent xmlns:mc="http://schemas.openxmlformats.org/markup-compatibility/2006">
               <mc:Choice xmlns:v="urn:schemas-microsoft-com:vml" Requires="v">
-                <p:oleObj spid="_x0000_s1158" name="Equation" r:id="rId3" imgW="2552700" imgH="1168400" progId="Equation.DSMT4">
+                <p:oleObj spid="_x0000_s1238" name="Equation" r:id="rId3" imgW="2552700" imgH="1168400" progId="Equation.DSMT4">
                   <p:embed/>
                 </p:oleObj>
               </mc:Choice>
@@ -9356,7 +9985,7 @@
           <a:graphicData uri="http://schemas.openxmlformats.org/presentationml/2006/ole">
             <mc:AlternateContent xmlns:mc="http://schemas.openxmlformats.org/markup-compatibility/2006">
               <mc:Choice xmlns:v="urn:schemas-microsoft-com:vml" Requires="v">
-                <p:oleObj spid="_x0000_s1159" name="Equation" r:id="rId5" imgW="3606800" imgH="431800" progId="Equation.DSMT4">
+                <p:oleObj spid="_x0000_s1239" name="Equation" r:id="rId5" imgW="3606800" imgH="431800" progId="Equation.DSMT4">
                   <p:embed/>
                 </p:oleObj>
               </mc:Choice>
@@ -9456,7 +10085,7 @@
                 <a:latin typeface="华文细黑" panose="02010600040101010101" pitchFamily="2" charset="-122"/>
                 <a:ea typeface="华文细黑" panose="02010600040101010101" pitchFamily="2" charset="-122"/>
               </a:rPr>
-              <a:t>结论</a:t>
+              <a:t>结果分析</a:t>
             </a:r>
             <a:endParaRPr lang="zh-CN" altLang="en-US" dirty="0">
               <a:latin typeface="华文细黑" panose="02010600040101010101" pitchFamily="2" charset="-122"/>
@@ -9528,10 +10157,764 @@
           </a:p>
         </p:txBody>
       </p:sp>
+      <p:sp>
+        <p:nvSpPr>
+          <p:cNvPr id="4" name="矩形 3"/>
+          <p:cNvSpPr/>
+          <p:nvPr/>
+        </p:nvSpPr>
+        <p:spPr>
+          <a:xfrm>
+            <a:off x="516474" y="940883"/>
+            <a:ext cx="8530811" cy="400110"/>
+          </a:xfrm>
+          <a:prstGeom prst="rect">
+            <a:avLst/>
+          </a:prstGeom>
+        </p:spPr>
+        <p:txBody>
+          <a:bodyPr wrap="square">
+            <a:spAutoFit/>
+          </a:bodyPr>
+          <a:lstStyle/>
+          <a:p>
+            <a:pPr eaLnBrk="0" fontAlgn="base" hangingPunct="0">
+              <a:spcBef>
+                <a:spcPct val="0"/>
+              </a:spcBef>
+              <a:spcAft>
+                <a:spcPct val="0"/>
+              </a:spcAft>
+            </a:pPr>
+            <a:r>
+              <a:rPr lang="en-US" altLang="zh-CN" sz="2000" dirty="0">
+                <a:latin typeface="Times New Roman" panose="02020603050405020304" pitchFamily="18" charset="0"/>
+                <a:ea typeface="华文细黑" panose="02010600040101010101" pitchFamily="2" charset="-122"/>
+                <a:cs typeface="Times New Roman" panose="02020603050405020304" pitchFamily="18" charset="0"/>
+              </a:rPr>
+              <a:t>c</a:t>
+            </a:r>
+            <a:r>
+              <a:rPr lang="en-US" altLang="zh-CN" sz="2000" dirty="0" smtClean="0">
+                <a:latin typeface="Times New Roman" panose="02020603050405020304" pitchFamily="18" charset="0"/>
+                <a:ea typeface="华文细黑" panose="02010600040101010101" pitchFamily="2" charset="-122"/>
+                <a:cs typeface="Times New Roman" panose="02020603050405020304" pitchFamily="18" charset="0"/>
+              </a:rPr>
+              <a:t>)</a:t>
+            </a:r>
+            <a:r>
+              <a:rPr lang="zh-CN" altLang="en-US" sz="2000" dirty="0" smtClean="0">
+                <a:latin typeface="Times New Roman" panose="02020603050405020304" pitchFamily="18" charset="0"/>
+                <a:ea typeface="华文细黑" panose="02010600040101010101" pitchFamily="2" charset="-122"/>
+                <a:cs typeface="Times New Roman" panose="02020603050405020304" pitchFamily="18" charset="0"/>
+              </a:rPr>
+              <a:t>对于</a:t>
+            </a:r>
+            <a:r>
+              <a:rPr lang="en-US" altLang="zh-CN" sz="2000" dirty="0" smtClean="0">
+                <a:latin typeface="Times New Roman" panose="02020603050405020304" pitchFamily="18" charset="0"/>
+                <a:ea typeface="华文细黑" panose="02010600040101010101" pitchFamily="2" charset="-122"/>
+                <a:cs typeface="Times New Roman" panose="02020603050405020304" pitchFamily="18" charset="0"/>
+              </a:rPr>
+              <a:t>v:</a:t>
+            </a:r>
+            <a:endParaRPr lang="zh-CN" altLang="en-US" sz="2000" dirty="0">
+              <a:latin typeface="Times New Roman" panose="02020603050405020304" pitchFamily="18" charset="0"/>
+              <a:ea typeface="华文细黑" panose="02010600040101010101" pitchFamily="2" charset="-122"/>
+              <a:cs typeface="Times New Roman" panose="02020603050405020304" pitchFamily="18" charset="0"/>
+            </a:endParaRPr>
+          </a:p>
+        </p:txBody>
+      </p:sp>
+      <p:sp>
+        <p:nvSpPr>
+          <p:cNvPr id="7" name="Rectangle 6"/>
+          <p:cNvSpPr>
+            <a:spLocks noChangeArrowheads="1"/>
+          </p:cNvSpPr>
+          <p:nvPr/>
+        </p:nvSpPr>
+        <p:spPr bwMode="auto">
+          <a:xfrm>
+            <a:off x="516474" y="610024"/>
+            <a:ext cx="6950320" cy="400110"/>
+          </a:xfrm>
+          <a:prstGeom prst="rect">
+            <a:avLst/>
+          </a:prstGeom>
+          <a:noFill/>
+          <a:ln>
+            <a:noFill/>
+          </a:ln>
+          <a:effectLst/>
+          <a:extLst>
+            <a:ext uri="{909E8E84-426E-40DD-AFC4-6F175D3DCCD1}">
+              <a14:hiddenFill xmlns:a14="http://schemas.microsoft.com/office/drawing/2010/main">
+                <a:solidFill>
+                  <a:schemeClr val="accent1"/>
+                </a:solidFill>
+              </a14:hiddenFill>
+            </a:ext>
+            <a:ext uri="{91240B29-F687-4F45-9708-019B960494DF}">
+              <a14:hiddenLine xmlns:a14="http://schemas.microsoft.com/office/drawing/2010/main" w="9525">
+                <a:solidFill>
+                  <a:schemeClr val="tx1"/>
+                </a:solidFill>
+                <a:miter lim="800000"/>
+                <a:headEnd/>
+                <a:tailEnd/>
+              </a14:hiddenLine>
+            </a:ext>
+            <a:ext uri="{AF507438-7753-43E0-B8FC-AC1667EBCBE1}">
+              <a14:hiddenEffects xmlns:a14="http://schemas.microsoft.com/office/drawing/2010/main">
+                <a:effectLst>
+                  <a:outerShdw dist="35921" dir="2700000" algn="ctr" rotWithShape="0">
+                    <a:schemeClr val="bg2"/>
+                  </a:outerShdw>
+                </a:effectLst>
+              </a14:hiddenEffects>
+            </a:ext>
+          </a:extLst>
+        </p:spPr>
+        <p:txBody>
+          <a:bodyPr vert="horz" wrap="square" lIns="91440" tIns="45720" rIns="91440" bIns="45720" numCol="1" anchor="ctr" anchorCtr="0" compatLnSpc="1">
+            <a:prstTxWarp prst="textNoShape">
+              <a:avLst/>
+            </a:prstTxWarp>
+            <a:spAutoFit/>
+          </a:bodyPr>
+          <a:lstStyle/>
+          <a:p>
+            <a:pPr lvl="0" eaLnBrk="0" fontAlgn="base" hangingPunct="0">
+              <a:spcBef>
+                <a:spcPct val="0"/>
+              </a:spcBef>
+              <a:spcAft>
+                <a:spcPct val="0"/>
+              </a:spcAft>
+            </a:pPr>
+            <a:r>
+              <a:rPr lang="en-US" altLang="zh-CN" sz="2000" dirty="0" smtClean="0">
+                <a:latin typeface="Times New Roman" panose="02020603050405020304" pitchFamily="18" charset="0"/>
+                <a:ea typeface="华文细黑" panose="02010600040101010101" pitchFamily="2" charset="-122"/>
+                <a:cs typeface="Times New Roman" panose="02020603050405020304" pitchFamily="18" charset="0"/>
+              </a:rPr>
+              <a:t>2.</a:t>
+            </a:r>
+            <a:r>
+              <a:rPr lang="zh-CN" altLang="en-US" sz="2000" dirty="0" smtClean="0">
+                <a:latin typeface="Times New Roman" panose="02020603050405020304" pitchFamily="18" charset="0"/>
+                <a:ea typeface="华文细黑" panose="02010600040101010101" pitchFamily="2" charset="-122"/>
+                <a:cs typeface="Times New Roman" panose="02020603050405020304" pitchFamily="18" charset="0"/>
+              </a:rPr>
+              <a:t>收敛半角的影响</a:t>
+            </a:r>
+          </a:p>
+        </p:txBody>
+      </p:sp>
+      <p:pic>
+        <p:nvPicPr>
+          <p:cNvPr id="3" name="图片 2"/>
+          <p:cNvPicPr>
+            <a:picLocks noChangeAspect="1"/>
+          </p:cNvPicPr>
+          <p:nvPr/>
+        </p:nvPicPr>
+        <p:blipFill rotWithShape="1">
+          <a:blip r:embed="rId3">
+            <a:extLst>
+              <a:ext uri="{28A0092B-C50C-407E-A947-70E740481C1C}">
+                <a14:useLocalDpi xmlns:a14="http://schemas.microsoft.com/office/drawing/2010/main" val="0"/>
+              </a:ext>
+            </a:extLst>
+          </a:blip>
+          <a:srcRect l="12827" t="30684" r="11476" b="10924"/>
+          <a:stretch/>
+        </p:blipFill>
+        <p:spPr>
+          <a:xfrm>
+            <a:off x="6176363" y="1699405"/>
+            <a:ext cx="2967637" cy="2035834"/>
+          </a:xfrm>
+          <a:prstGeom prst="rect">
+            <a:avLst/>
+          </a:prstGeom>
+        </p:spPr>
+      </p:pic>
+      <p:pic>
+        <p:nvPicPr>
+          <p:cNvPr id="5" name="图片 4"/>
+          <p:cNvPicPr>
+            <a:picLocks noChangeAspect="1"/>
+          </p:cNvPicPr>
+          <p:nvPr/>
+        </p:nvPicPr>
+        <p:blipFill rotWithShape="1">
+          <a:blip r:embed="rId4">
+            <a:extLst>
+              <a:ext uri="{28A0092B-C50C-407E-A947-70E740481C1C}">
+                <a14:useLocalDpi xmlns:a14="http://schemas.microsoft.com/office/drawing/2010/main" val="0"/>
+              </a:ext>
+            </a:extLst>
+          </a:blip>
+          <a:srcRect l="12827" t="31444" r="11814" b="10923"/>
+          <a:stretch/>
+        </p:blipFill>
+        <p:spPr>
+          <a:xfrm>
+            <a:off x="3303897" y="1671852"/>
+            <a:ext cx="2777725" cy="1889185"/>
+          </a:xfrm>
+          <a:prstGeom prst="rect">
+            <a:avLst/>
+          </a:prstGeom>
+        </p:spPr>
+      </p:pic>
+      <p:pic>
+        <p:nvPicPr>
+          <p:cNvPr id="9" name="图片 8"/>
+          <p:cNvPicPr/>
+          <p:nvPr/>
+        </p:nvPicPr>
+        <p:blipFill rotWithShape="1">
+          <a:blip r:embed="rId5" cstate="print">
+            <a:extLst>
+              <a:ext uri="{28A0092B-C50C-407E-A947-70E740481C1C}">
+                <a14:useLocalDpi xmlns:a14="http://schemas.microsoft.com/office/drawing/2010/main" val="0"/>
+              </a:ext>
+            </a:extLst>
+          </a:blip>
+          <a:srcRect t="16322" b="9542"/>
+          <a:stretch/>
+        </p:blipFill>
+        <p:spPr>
+          <a:xfrm>
+            <a:off x="0" y="1587260"/>
+            <a:ext cx="3001992" cy="2026348"/>
+          </a:xfrm>
+          <a:prstGeom prst="rect">
+            <a:avLst/>
+          </a:prstGeom>
+        </p:spPr>
+      </p:pic>
+      <p:pic>
+        <p:nvPicPr>
+          <p:cNvPr id="6" name="图片 5"/>
+          <p:cNvPicPr>
+            <a:picLocks noChangeAspect="1"/>
+          </p:cNvPicPr>
+          <p:nvPr/>
+        </p:nvPicPr>
+        <p:blipFill>
+          <a:blip r:embed="rId6" cstate="print">
+            <a:extLst>
+              <a:ext uri="{28A0092B-C50C-407E-A947-70E740481C1C}">
+                <a14:useLocalDpi xmlns:a14="http://schemas.microsoft.com/office/drawing/2010/main" val="0"/>
+              </a:ext>
+            </a:extLst>
+          </a:blip>
+          <a:stretch>
+            <a:fillRect/>
+          </a:stretch>
+        </p:blipFill>
+        <p:spPr>
+          <a:xfrm>
+            <a:off x="4868241" y="3660044"/>
+            <a:ext cx="4179044" cy="3197956"/>
+          </a:xfrm>
+          <a:prstGeom prst="rect">
+            <a:avLst/>
+          </a:prstGeom>
+        </p:spPr>
+      </p:pic>
+      <p:sp>
+        <p:nvSpPr>
+          <p:cNvPr id="12" name="矩形 11"/>
+          <p:cNvSpPr/>
+          <p:nvPr/>
+        </p:nvSpPr>
+        <p:spPr>
+          <a:xfrm>
+            <a:off x="128284" y="5346134"/>
+            <a:ext cx="9015716" cy="400110"/>
+          </a:xfrm>
+          <a:prstGeom prst="rect">
+            <a:avLst/>
+          </a:prstGeom>
+        </p:spPr>
+        <p:txBody>
+          <a:bodyPr wrap="square">
+            <a:spAutoFit/>
+          </a:bodyPr>
+          <a:lstStyle/>
+          <a:p>
+            <a:pPr marL="342900" indent="-342900" eaLnBrk="0" fontAlgn="base" hangingPunct="0">
+              <a:spcBef>
+                <a:spcPct val="0"/>
+              </a:spcBef>
+              <a:spcAft>
+                <a:spcPct val="0"/>
+              </a:spcAft>
+              <a:buFont typeface="Arial" panose="020B0604020202020204" pitchFamily="34" charset="0"/>
+              <a:buChar char="•"/>
+            </a:pPr>
+            <a:r>
+              <a:rPr lang="zh-CN" altLang="en-US" sz="2000" dirty="0" smtClean="0">
+                <a:latin typeface="Times New Roman" panose="02020603050405020304" pitchFamily="18" charset="0"/>
+                <a:ea typeface="华文细黑" panose="02010600040101010101" pitchFamily="2" charset="-122"/>
+                <a:cs typeface="Times New Roman" panose="02020603050405020304" pitchFamily="18" charset="0"/>
+              </a:rPr>
+              <a:t>收敛半角越大，</a:t>
+            </a:r>
+            <a:r>
+              <a:rPr lang="zh-CN" altLang="en-US" sz="2000" dirty="0">
+                <a:latin typeface="Times New Roman" panose="02020603050405020304" pitchFamily="18" charset="0"/>
+                <a:ea typeface="华文细黑" panose="02010600040101010101" pitchFamily="2" charset="-122"/>
+                <a:cs typeface="Times New Roman" panose="02020603050405020304" pitchFamily="18" charset="0"/>
+              </a:rPr>
+              <a:t>喉部</a:t>
+            </a:r>
+            <a:r>
+              <a:rPr lang="en-US" altLang="zh-CN" sz="2000" dirty="0" smtClean="0">
+                <a:latin typeface="Times New Roman" panose="02020603050405020304" pitchFamily="18" charset="0"/>
+                <a:ea typeface="华文细黑" panose="02010600040101010101" pitchFamily="2" charset="-122"/>
+                <a:cs typeface="Times New Roman" panose="02020603050405020304" pitchFamily="18" charset="0"/>
+              </a:rPr>
+              <a:t>v</a:t>
+            </a:r>
+            <a:r>
+              <a:rPr lang="zh-CN" altLang="en-US" sz="2000" dirty="0" smtClean="0">
+                <a:latin typeface="Times New Roman" panose="02020603050405020304" pitchFamily="18" charset="0"/>
+                <a:ea typeface="华文细黑" panose="02010600040101010101" pitchFamily="2" charset="-122"/>
+                <a:cs typeface="Times New Roman" panose="02020603050405020304" pitchFamily="18" charset="0"/>
+              </a:rPr>
+              <a:t>速度越大</a:t>
+            </a:r>
+            <a:endParaRPr lang="zh-CN" altLang="en-US" sz="2000" dirty="0" smtClean="0">
+              <a:latin typeface="Times New Roman" panose="02020603050405020304" pitchFamily="18" charset="0"/>
+              <a:ea typeface="华文细黑" panose="02010600040101010101" pitchFamily="2" charset="-122"/>
+              <a:cs typeface="Times New Roman" panose="02020603050405020304" pitchFamily="18" charset="0"/>
+            </a:endParaRPr>
+          </a:p>
+        </p:txBody>
+      </p:sp>
     </p:spTree>
     <p:extLst>
       <p:ext uri="{BB962C8B-B14F-4D97-AF65-F5344CB8AC3E}">
-        <p14:creationId xmlns:p14="http://schemas.microsoft.com/office/powerpoint/2010/main" val="1088689382"/>
+        <p14:creationId xmlns:p14="http://schemas.microsoft.com/office/powerpoint/2010/main" val="60904574"/>
+      </p:ext>
+    </p:extLst>
+  </p:cSld>
+  <p:clrMapOvr>
+    <a:masterClrMapping/>
+  </p:clrMapOvr>
+</p:sld>
+</file>
+
+<file path=ppt/slides/slide21.xml><?xml version="1.0" encoding="utf-8"?>
+<p:sld xmlns:a="http://schemas.openxmlformats.org/drawingml/2006/main" xmlns:r="http://schemas.openxmlformats.org/officeDocument/2006/relationships" xmlns:p="http://schemas.openxmlformats.org/presentationml/2006/main">
+  <p:cSld>
+    <p:spTree>
+      <p:nvGrpSpPr>
+        <p:cNvPr id="1" name=""/>
+        <p:cNvGrpSpPr/>
+        <p:nvPr/>
+      </p:nvGrpSpPr>
+      <p:grpSpPr>
+        <a:xfrm>
+          <a:off x="0" y="0"/>
+          <a:ext cx="0" cy="0"/>
+          <a:chOff x="0" y="0"/>
+          <a:chExt cx="0" cy="0"/>
+        </a:xfrm>
+      </p:grpSpPr>
+      <p:sp>
+        <p:nvSpPr>
+          <p:cNvPr id="2" name="标题 1"/>
+          <p:cNvSpPr>
+            <a:spLocks noGrp="1"/>
+          </p:cNvSpPr>
+          <p:nvPr>
+            <p:ph type="title"/>
+          </p:nvPr>
+        </p:nvSpPr>
+        <p:spPr>
+          <a:xfrm>
+            <a:off x="516474" y="-315429"/>
+            <a:ext cx="4529823" cy="1325563"/>
+          </a:xfrm>
+        </p:spPr>
+        <p:txBody>
+          <a:bodyPr/>
+          <a:lstStyle/>
+          <a:p>
+            <a:r>
+              <a:rPr lang="zh-CN" altLang="en-US" dirty="0" smtClean="0">
+                <a:latin typeface="华文细黑" panose="02010600040101010101" pitchFamily="2" charset="-122"/>
+                <a:ea typeface="华文细黑" panose="02010600040101010101" pitchFamily="2" charset="-122"/>
+              </a:rPr>
+              <a:t>结果分析</a:t>
+            </a:r>
+            <a:endParaRPr lang="zh-CN" altLang="en-US" dirty="0">
+              <a:latin typeface="华文细黑" panose="02010600040101010101" pitchFamily="2" charset="-122"/>
+              <a:ea typeface="华文细黑" panose="02010600040101010101" pitchFamily="2" charset="-122"/>
+            </a:endParaRPr>
+          </a:p>
+        </p:txBody>
+      </p:sp>
+      <p:sp>
+        <p:nvSpPr>
+          <p:cNvPr id="16" name="Rectangle 6"/>
+          <p:cNvSpPr>
+            <a:spLocks noChangeArrowheads="1"/>
+          </p:cNvSpPr>
+          <p:nvPr/>
+        </p:nvSpPr>
+        <p:spPr bwMode="auto">
+          <a:xfrm>
+            <a:off x="1243697" y="6007854"/>
+            <a:ext cx="9144000" cy="0"/>
+          </a:xfrm>
+          <a:prstGeom prst="rect">
+            <a:avLst/>
+          </a:prstGeom>
+          <a:noFill/>
+          <a:ln>
+            <a:noFill/>
+          </a:ln>
+          <a:effectLst/>
+          <a:extLst>
+            <a:ext uri="{909E8E84-426E-40DD-AFC4-6F175D3DCCD1}">
+              <a14:hiddenFill xmlns:a14="http://schemas.microsoft.com/office/drawing/2010/main">
+                <a:solidFill>
+                  <a:schemeClr val="accent1"/>
+                </a:solidFill>
+              </a14:hiddenFill>
+            </a:ext>
+            <a:ext uri="{91240B29-F687-4F45-9708-019B960494DF}">
+              <a14:hiddenLine xmlns:a14="http://schemas.microsoft.com/office/drawing/2010/main" w="9525">
+                <a:solidFill>
+                  <a:schemeClr val="tx1"/>
+                </a:solidFill>
+                <a:miter lim="800000"/>
+                <a:headEnd/>
+                <a:tailEnd/>
+              </a14:hiddenLine>
+            </a:ext>
+            <a:ext uri="{AF507438-7753-43E0-B8FC-AC1667EBCBE1}">
+              <a14:hiddenEffects xmlns:a14="http://schemas.microsoft.com/office/drawing/2010/main">
+                <a:effectLst>
+                  <a:outerShdw dist="35921" dir="2700000" algn="ctr" rotWithShape="0">
+                    <a:schemeClr val="bg2"/>
+                  </a:outerShdw>
+                </a:effectLst>
+              </a14:hiddenEffects>
+            </a:ext>
+          </a:extLst>
+        </p:spPr>
+        <p:txBody>
+          <a:bodyPr vert="horz" wrap="none" lIns="91440" tIns="45720" rIns="91440" bIns="45720" numCol="1" anchor="ctr" anchorCtr="0" compatLnSpc="1">
+            <a:prstTxWarp prst="textNoShape">
+              <a:avLst/>
+            </a:prstTxWarp>
+            <a:spAutoFit/>
+          </a:bodyPr>
+          <a:lstStyle/>
+          <a:p>
+            <a:endParaRPr lang="zh-CN" altLang="en-US"/>
+          </a:p>
+        </p:txBody>
+      </p:sp>
+      <p:sp>
+        <p:nvSpPr>
+          <p:cNvPr id="4" name="矩形 3"/>
+          <p:cNvSpPr/>
+          <p:nvPr/>
+        </p:nvSpPr>
+        <p:spPr>
+          <a:xfrm>
+            <a:off x="516474" y="940883"/>
+            <a:ext cx="8530811" cy="400110"/>
+          </a:xfrm>
+          <a:prstGeom prst="rect">
+            <a:avLst/>
+          </a:prstGeom>
+        </p:spPr>
+        <p:txBody>
+          <a:bodyPr wrap="square">
+            <a:spAutoFit/>
+          </a:bodyPr>
+          <a:lstStyle/>
+          <a:p>
+            <a:pPr eaLnBrk="0" fontAlgn="base" hangingPunct="0">
+              <a:spcBef>
+                <a:spcPct val="0"/>
+              </a:spcBef>
+              <a:spcAft>
+                <a:spcPct val="0"/>
+              </a:spcAft>
+            </a:pPr>
+            <a:r>
+              <a:rPr lang="en-US" altLang="zh-CN" sz="2000" dirty="0" smtClean="0">
+                <a:latin typeface="Times New Roman" panose="02020603050405020304" pitchFamily="18" charset="0"/>
+                <a:ea typeface="华文细黑" panose="02010600040101010101" pitchFamily="2" charset="-122"/>
+                <a:cs typeface="Times New Roman" panose="02020603050405020304" pitchFamily="18" charset="0"/>
+              </a:rPr>
+              <a:t>d</a:t>
+            </a:r>
+            <a:r>
+              <a:rPr lang="en-US" altLang="zh-CN" sz="2000" dirty="0" smtClean="0">
+                <a:latin typeface="Times New Roman" panose="02020603050405020304" pitchFamily="18" charset="0"/>
+                <a:ea typeface="华文细黑" panose="02010600040101010101" pitchFamily="2" charset="-122"/>
+                <a:cs typeface="Times New Roman" panose="02020603050405020304" pitchFamily="18" charset="0"/>
+              </a:rPr>
+              <a:t>)</a:t>
+            </a:r>
+            <a:r>
+              <a:rPr lang="zh-CN" altLang="en-US" sz="2000" dirty="0" smtClean="0">
+                <a:latin typeface="Times New Roman" panose="02020603050405020304" pitchFamily="18" charset="0"/>
+                <a:ea typeface="华文细黑" panose="02010600040101010101" pitchFamily="2" charset="-122"/>
+                <a:cs typeface="Times New Roman" panose="02020603050405020304" pitchFamily="18" charset="0"/>
+              </a:rPr>
+              <a:t>对于</a:t>
+            </a:r>
+            <a:r>
+              <a:rPr lang="zh-CN" altLang="en-US" sz="2000" dirty="0" smtClean="0">
+                <a:latin typeface="Times New Roman" panose="02020603050405020304" pitchFamily="18" charset="0"/>
+                <a:ea typeface="华文细黑" panose="02010600040101010101" pitchFamily="2" charset="-122"/>
+                <a:cs typeface="Times New Roman" panose="02020603050405020304" pitchFamily="18" charset="0"/>
+              </a:rPr>
+              <a:t>出口</a:t>
+            </a:r>
+            <a:r>
+              <a:rPr lang="en-US" altLang="zh-CN" sz="2000" dirty="0" smtClean="0">
+                <a:latin typeface="Times New Roman" panose="02020603050405020304" pitchFamily="18" charset="0"/>
+                <a:ea typeface="华文细黑" panose="02010600040101010101" pitchFamily="2" charset="-122"/>
+                <a:cs typeface="Times New Roman" panose="02020603050405020304" pitchFamily="18" charset="0"/>
+              </a:rPr>
+              <a:t>u</a:t>
+            </a:r>
+            <a:r>
+              <a:rPr lang="zh-CN" altLang="en-US" sz="2000" dirty="0" smtClean="0">
+                <a:latin typeface="Times New Roman" panose="02020603050405020304" pitchFamily="18" charset="0"/>
+                <a:ea typeface="华文细黑" panose="02010600040101010101" pitchFamily="2" charset="-122"/>
+                <a:cs typeface="Times New Roman" panose="02020603050405020304" pitchFamily="18" charset="0"/>
+              </a:rPr>
+              <a:t>速度与马赫数的影响</a:t>
+            </a:r>
+            <a:r>
+              <a:rPr lang="en-US" altLang="zh-CN" sz="2000" dirty="0" smtClean="0">
+                <a:latin typeface="Times New Roman" panose="02020603050405020304" pitchFamily="18" charset="0"/>
+                <a:ea typeface="华文细黑" panose="02010600040101010101" pitchFamily="2" charset="-122"/>
+                <a:cs typeface="Times New Roman" panose="02020603050405020304" pitchFamily="18" charset="0"/>
+              </a:rPr>
+              <a:t>:</a:t>
+            </a:r>
+            <a:endParaRPr lang="zh-CN" altLang="en-US" sz="2000" dirty="0">
+              <a:latin typeface="Times New Roman" panose="02020603050405020304" pitchFamily="18" charset="0"/>
+              <a:ea typeface="华文细黑" panose="02010600040101010101" pitchFamily="2" charset="-122"/>
+              <a:cs typeface="Times New Roman" panose="02020603050405020304" pitchFamily="18" charset="0"/>
+            </a:endParaRPr>
+          </a:p>
+        </p:txBody>
+      </p:sp>
+      <p:sp>
+        <p:nvSpPr>
+          <p:cNvPr id="7" name="Rectangle 6"/>
+          <p:cNvSpPr>
+            <a:spLocks noChangeArrowheads="1"/>
+          </p:cNvSpPr>
+          <p:nvPr/>
+        </p:nvSpPr>
+        <p:spPr bwMode="auto">
+          <a:xfrm>
+            <a:off x="516474" y="610024"/>
+            <a:ext cx="6950320" cy="400110"/>
+          </a:xfrm>
+          <a:prstGeom prst="rect">
+            <a:avLst/>
+          </a:prstGeom>
+          <a:noFill/>
+          <a:ln>
+            <a:noFill/>
+          </a:ln>
+          <a:effectLst/>
+          <a:extLst>
+            <a:ext uri="{909E8E84-426E-40DD-AFC4-6F175D3DCCD1}">
+              <a14:hiddenFill xmlns:a14="http://schemas.microsoft.com/office/drawing/2010/main">
+                <a:solidFill>
+                  <a:schemeClr val="accent1"/>
+                </a:solidFill>
+              </a14:hiddenFill>
+            </a:ext>
+            <a:ext uri="{91240B29-F687-4F45-9708-019B960494DF}">
+              <a14:hiddenLine xmlns:a14="http://schemas.microsoft.com/office/drawing/2010/main" w="9525">
+                <a:solidFill>
+                  <a:schemeClr val="tx1"/>
+                </a:solidFill>
+                <a:miter lim="800000"/>
+                <a:headEnd/>
+                <a:tailEnd/>
+              </a14:hiddenLine>
+            </a:ext>
+            <a:ext uri="{AF507438-7753-43E0-B8FC-AC1667EBCBE1}">
+              <a14:hiddenEffects xmlns:a14="http://schemas.microsoft.com/office/drawing/2010/main">
+                <a:effectLst>
+                  <a:outerShdw dist="35921" dir="2700000" algn="ctr" rotWithShape="0">
+                    <a:schemeClr val="bg2"/>
+                  </a:outerShdw>
+                </a:effectLst>
+              </a14:hiddenEffects>
+            </a:ext>
+          </a:extLst>
+        </p:spPr>
+        <p:txBody>
+          <a:bodyPr vert="horz" wrap="square" lIns="91440" tIns="45720" rIns="91440" bIns="45720" numCol="1" anchor="ctr" anchorCtr="0" compatLnSpc="1">
+            <a:prstTxWarp prst="textNoShape">
+              <a:avLst/>
+            </a:prstTxWarp>
+            <a:spAutoFit/>
+          </a:bodyPr>
+          <a:lstStyle/>
+          <a:p>
+            <a:pPr lvl="0" eaLnBrk="0" fontAlgn="base" hangingPunct="0">
+              <a:spcBef>
+                <a:spcPct val="0"/>
+              </a:spcBef>
+              <a:spcAft>
+                <a:spcPct val="0"/>
+              </a:spcAft>
+            </a:pPr>
+            <a:r>
+              <a:rPr lang="en-US" altLang="zh-CN" sz="2000" dirty="0" smtClean="0">
+                <a:latin typeface="Times New Roman" panose="02020603050405020304" pitchFamily="18" charset="0"/>
+                <a:ea typeface="华文细黑" panose="02010600040101010101" pitchFamily="2" charset="-122"/>
+                <a:cs typeface="Times New Roman" panose="02020603050405020304" pitchFamily="18" charset="0"/>
+              </a:rPr>
+              <a:t>2.</a:t>
+            </a:r>
+            <a:r>
+              <a:rPr lang="zh-CN" altLang="en-US" sz="2000" dirty="0" smtClean="0">
+                <a:latin typeface="Times New Roman" panose="02020603050405020304" pitchFamily="18" charset="0"/>
+                <a:ea typeface="华文细黑" panose="02010600040101010101" pitchFamily="2" charset="-122"/>
+                <a:cs typeface="Times New Roman" panose="02020603050405020304" pitchFamily="18" charset="0"/>
+              </a:rPr>
+              <a:t>收敛半角的影响</a:t>
+            </a:r>
+          </a:p>
+        </p:txBody>
+      </p:sp>
+      <p:sp>
+        <p:nvSpPr>
+          <p:cNvPr id="12" name="矩形 11"/>
+          <p:cNvSpPr/>
+          <p:nvPr/>
+        </p:nvSpPr>
+        <p:spPr>
+          <a:xfrm>
+            <a:off x="128284" y="5346134"/>
+            <a:ext cx="9015716" cy="400110"/>
+          </a:xfrm>
+          <a:prstGeom prst="rect">
+            <a:avLst/>
+          </a:prstGeom>
+        </p:spPr>
+        <p:txBody>
+          <a:bodyPr wrap="square">
+            <a:spAutoFit/>
+          </a:bodyPr>
+          <a:lstStyle/>
+          <a:p>
+            <a:pPr marL="342900" indent="-342900" eaLnBrk="0" fontAlgn="base" hangingPunct="0">
+              <a:spcBef>
+                <a:spcPct val="0"/>
+              </a:spcBef>
+              <a:spcAft>
+                <a:spcPct val="0"/>
+              </a:spcAft>
+              <a:buFont typeface="Arial" panose="020B0604020202020204" pitchFamily="34" charset="0"/>
+              <a:buChar char="•"/>
+            </a:pPr>
+            <a:r>
+              <a:rPr lang="zh-CN" altLang="en-US" sz="2000" dirty="0" smtClean="0">
+                <a:latin typeface="Times New Roman" panose="02020603050405020304" pitchFamily="18" charset="0"/>
+                <a:ea typeface="华文细黑" panose="02010600040101010101" pitchFamily="2" charset="-122"/>
+                <a:cs typeface="Times New Roman" panose="02020603050405020304" pitchFamily="18" charset="0"/>
+              </a:rPr>
+              <a:t>对出口速度影响不大</a:t>
+            </a:r>
+            <a:endParaRPr lang="zh-CN" altLang="en-US" sz="2000" dirty="0" smtClean="0">
+              <a:latin typeface="Times New Roman" panose="02020603050405020304" pitchFamily="18" charset="0"/>
+              <a:ea typeface="华文细黑" panose="02010600040101010101" pitchFamily="2" charset="-122"/>
+              <a:cs typeface="Times New Roman" panose="02020603050405020304" pitchFamily="18" charset="0"/>
+            </a:endParaRPr>
+          </a:p>
+        </p:txBody>
+      </p:sp>
+      <p:pic>
+        <p:nvPicPr>
+          <p:cNvPr id="8" name="图片 7"/>
+          <p:cNvPicPr>
+            <a:picLocks noChangeAspect="1"/>
+          </p:cNvPicPr>
+          <p:nvPr/>
+        </p:nvPicPr>
+        <p:blipFill>
+          <a:blip r:embed="rId3" cstate="print">
+            <a:extLst>
+              <a:ext uri="{28A0092B-C50C-407E-A947-70E740481C1C}">
+                <a14:useLocalDpi xmlns:a14="http://schemas.microsoft.com/office/drawing/2010/main" val="0"/>
+              </a:ext>
+            </a:extLst>
+          </a:blip>
+          <a:stretch>
+            <a:fillRect/>
+          </a:stretch>
+        </p:blipFill>
+        <p:spPr>
+          <a:xfrm>
+            <a:off x="283559" y="1671852"/>
+            <a:ext cx="4459632" cy="3412672"/>
+          </a:xfrm>
+          <a:prstGeom prst="rect">
+            <a:avLst/>
+          </a:prstGeom>
+        </p:spPr>
+      </p:pic>
+      <p:pic>
+        <p:nvPicPr>
+          <p:cNvPr id="10" name="图片 9"/>
+          <p:cNvPicPr>
+            <a:picLocks noChangeAspect="1"/>
+          </p:cNvPicPr>
+          <p:nvPr/>
+        </p:nvPicPr>
+        <p:blipFill>
+          <a:blip r:embed="rId4" cstate="print">
+            <a:extLst>
+              <a:ext uri="{28A0092B-C50C-407E-A947-70E740481C1C}">
+                <a14:useLocalDpi xmlns:a14="http://schemas.microsoft.com/office/drawing/2010/main" val="0"/>
+              </a:ext>
+            </a:extLst>
+          </a:blip>
+          <a:stretch>
+            <a:fillRect/>
+          </a:stretch>
+        </p:blipFill>
+        <p:spPr>
+          <a:xfrm>
+            <a:off x="4368722" y="1643294"/>
+            <a:ext cx="4627565" cy="3541181"/>
+          </a:xfrm>
+          <a:prstGeom prst="rect">
+            <a:avLst/>
+          </a:prstGeom>
+        </p:spPr>
+      </p:pic>
+    </p:spTree>
+    <p:extLst>
+      <p:ext uri="{BB962C8B-B14F-4D97-AF65-F5344CB8AC3E}">
+        <p14:creationId xmlns:p14="http://schemas.microsoft.com/office/powerpoint/2010/main" val="3816471898"/>
       </p:ext>
     </p:extLst>
   </p:cSld>
@@ -9614,7 +10997,7 @@
           <a:graphicData uri="http://schemas.openxmlformats.org/presentationml/2006/ole">
             <mc:AlternateContent xmlns:mc="http://schemas.openxmlformats.org/markup-compatibility/2006">
               <mc:Choice xmlns:v="urn:schemas-microsoft-com:vml" Requires="v">
-                <p:oleObj spid="_x0000_s9569" name="Equation" r:id="rId3" imgW="3606800" imgH="431800" progId="Equation.DSMT4">
+                <p:oleObj spid="_x0000_s9809" name="Equation" r:id="rId3" imgW="3606800" imgH="431800" progId="Equation.DSMT4">
                   <p:embed/>
                 </p:oleObj>
               </mc:Choice>
@@ -9880,7 +11263,7 @@
           <a:graphicData uri="http://schemas.openxmlformats.org/presentationml/2006/ole">
             <mc:AlternateContent xmlns:mc="http://schemas.openxmlformats.org/markup-compatibility/2006">
               <mc:Choice xmlns:v="urn:schemas-microsoft-com:vml" Requires="v">
-                <p:oleObj spid="_x0000_s9570" name="Equation" r:id="rId5" imgW="1231366" imgH="393529" progId="Equation.DSMT4">
+                <p:oleObj spid="_x0000_s9810" name="Equation" r:id="rId5" imgW="1231366" imgH="393529" progId="Equation.DSMT4">
                   <p:embed/>
                 </p:oleObj>
               </mc:Choice>
@@ -10194,7 +11577,7 @@
           <a:graphicData uri="http://schemas.openxmlformats.org/presentationml/2006/ole">
             <mc:AlternateContent xmlns:mc="http://schemas.openxmlformats.org/markup-compatibility/2006">
               <mc:Choice xmlns:v="urn:schemas-microsoft-com:vml" Requires="v">
-                <p:oleObj spid="_x0000_s9571" name="Equation" r:id="rId7" imgW="774364" imgH="279279" progId="Equation.DSMT4">
+                <p:oleObj spid="_x0000_s9811" name="Equation" r:id="rId7" imgW="774364" imgH="279279" progId="Equation.DSMT4">
                   <p:embed/>
                 </p:oleObj>
               </mc:Choice>
@@ -10324,7 +11707,7 @@
           <a:graphicData uri="http://schemas.openxmlformats.org/presentationml/2006/ole">
             <mc:AlternateContent xmlns:mc="http://schemas.openxmlformats.org/markup-compatibility/2006">
               <mc:Choice xmlns:v="urn:schemas-microsoft-com:vml" Requires="v">
-                <p:oleObj spid="_x0000_s9572" name="Equation" r:id="rId9" imgW="1435100" imgH="508000" progId="Equation.DSMT4">
+                <p:oleObj spid="_x0000_s9812" name="Equation" r:id="rId9" imgW="1435100" imgH="508000" progId="Equation.DSMT4">
                   <p:embed/>
                 </p:oleObj>
               </mc:Choice>
@@ -10454,7 +11837,7 @@
           <a:graphicData uri="http://schemas.openxmlformats.org/presentationml/2006/ole">
             <mc:AlternateContent xmlns:mc="http://schemas.openxmlformats.org/markup-compatibility/2006">
               <mc:Choice xmlns:v="urn:schemas-microsoft-com:vml" Requires="v">
-                <p:oleObj spid="_x0000_s9573" name="Equation" r:id="rId11" imgW="800100" imgH="279400" progId="Equation.DSMT4">
+                <p:oleObj spid="_x0000_s9813" name="Equation" r:id="rId11" imgW="800100" imgH="279400" progId="Equation.DSMT4">
                   <p:embed/>
                 </p:oleObj>
               </mc:Choice>
@@ -10521,7 +11904,7 @@
           <a:graphicData uri="http://schemas.openxmlformats.org/presentationml/2006/ole">
             <mc:AlternateContent xmlns:mc="http://schemas.openxmlformats.org/markup-compatibility/2006">
               <mc:Choice xmlns:v="urn:schemas-microsoft-com:vml" Requires="v">
-                <p:oleObj spid="_x0000_s9574" name="Equation" r:id="rId13" imgW="2666880" imgH="482400" progId="Equation.DSMT4">
+                <p:oleObj spid="_x0000_s9814" name="Equation" r:id="rId13" imgW="2666880" imgH="482400" progId="Equation.DSMT4">
                   <p:embed/>
                 </p:oleObj>
               </mc:Choice>
@@ -10734,7 +12117,7 @@
           <a:graphicData uri="http://schemas.openxmlformats.org/presentationml/2006/ole">
             <mc:AlternateContent xmlns:mc="http://schemas.openxmlformats.org/markup-compatibility/2006">
               <mc:Choice xmlns:v="urn:schemas-microsoft-com:vml" Requires="v">
-                <p:oleObj spid="_x0000_s8496" name="Equation" r:id="rId3" imgW="1930400" imgH="2286000" progId="Equation.DSMT4">
+                <p:oleObj spid="_x0000_s8696" name="Equation" r:id="rId3" imgW="1930400" imgH="2286000" progId="Equation.DSMT4">
                   <p:embed/>
                 </p:oleObj>
               </mc:Choice>
@@ -10864,7 +12247,7 @@
           <a:graphicData uri="http://schemas.openxmlformats.org/presentationml/2006/ole">
             <mc:AlternateContent xmlns:mc="http://schemas.openxmlformats.org/markup-compatibility/2006">
               <mc:Choice xmlns:v="urn:schemas-microsoft-com:vml" Requires="v">
-                <p:oleObj spid="_x0000_s8497" name="Equation" r:id="rId5" imgW="3124200" imgH="431800" progId="Equation.DSMT4">
+                <p:oleObj spid="_x0000_s8697" name="Equation" r:id="rId5" imgW="3124200" imgH="431800" progId="Equation.DSMT4">
                   <p:embed/>
                 </p:oleObj>
               </mc:Choice>
@@ -10994,7 +12377,7 @@
           <a:graphicData uri="http://schemas.openxmlformats.org/presentationml/2006/ole">
             <mc:AlternateContent xmlns:mc="http://schemas.openxmlformats.org/markup-compatibility/2006">
               <mc:Choice xmlns:v="urn:schemas-microsoft-com:vml" Requires="v">
-                <p:oleObj spid="_x0000_s8498" name="Equation" r:id="rId7" imgW="2552700" imgH="279400" progId="Equation.DSMT4">
+                <p:oleObj spid="_x0000_s8698" name="Equation" r:id="rId7" imgW="2552700" imgH="279400" progId="Equation.DSMT4">
                   <p:embed/>
                 </p:oleObj>
               </mc:Choice>
@@ -11124,7 +12507,7 @@
           <a:graphicData uri="http://schemas.openxmlformats.org/presentationml/2006/ole">
             <mc:AlternateContent xmlns:mc="http://schemas.openxmlformats.org/markup-compatibility/2006">
               <mc:Choice xmlns:v="urn:schemas-microsoft-com:vml" Requires="v">
-                <p:oleObj spid="_x0000_s8499" name="Equation" r:id="rId9" imgW="1294838" imgH="266584" progId="Equation.DSMT4">
+                <p:oleObj spid="_x0000_s8699" name="Equation" r:id="rId9" imgW="1294838" imgH="266584" progId="Equation.DSMT4">
                   <p:embed/>
                 </p:oleObj>
               </mc:Choice>
@@ -11191,7 +12574,7 @@
           <a:graphicData uri="http://schemas.openxmlformats.org/presentationml/2006/ole">
             <mc:AlternateContent xmlns:mc="http://schemas.openxmlformats.org/markup-compatibility/2006">
               <mc:Choice xmlns:v="urn:schemas-microsoft-com:vml" Requires="v">
-                <p:oleObj spid="_x0000_s8500" name="Equation" r:id="rId11" imgW="2032000" imgH="1549400" progId="Equation.DSMT4">
+                <p:oleObj spid="_x0000_s8700" name="Equation" r:id="rId11" imgW="2032000" imgH="1549400" progId="Equation.DSMT4">
                   <p:embed/>
                 </p:oleObj>
               </mc:Choice>
@@ -11695,7 +13078,7 @@
           <a:graphicData uri="http://schemas.openxmlformats.org/presentationml/2006/ole">
             <mc:AlternateContent xmlns:mc="http://schemas.openxmlformats.org/markup-compatibility/2006">
               <mc:Choice xmlns:v="urn:schemas-microsoft-com:vml" Requires="v">
-                <p:oleObj spid="_x0000_s10409" name="Equation" r:id="rId4" imgW="2349500" imgH="482600" progId="Equation.DSMT4">
+                <p:oleObj spid="_x0000_s10529" name="Equation" r:id="rId4" imgW="2349500" imgH="482600" progId="Equation.DSMT4">
                   <p:embed/>
                 </p:oleObj>
               </mc:Choice>
@@ -11825,7 +13208,7 @@
           <a:graphicData uri="http://schemas.openxmlformats.org/presentationml/2006/ole">
             <mc:AlternateContent xmlns:mc="http://schemas.openxmlformats.org/markup-compatibility/2006">
               <mc:Choice xmlns:v="urn:schemas-microsoft-com:vml" Requires="v">
-                <p:oleObj spid="_x0000_s10410" name="Equation" r:id="rId6" imgW="2755900" imgH="469900" progId="Equation.DSMT4">
+                <p:oleObj spid="_x0000_s10530" name="Equation" r:id="rId6" imgW="2755900" imgH="469900" progId="Equation.DSMT4">
                   <p:embed/>
                 </p:oleObj>
               </mc:Choice>
@@ -11955,7 +13338,7 @@
           <a:graphicData uri="http://schemas.openxmlformats.org/presentationml/2006/ole">
             <mc:AlternateContent xmlns:mc="http://schemas.openxmlformats.org/markup-compatibility/2006">
               <mc:Choice xmlns:v="urn:schemas-microsoft-com:vml" Requires="v">
-                <p:oleObj spid="_x0000_s10411" name="Equation" r:id="rId8" imgW="3441700" imgH="736600" progId="Equation.DSMT4">
+                <p:oleObj spid="_x0000_s10531" name="Equation" r:id="rId8" imgW="3441700" imgH="736600" progId="Equation.DSMT4">
                   <p:embed/>
                 </p:oleObj>
               </mc:Choice>
@@ -12156,12 +13539,12 @@
               </a:spcAft>
             </a:pPr>
             <a:r>
-              <a:rPr lang="en-US" altLang="zh-CN" sz="2000" dirty="0" smtClean="0">
-                <a:latin typeface="Times New Roman" panose="02020603050405020304" pitchFamily="18" charset="0"/>
-                <a:ea typeface="华文细黑" panose="02010600040101010101" pitchFamily="2" charset="-122"/>
-                <a:cs typeface="Times New Roman" panose="02020603050405020304" pitchFamily="18" charset="0"/>
-              </a:rPr>
-              <a:t>Stocks </a:t>
+              <a:rPr lang="zh-CN" altLang="en-US" sz="2000" dirty="0">
+                <a:latin typeface="Times New Roman" panose="02020603050405020304" pitchFamily="18" charset="0"/>
+                <a:ea typeface="华文细黑" panose="02010600040101010101" pitchFamily="2" charset="-122"/>
+                <a:cs typeface="Times New Roman" panose="02020603050405020304" pitchFamily="18" charset="0"/>
+              </a:rPr>
+              <a:t>变换</a:t>
             </a:r>
             <a:r>
               <a:rPr lang="zh-CN" altLang="en-US" sz="2000" dirty="0" smtClean="0">
@@ -12169,7 +13552,7 @@
                 <a:ea typeface="华文细黑" panose="02010600040101010101" pitchFamily="2" charset="-122"/>
                 <a:cs typeface="Times New Roman" panose="02020603050405020304" pitchFamily="18" charset="0"/>
               </a:rPr>
-              <a:t>公式：</a:t>
+              <a:t>：</a:t>
             </a:r>
             <a:endParaRPr kumimoji="0" lang="zh-CN" altLang="en-US" sz="1800" b="0" i="0" u="none" strike="noStrike" cap="none" normalizeH="0" baseline="0" dirty="0" smtClean="0">
               <a:ln>
@@ -14649,6 +16032,35 @@
           </a:p>
         </p:txBody>
       </p:sp>
+      <p:pic>
+        <p:nvPicPr>
+          <p:cNvPr id="5" name="图片 4"/>
+          <p:cNvPicPr>
+            <a:picLocks noChangeAspect="1"/>
+          </p:cNvPicPr>
+          <p:nvPr/>
+        </p:nvPicPr>
+        <p:blipFill rotWithShape="1">
+          <a:blip r:embed="rId2">
+            <a:extLst>
+              <a:ext uri="{28A0092B-C50C-407E-A947-70E740481C1C}">
+                <a14:useLocalDpi xmlns:a14="http://schemas.microsoft.com/office/drawing/2010/main" val="0"/>
+              </a:ext>
+            </a:extLst>
+          </a:blip>
+          <a:srcRect l="13784" t="7462" r="11470" b="15248"/>
+          <a:stretch/>
+        </p:blipFill>
+        <p:spPr>
+          <a:xfrm>
+            <a:off x="1716657" y="2134593"/>
+            <a:ext cx="5003320" cy="3873261"/>
+          </a:xfrm>
+          <a:prstGeom prst="rect">
+            <a:avLst/>
+          </a:prstGeom>
+        </p:spPr>
+      </p:pic>
     </p:spTree>
     <p:extLst>
       <p:ext uri="{BB962C8B-B14F-4D97-AF65-F5344CB8AC3E}">
@@ -15030,7 +16442,7 @@
           <a:graphicData uri="http://schemas.openxmlformats.org/presentationml/2006/ole">
             <mc:AlternateContent xmlns:mc="http://schemas.openxmlformats.org/markup-compatibility/2006">
               <mc:Choice xmlns:v="urn:schemas-microsoft-com:vml" Requires="v">
-                <p:oleObj spid="_x0000_s16561" name="Equation" r:id="rId3" imgW="1308100" imgH="279400" progId="Equation.DSMT4">
+                <p:oleObj spid="_x0000_s16721" name="Equation" r:id="rId3" imgW="1308100" imgH="279400" progId="Equation.DSMT4">
                   <p:embed/>
                 </p:oleObj>
               </mc:Choice>
@@ -15097,7 +16509,7 @@
           <a:graphicData uri="http://schemas.openxmlformats.org/presentationml/2006/ole">
             <mc:AlternateContent xmlns:mc="http://schemas.openxmlformats.org/markup-compatibility/2006">
               <mc:Choice xmlns:v="urn:schemas-microsoft-com:vml" Requires="v">
-                <p:oleObj spid="_x0000_s16562" name="Equation" r:id="rId5" imgW="1397000" imgH="431800" progId="Equation.DSMT4">
+                <p:oleObj spid="_x0000_s16722" name="Equation" r:id="rId5" imgW="1397000" imgH="431800" progId="Equation.DSMT4">
                   <p:embed/>
                 </p:oleObj>
               </mc:Choice>
@@ -15213,7 +16625,7 @@
           <a:graphicData uri="http://schemas.openxmlformats.org/presentationml/2006/ole">
             <mc:AlternateContent xmlns:mc="http://schemas.openxmlformats.org/markup-compatibility/2006">
               <mc:Choice xmlns:v="urn:schemas-microsoft-com:vml" Requires="v">
-                <p:oleObj spid="_x0000_s16563" name="Equation" r:id="rId7" imgW="1384300" imgH="469900" progId="Equation.DSMT4">
+                <p:oleObj spid="_x0000_s16723" name="Equation" r:id="rId7" imgW="1384300" imgH="469900" progId="Equation.DSMT4">
                   <p:embed/>
                 </p:oleObj>
               </mc:Choice>
@@ -15280,7 +16692,7 @@
           <a:graphicData uri="http://schemas.openxmlformats.org/presentationml/2006/ole">
             <mc:AlternateContent xmlns:mc="http://schemas.openxmlformats.org/markup-compatibility/2006">
               <mc:Choice xmlns:v="urn:schemas-microsoft-com:vml" Requires="v">
-                <p:oleObj spid="_x0000_s16564" name="Equation" r:id="rId9" imgW="2197100" imgH="469900" progId="Equation.DSMT4">
+                <p:oleObj spid="_x0000_s16724" name="Equation" r:id="rId9" imgW="2197100" imgH="469900" progId="Equation.DSMT4">
                   <p:embed/>
                 </p:oleObj>
               </mc:Choice>
@@ -15810,7 +17222,7 @@
           <a:graphicData uri="http://schemas.openxmlformats.org/presentationml/2006/ole">
             <mc:AlternateContent xmlns:mc="http://schemas.openxmlformats.org/markup-compatibility/2006">
               <mc:Choice xmlns:v="urn:schemas-microsoft-com:vml" Requires="v">
-                <p:oleObj spid="_x0000_s15402" name="Equation" r:id="rId3" imgW="1905000" imgH="1625600" progId="Equation.DSMT4">
+                <p:oleObj spid="_x0000_s15442" name="Equation" r:id="rId3" imgW="1905000" imgH="1625600" progId="Equation.DSMT4">
                   <p:embed/>
                 </p:oleObj>
               </mc:Choice>

--- a/NO6/NO6.pptx
+++ b/NO6/NO6.pptx
@@ -16,9 +16,9 @@
     <p:sldId id="270" r:id="rId7"/>
     <p:sldId id="271" r:id="rId8"/>
     <p:sldId id="272" r:id="rId9"/>
-    <p:sldId id="273" r:id="rId10"/>
-    <p:sldId id="277" r:id="rId11"/>
-    <p:sldId id="278" r:id="rId12"/>
+    <p:sldId id="291" r:id="rId10"/>
+    <p:sldId id="273" r:id="rId11"/>
+    <p:sldId id="292" r:id="rId12"/>
     <p:sldId id="279" r:id="rId13"/>
     <p:sldId id="280" r:id="rId14"/>
     <p:sldId id="281" r:id="rId15"/>
@@ -217,7 +217,7 @@
           <a:p>
             <a:fld id="{8BF6706A-530E-468D-9AC5-38D0C03CB835}" type="datetimeFigureOut">
               <a:rPr lang="zh-CN" altLang="en-US" smtClean="0"/>
-              <a:t>2016/6/23</a:t>
+              <a:t>2016/6/24</a:t>
             </a:fld>
             <a:endParaRPr lang="zh-CN" altLang="en-US"/>
           </a:p>
@@ -1878,7 +1878,7 @@
           <a:p>
             <a:fld id="{D4BA5219-96DE-4C60-8FCE-EDBFE1B99FF2}" type="datetimeFigureOut">
               <a:rPr lang="zh-CN" altLang="en-US" smtClean="0"/>
-              <a:t>2016/6/23</a:t>
+              <a:t>2016/6/24</a:t>
             </a:fld>
             <a:endParaRPr lang="zh-CN" altLang="en-US"/>
           </a:p>
@@ -2048,7 +2048,7 @@
           <a:p>
             <a:fld id="{D4BA5219-96DE-4C60-8FCE-EDBFE1B99FF2}" type="datetimeFigureOut">
               <a:rPr lang="zh-CN" altLang="en-US" smtClean="0"/>
-              <a:t>2016/6/23</a:t>
+              <a:t>2016/6/24</a:t>
             </a:fld>
             <a:endParaRPr lang="zh-CN" altLang="en-US"/>
           </a:p>
@@ -2228,7 +2228,7 @@
           <a:p>
             <a:fld id="{D4BA5219-96DE-4C60-8FCE-EDBFE1B99FF2}" type="datetimeFigureOut">
               <a:rPr lang="zh-CN" altLang="en-US" smtClean="0"/>
-              <a:t>2016/6/23</a:t>
+              <a:t>2016/6/24</a:t>
             </a:fld>
             <a:endParaRPr lang="zh-CN" altLang="en-US"/>
           </a:p>
@@ -2398,7 +2398,7 @@
           <a:p>
             <a:fld id="{D4BA5219-96DE-4C60-8FCE-EDBFE1B99FF2}" type="datetimeFigureOut">
               <a:rPr lang="zh-CN" altLang="en-US" smtClean="0"/>
-              <a:t>2016/6/23</a:t>
+              <a:t>2016/6/24</a:t>
             </a:fld>
             <a:endParaRPr lang="zh-CN" altLang="en-US"/>
           </a:p>
@@ -2642,7 +2642,7 @@
           <a:p>
             <a:fld id="{D4BA5219-96DE-4C60-8FCE-EDBFE1B99FF2}" type="datetimeFigureOut">
               <a:rPr lang="zh-CN" altLang="en-US" smtClean="0"/>
-              <a:t>2016/6/23</a:t>
+              <a:t>2016/6/24</a:t>
             </a:fld>
             <a:endParaRPr lang="zh-CN" altLang="en-US"/>
           </a:p>
@@ -2874,7 +2874,7 @@
           <a:p>
             <a:fld id="{D4BA5219-96DE-4C60-8FCE-EDBFE1B99FF2}" type="datetimeFigureOut">
               <a:rPr lang="zh-CN" altLang="en-US" smtClean="0"/>
-              <a:t>2016/6/23</a:t>
+              <a:t>2016/6/24</a:t>
             </a:fld>
             <a:endParaRPr lang="zh-CN" altLang="en-US"/>
           </a:p>
@@ -3241,7 +3241,7 @@
           <a:p>
             <a:fld id="{D4BA5219-96DE-4C60-8FCE-EDBFE1B99FF2}" type="datetimeFigureOut">
               <a:rPr lang="zh-CN" altLang="en-US" smtClean="0"/>
-              <a:t>2016/6/23</a:t>
+              <a:t>2016/6/24</a:t>
             </a:fld>
             <a:endParaRPr lang="zh-CN" altLang="en-US"/>
           </a:p>
@@ -3359,7 +3359,7 @@
           <a:p>
             <a:fld id="{D4BA5219-96DE-4C60-8FCE-EDBFE1B99FF2}" type="datetimeFigureOut">
               <a:rPr lang="zh-CN" altLang="en-US" smtClean="0"/>
-              <a:t>2016/6/23</a:t>
+              <a:t>2016/6/24</a:t>
             </a:fld>
             <a:endParaRPr lang="zh-CN" altLang="en-US"/>
           </a:p>
@@ -3454,7 +3454,7 @@
           <a:p>
             <a:fld id="{D4BA5219-96DE-4C60-8FCE-EDBFE1B99FF2}" type="datetimeFigureOut">
               <a:rPr lang="zh-CN" altLang="en-US" smtClean="0"/>
-              <a:t>2016/6/23</a:t>
+              <a:t>2016/6/24</a:t>
             </a:fld>
             <a:endParaRPr lang="zh-CN" altLang="en-US"/>
           </a:p>
@@ -3731,7 +3731,7 @@
           <a:p>
             <a:fld id="{D4BA5219-96DE-4C60-8FCE-EDBFE1B99FF2}" type="datetimeFigureOut">
               <a:rPr lang="zh-CN" altLang="en-US" smtClean="0"/>
-              <a:t>2016/6/23</a:t>
+              <a:t>2016/6/24</a:t>
             </a:fld>
             <a:endParaRPr lang="zh-CN" altLang="en-US"/>
           </a:p>
@@ -3988,7 +3988,7 @@
           <a:p>
             <a:fld id="{D4BA5219-96DE-4C60-8FCE-EDBFE1B99FF2}" type="datetimeFigureOut">
               <a:rPr lang="zh-CN" altLang="en-US" smtClean="0"/>
-              <a:t>2016/6/23</a:t>
+              <a:t>2016/6/24</a:t>
             </a:fld>
             <a:endParaRPr lang="zh-CN" altLang="en-US"/>
           </a:p>
@@ -4201,7 +4201,7 @@
           <a:p>
             <a:fld id="{D4BA5219-96DE-4C60-8FCE-EDBFE1B99FF2}" type="datetimeFigureOut">
               <a:rPr lang="zh-CN" altLang="en-US" smtClean="0"/>
-              <a:t>2016/6/23</a:t>
+              <a:t>2016/6/24</a:t>
             </a:fld>
             <a:endParaRPr lang="zh-CN" altLang="en-US"/>
           </a:p>
@@ -4829,6 +4829,603 @@
         </p:nvSpPr>
         <p:spPr bwMode="auto">
           <a:xfrm>
+            <a:off x="516474" y="769840"/>
+            <a:ext cx="6950320" cy="400110"/>
+          </a:xfrm>
+          <a:prstGeom prst="rect">
+            <a:avLst/>
+          </a:prstGeom>
+          <a:noFill/>
+          <a:ln>
+            <a:noFill/>
+          </a:ln>
+          <a:effectLst/>
+          <a:extLst>
+            <a:ext uri="{909E8E84-426E-40DD-AFC4-6F175D3DCCD1}">
+              <a14:hiddenFill xmlns:a14="http://schemas.microsoft.com/office/drawing/2010/main">
+                <a:solidFill>
+                  <a:schemeClr val="accent1"/>
+                </a:solidFill>
+              </a14:hiddenFill>
+            </a:ext>
+            <a:ext uri="{91240B29-F687-4F45-9708-019B960494DF}">
+              <a14:hiddenLine xmlns:a14="http://schemas.microsoft.com/office/drawing/2010/main" w="9525">
+                <a:solidFill>
+                  <a:schemeClr val="tx1"/>
+                </a:solidFill>
+                <a:miter lim="800000"/>
+                <a:headEnd/>
+                <a:tailEnd/>
+              </a14:hiddenLine>
+            </a:ext>
+            <a:ext uri="{AF507438-7753-43E0-B8FC-AC1667EBCBE1}">
+              <a14:hiddenEffects xmlns:a14="http://schemas.microsoft.com/office/drawing/2010/main">
+                <a:effectLst>
+                  <a:outerShdw dist="35921" dir="2700000" algn="ctr" rotWithShape="0">
+                    <a:schemeClr val="bg2"/>
+                  </a:outerShdw>
+                </a:effectLst>
+              </a14:hiddenEffects>
+            </a:ext>
+          </a:extLst>
+        </p:spPr>
+        <p:txBody>
+          <a:bodyPr vert="horz" wrap="square" lIns="91440" tIns="45720" rIns="91440" bIns="45720" numCol="1" anchor="ctr" anchorCtr="0" compatLnSpc="1">
+            <a:prstTxWarp prst="textNoShape">
+              <a:avLst/>
+            </a:prstTxWarp>
+            <a:spAutoFit/>
+          </a:bodyPr>
+          <a:lstStyle/>
+          <a:p>
+            <a:pPr lvl="0" eaLnBrk="0" fontAlgn="base" hangingPunct="0">
+              <a:spcBef>
+                <a:spcPct val="0"/>
+              </a:spcBef>
+              <a:spcAft>
+                <a:spcPct val="0"/>
+              </a:spcAft>
+            </a:pPr>
+            <a:r>
+              <a:rPr lang="en-US" altLang="zh-CN" sz="2000" dirty="0" smtClean="0">
+                <a:latin typeface="Times New Roman" panose="02020603050405020304" pitchFamily="18" charset="0"/>
+                <a:ea typeface="华文细黑" panose="02010600040101010101" pitchFamily="2" charset="-122"/>
+                <a:cs typeface="Times New Roman" panose="02020603050405020304" pitchFamily="18" charset="0"/>
+              </a:rPr>
+              <a:t>5.</a:t>
+            </a:r>
+            <a:r>
+              <a:rPr lang="zh-CN" altLang="en-US" sz="2000" dirty="0" smtClean="0">
+                <a:latin typeface="Times New Roman" panose="02020603050405020304" pitchFamily="18" charset="0"/>
+                <a:ea typeface="华文细黑" panose="02010600040101010101" pitchFamily="2" charset="-122"/>
+                <a:cs typeface="Times New Roman" panose="02020603050405020304" pitchFamily="18" charset="0"/>
+              </a:rPr>
+              <a:t>设置边界条件</a:t>
+            </a:r>
+          </a:p>
+        </p:txBody>
+      </p:sp>
+      <p:sp>
+        <p:nvSpPr>
+          <p:cNvPr id="4" name="矩形 3"/>
+          <p:cNvSpPr/>
+          <p:nvPr/>
+        </p:nvSpPr>
+        <p:spPr>
+          <a:xfrm>
+            <a:off x="516474" y="1165739"/>
+            <a:ext cx="7053703" cy="1323439"/>
+          </a:xfrm>
+          <a:prstGeom prst="rect">
+            <a:avLst/>
+          </a:prstGeom>
+        </p:spPr>
+        <p:txBody>
+          <a:bodyPr wrap="square">
+            <a:spAutoFit/>
+          </a:bodyPr>
+          <a:lstStyle/>
+          <a:p>
+            <a:pPr eaLnBrk="0" fontAlgn="base" hangingPunct="0">
+              <a:spcBef>
+                <a:spcPct val="0"/>
+              </a:spcBef>
+              <a:spcAft>
+                <a:spcPct val="0"/>
+              </a:spcAft>
+            </a:pPr>
+            <a:r>
+              <a:rPr lang="en-US" altLang="zh-CN" sz="2000" dirty="0" smtClean="0">
+                <a:latin typeface="Times New Roman" panose="02020603050405020304" pitchFamily="18" charset="0"/>
+                <a:ea typeface="华文细黑" panose="02010600040101010101" pitchFamily="2" charset="-122"/>
+                <a:cs typeface="Times New Roman" panose="02020603050405020304" pitchFamily="18" charset="0"/>
+              </a:rPr>
+              <a:t>a)</a:t>
+            </a:r>
+            <a:r>
+              <a:rPr lang="zh-CN" altLang="en-US" sz="2000" dirty="0" smtClean="0">
+                <a:latin typeface="Times New Roman" panose="02020603050405020304" pitchFamily="18" charset="0"/>
+                <a:ea typeface="华文细黑" panose="02010600040101010101" pitchFamily="2" charset="-122"/>
+                <a:cs typeface="Times New Roman" panose="02020603050405020304" pitchFamily="18" charset="0"/>
+              </a:rPr>
+              <a:t>亚音速</a:t>
+            </a:r>
+            <a:r>
+              <a:rPr lang="zh-CN" altLang="zh-CN" sz="2000" dirty="0" smtClean="0">
+                <a:latin typeface="Times New Roman" panose="02020603050405020304" pitchFamily="18" charset="0"/>
+                <a:ea typeface="华文细黑" panose="02010600040101010101" pitchFamily="2" charset="-122"/>
+                <a:cs typeface="Times New Roman" panose="02020603050405020304" pitchFamily="18" charset="0"/>
+              </a:rPr>
+              <a:t>入口</a:t>
+            </a:r>
+            <a:endParaRPr lang="zh-CN" altLang="zh-CN" sz="2000" dirty="0">
+              <a:latin typeface="Times New Roman" panose="02020603050405020304" pitchFamily="18" charset="0"/>
+              <a:ea typeface="华文细黑" panose="02010600040101010101" pitchFamily="2" charset="-122"/>
+              <a:cs typeface="Times New Roman" panose="02020603050405020304" pitchFamily="18" charset="0"/>
+            </a:endParaRPr>
+          </a:p>
+          <a:p>
+            <a:pPr eaLnBrk="0" fontAlgn="base" hangingPunct="0">
+              <a:spcBef>
+                <a:spcPct val="0"/>
+              </a:spcBef>
+              <a:spcAft>
+                <a:spcPct val="0"/>
+              </a:spcAft>
+            </a:pPr>
+            <a:r>
+              <a:rPr lang="zh-CN" altLang="zh-CN" sz="2000" dirty="0" smtClean="0">
+                <a:latin typeface="Times New Roman" panose="02020603050405020304" pitchFamily="18" charset="0"/>
+                <a:ea typeface="华文细黑" panose="02010600040101010101" pitchFamily="2" charset="-122"/>
+                <a:cs typeface="Times New Roman" panose="02020603050405020304" pitchFamily="18" charset="0"/>
+              </a:rPr>
+              <a:t>由</a:t>
+            </a:r>
+            <a:r>
+              <a:rPr lang="zh-CN" altLang="zh-CN" sz="2000" dirty="0">
+                <a:latin typeface="Times New Roman" panose="02020603050405020304" pitchFamily="18" charset="0"/>
+                <a:ea typeface="华文细黑" panose="02010600040101010101" pitchFamily="2" charset="-122"/>
+                <a:cs typeface="Times New Roman" panose="02020603050405020304" pitchFamily="18" charset="0"/>
+              </a:rPr>
+              <a:t>特征线理论可知，亚音速入口，有</a:t>
+            </a:r>
+            <a:r>
+              <a:rPr lang="en-US" altLang="zh-CN" sz="2000" dirty="0">
+                <a:latin typeface="Times New Roman" panose="02020603050405020304" pitchFamily="18" charset="0"/>
+                <a:ea typeface="华文细黑" panose="02010600040101010101" pitchFamily="2" charset="-122"/>
+                <a:cs typeface="Times New Roman" panose="02020603050405020304" pitchFamily="18" charset="0"/>
+              </a:rPr>
+              <a:t>2</a:t>
+            </a:r>
+            <a:r>
+              <a:rPr lang="zh-CN" altLang="zh-CN" sz="2000" dirty="0">
+                <a:latin typeface="Times New Roman" panose="02020603050405020304" pitchFamily="18" charset="0"/>
+                <a:ea typeface="华文细黑" panose="02010600040101010101" pitchFamily="2" charset="-122"/>
+                <a:cs typeface="Times New Roman" panose="02020603050405020304" pitchFamily="18" charset="0"/>
+              </a:rPr>
+              <a:t>条特征线进入计算域，需给定两个边界条件，根据题目已知条件</a:t>
+            </a:r>
+            <a:r>
+              <a:rPr lang="zh-CN" altLang="zh-CN" sz="2000" dirty="0" smtClean="0">
+                <a:latin typeface="Times New Roman" panose="02020603050405020304" pitchFamily="18" charset="0"/>
+                <a:ea typeface="华文细黑" panose="02010600040101010101" pitchFamily="2" charset="-122"/>
+                <a:cs typeface="Times New Roman" panose="02020603050405020304" pitchFamily="18" charset="0"/>
+              </a:rPr>
+              <a:t>，给定</a:t>
+            </a:r>
+            <a:r>
+              <a:rPr lang="zh-CN" altLang="zh-CN" sz="2000" dirty="0">
+                <a:latin typeface="Times New Roman" panose="02020603050405020304" pitchFamily="18" charset="0"/>
+                <a:ea typeface="华文细黑" panose="02010600040101010101" pitchFamily="2" charset="-122"/>
+                <a:cs typeface="Times New Roman" panose="02020603050405020304" pitchFamily="18" charset="0"/>
+              </a:rPr>
+              <a:t>压力和密度，入口速度根据相容</a:t>
+            </a:r>
+            <a:r>
+              <a:rPr lang="zh-CN" altLang="zh-CN" sz="2000" dirty="0" smtClean="0">
+                <a:latin typeface="Times New Roman" panose="02020603050405020304" pitchFamily="18" charset="0"/>
+                <a:ea typeface="华文细黑" panose="02010600040101010101" pitchFamily="2" charset="-122"/>
+                <a:cs typeface="Times New Roman" panose="02020603050405020304" pitchFamily="18" charset="0"/>
+              </a:rPr>
+              <a:t>关系</a:t>
+            </a:r>
+            <a:r>
+              <a:rPr lang="zh-CN" altLang="en-US" sz="2000" dirty="0" smtClean="0">
+                <a:latin typeface="Times New Roman" panose="02020603050405020304" pitchFamily="18" charset="0"/>
+                <a:ea typeface="华文细黑" panose="02010600040101010101" pitchFamily="2" charset="-122"/>
+                <a:cs typeface="Times New Roman" panose="02020603050405020304" pitchFamily="18" charset="0"/>
+              </a:rPr>
+              <a:t>：</a:t>
+            </a:r>
+            <a:endParaRPr lang="zh-CN" altLang="en-US" sz="2000" dirty="0">
+              <a:latin typeface="Times New Roman" panose="02020603050405020304" pitchFamily="18" charset="0"/>
+              <a:ea typeface="华文细黑" panose="02010600040101010101" pitchFamily="2" charset="-122"/>
+              <a:cs typeface="Times New Roman" panose="02020603050405020304" pitchFamily="18" charset="0"/>
+            </a:endParaRPr>
+          </a:p>
+        </p:txBody>
+      </p:sp>
+      <p:graphicFrame>
+        <p:nvGraphicFramePr>
+          <p:cNvPr id="7" name="对象 6"/>
+          <p:cNvGraphicFramePr>
+            <a:graphicFrameLocks noChangeAspect="1"/>
+          </p:cNvGraphicFramePr>
+          <p:nvPr>
+            <p:extLst>
+              <p:ext uri="{D42A27DB-BD31-4B8C-83A1-F6EECF244321}">
+                <p14:modId xmlns:p14="http://schemas.microsoft.com/office/powerpoint/2010/main" val="2652011754"/>
+              </p:ext>
+            </p:extLst>
+          </p:nvPr>
+        </p:nvGraphicFramePr>
+        <p:xfrm>
+          <a:off x="2200702" y="2329186"/>
+          <a:ext cx="3541021" cy="3009868"/>
+        </p:xfrm>
+        <a:graphic>
+          <a:graphicData uri="http://schemas.openxmlformats.org/presentationml/2006/ole">
+            <mc:AlternateContent xmlns:mc="http://schemas.openxmlformats.org/markup-compatibility/2006">
+              <mc:Choice xmlns:v="urn:schemas-microsoft-com:vml" Requires="v">
+                <p:oleObj spid="_x0000_s15508" name="Equation" r:id="rId3" imgW="1905000" imgH="1625600" progId="Equation.DSMT4">
+                  <p:embed/>
+                </p:oleObj>
+              </mc:Choice>
+              <mc:Fallback>
+                <p:oleObj name="Equation" r:id="rId3" imgW="1905000" imgH="1625600" progId="Equation.DSMT4">
+                  <p:embed/>
+                  <p:pic>
+                    <p:nvPicPr>
+                      <p:cNvPr id="0" name="Object 1"/>
+                      <p:cNvPicPr>
+                        <a:picLocks noChangeAspect="1" noChangeArrowheads="1"/>
+                      </p:cNvPicPr>
+                      <p:nvPr/>
+                    </p:nvPicPr>
+                    <p:blipFill>
+                      <a:blip r:embed="rId4">
+                        <a:extLst>
+                          <a:ext uri="{28A0092B-C50C-407E-A947-70E740481C1C}">
+                            <a14:useLocalDpi xmlns:a14="http://schemas.microsoft.com/office/drawing/2010/main" val="0"/>
+                          </a:ext>
+                        </a:extLst>
+                      </a:blip>
+                      <a:srcRect/>
+                      <a:stretch>
+                        <a:fillRect/>
+                      </a:stretch>
+                    </p:blipFill>
+                    <p:spPr bwMode="auto">
+                      <a:xfrm>
+                        <a:off x="2200702" y="2329186"/>
+                        <a:ext cx="3541021" cy="3009868"/>
+                      </a:xfrm>
+                      <a:prstGeom prst="rect">
+                        <a:avLst/>
+                      </a:prstGeom>
+                      <a:noFill/>
+                    </p:spPr>
+                  </p:pic>
+                </p:oleObj>
+              </mc:Fallback>
+            </mc:AlternateContent>
+          </a:graphicData>
+        </a:graphic>
+      </p:graphicFrame>
+      <p:graphicFrame>
+        <p:nvGraphicFramePr>
+          <p:cNvPr id="10" name="对象 9"/>
+          <p:cNvGraphicFramePr>
+            <a:graphicFrameLocks noChangeAspect="1"/>
+          </p:cNvGraphicFramePr>
+          <p:nvPr>
+            <p:extLst>
+              <p:ext uri="{D42A27DB-BD31-4B8C-83A1-F6EECF244321}">
+                <p14:modId xmlns:p14="http://schemas.microsoft.com/office/powerpoint/2010/main" val="2518964602"/>
+              </p:ext>
+            </p:extLst>
+          </p:nvPr>
+        </p:nvGraphicFramePr>
+        <p:xfrm>
+          <a:off x="1950109" y="5433498"/>
+          <a:ext cx="4083050" cy="1222375"/>
+        </p:xfrm>
+        <a:graphic>
+          <a:graphicData uri="http://schemas.openxmlformats.org/presentationml/2006/ole">
+            <mc:AlternateContent xmlns:mc="http://schemas.openxmlformats.org/markup-compatibility/2006">
+              <mc:Choice xmlns:v="urn:schemas-microsoft-com:vml" Requires="v">
+                <p:oleObj spid="_x0000_s15509" name="Equation" r:id="rId5" imgW="2197080" imgH="660240" progId="Equation.DSMT4">
+                  <p:embed/>
+                </p:oleObj>
+              </mc:Choice>
+              <mc:Fallback>
+                <p:oleObj name="Equation" r:id="rId5" imgW="2197080" imgH="660240" progId="Equation.DSMT4">
+                  <p:embed/>
+                  <p:pic>
+                    <p:nvPicPr>
+                      <p:cNvPr id="0" name=""/>
+                      <p:cNvPicPr>
+                        <a:picLocks noChangeAspect="1" noChangeArrowheads="1"/>
+                      </p:cNvPicPr>
+                      <p:nvPr/>
+                    </p:nvPicPr>
+                    <p:blipFill>
+                      <a:blip r:embed="rId6"/>
+                      <a:srcRect/>
+                      <a:stretch>
+                        <a:fillRect/>
+                      </a:stretch>
+                    </p:blipFill>
+                    <p:spPr bwMode="auto">
+                      <a:xfrm>
+                        <a:off x="1950109" y="5433498"/>
+                        <a:ext cx="4083050" cy="1222375"/>
+                      </a:xfrm>
+                      <a:prstGeom prst="rect">
+                        <a:avLst/>
+                      </a:prstGeom>
+                      <a:noFill/>
+                    </p:spPr>
+                  </p:pic>
+                </p:oleObj>
+              </mc:Fallback>
+            </mc:AlternateContent>
+          </a:graphicData>
+        </a:graphic>
+      </p:graphicFrame>
+      <p:sp>
+        <p:nvSpPr>
+          <p:cNvPr id="11" name="矩形 10"/>
+          <p:cNvSpPr/>
+          <p:nvPr/>
+        </p:nvSpPr>
+        <p:spPr>
+          <a:xfrm>
+            <a:off x="516473" y="5116139"/>
+            <a:ext cx="7053703" cy="400110"/>
+          </a:xfrm>
+          <a:prstGeom prst="rect">
+            <a:avLst/>
+          </a:prstGeom>
+        </p:spPr>
+        <p:txBody>
+          <a:bodyPr wrap="square">
+            <a:spAutoFit/>
+          </a:bodyPr>
+          <a:lstStyle/>
+          <a:p>
+            <a:pPr eaLnBrk="0" fontAlgn="base" hangingPunct="0">
+              <a:spcBef>
+                <a:spcPct val="0"/>
+              </a:spcBef>
+              <a:spcAft>
+                <a:spcPct val="0"/>
+              </a:spcAft>
+            </a:pPr>
+            <a:r>
+              <a:rPr lang="zh-CN" altLang="zh-CN" sz="2000" dirty="0" smtClean="0">
+                <a:latin typeface="Times New Roman" panose="02020603050405020304" pitchFamily="18" charset="0"/>
+                <a:ea typeface="华文细黑" panose="02010600040101010101" pitchFamily="2" charset="-122"/>
+                <a:cs typeface="Times New Roman" panose="02020603050405020304" pitchFamily="18" charset="0"/>
+              </a:rPr>
+              <a:t>得到</a:t>
+            </a:r>
+            <a:r>
+              <a:rPr lang="zh-CN" altLang="en-US" sz="2000" dirty="0" smtClean="0">
+                <a:latin typeface="Times New Roman" panose="02020603050405020304" pitchFamily="18" charset="0"/>
+                <a:ea typeface="华文细黑" panose="02010600040101010101" pitchFamily="2" charset="-122"/>
+                <a:cs typeface="Times New Roman" panose="02020603050405020304" pitchFamily="18" charset="0"/>
+              </a:rPr>
+              <a:t>：</a:t>
+            </a:r>
+            <a:endParaRPr lang="zh-CN" altLang="en-US" sz="2000" dirty="0">
+              <a:latin typeface="Times New Roman" panose="02020603050405020304" pitchFamily="18" charset="0"/>
+              <a:ea typeface="华文细黑" panose="02010600040101010101" pitchFamily="2" charset="-122"/>
+              <a:cs typeface="Times New Roman" panose="02020603050405020304" pitchFamily="18" charset="0"/>
+            </a:endParaRPr>
+          </a:p>
+        </p:txBody>
+      </p:sp>
+    </p:spTree>
+    <p:extLst>
+      <p:ext uri="{BB962C8B-B14F-4D97-AF65-F5344CB8AC3E}">
+        <p14:creationId xmlns:p14="http://schemas.microsoft.com/office/powerpoint/2010/main" val="1819784162"/>
+      </p:ext>
+    </p:extLst>
+  </p:cSld>
+  <p:clrMapOvr>
+    <a:masterClrMapping/>
+  </p:clrMapOvr>
+</p:sld>
+</file>
+
+<file path=ppt/slides/slide11.xml><?xml version="1.0" encoding="utf-8"?>
+<p:sld xmlns:a="http://schemas.openxmlformats.org/drawingml/2006/main" xmlns:r="http://schemas.openxmlformats.org/officeDocument/2006/relationships" xmlns:p="http://schemas.openxmlformats.org/presentationml/2006/main">
+  <p:cSld>
+    <p:spTree>
+      <p:nvGrpSpPr>
+        <p:cNvPr id="1" name=""/>
+        <p:cNvGrpSpPr/>
+        <p:nvPr/>
+      </p:nvGrpSpPr>
+      <p:grpSpPr>
+        <a:xfrm>
+          <a:off x="0" y="0"/>
+          <a:ext cx="0" cy="0"/>
+          <a:chOff x="0" y="0"/>
+          <a:chExt cx="0" cy="0"/>
+        </a:xfrm>
+      </p:grpSpPr>
+      <p:sp>
+        <p:nvSpPr>
+          <p:cNvPr id="2" name="标题 1"/>
+          <p:cNvSpPr>
+            <a:spLocks noGrp="1"/>
+          </p:cNvSpPr>
+          <p:nvPr>
+            <p:ph type="title"/>
+          </p:nvPr>
+        </p:nvSpPr>
+        <p:spPr>
+          <a:xfrm>
+            <a:off x="516474" y="-155613"/>
+            <a:ext cx="4529823" cy="1325563"/>
+          </a:xfrm>
+        </p:spPr>
+        <p:txBody>
+          <a:bodyPr/>
+          <a:lstStyle/>
+          <a:p>
+            <a:r>
+              <a:rPr lang="zh-CN" altLang="en-US" dirty="0" smtClean="0">
+                <a:latin typeface="华文细黑" panose="02010600040101010101" pitchFamily="2" charset="-122"/>
+                <a:ea typeface="华文细黑" panose="02010600040101010101" pitchFamily="2" charset="-122"/>
+              </a:rPr>
+              <a:t>求解过程</a:t>
+            </a:r>
+            <a:endParaRPr lang="zh-CN" altLang="en-US" dirty="0">
+              <a:latin typeface="华文细黑" panose="02010600040101010101" pitchFamily="2" charset="-122"/>
+              <a:ea typeface="华文细黑" panose="02010600040101010101" pitchFamily="2" charset="-122"/>
+            </a:endParaRPr>
+          </a:p>
+        </p:txBody>
+      </p:sp>
+      <p:sp>
+        <p:nvSpPr>
+          <p:cNvPr id="5" name="Rectangle 8"/>
+          <p:cNvSpPr>
+            <a:spLocks noChangeArrowheads="1"/>
+          </p:cNvSpPr>
+          <p:nvPr/>
+        </p:nvSpPr>
+        <p:spPr bwMode="auto">
+          <a:xfrm>
+            <a:off x="3596373" y="3194810"/>
+            <a:ext cx="10138098" cy="45719"/>
+          </a:xfrm>
+          <a:prstGeom prst="rect">
+            <a:avLst/>
+          </a:prstGeom>
+          <a:noFill/>
+          <a:ln>
+            <a:noFill/>
+          </a:ln>
+          <a:effectLst/>
+          <a:extLst>
+            <a:ext uri="{909E8E84-426E-40DD-AFC4-6F175D3DCCD1}">
+              <a14:hiddenFill xmlns:a14="http://schemas.microsoft.com/office/drawing/2010/main">
+                <a:solidFill>
+                  <a:schemeClr val="accent1"/>
+                </a:solidFill>
+              </a14:hiddenFill>
+            </a:ext>
+            <a:ext uri="{91240B29-F687-4F45-9708-019B960494DF}">
+              <a14:hiddenLine xmlns:a14="http://schemas.microsoft.com/office/drawing/2010/main" w="9525">
+                <a:solidFill>
+                  <a:schemeClr val="tx1"/>
+                </a:solidFill>
+                <a:miter lim="800000"/>
+                <a:headEnd/>
+                <a:tailEnd/>
+              </a14:hiddenLine>
+            </a:ext>
+            <a:ext uri="{AF507438-7753-43E0-B8FC-AC1667EBCBE1}">
+              <a14:hiddenEffects xmlns:a14="http://schemas.microsoft.com/office/drawing/2010/main">
+                <a:effectLst>
+                  <a:outerShdw dist="35921" dir="2700000" algn="ctr" rotWithShape="0">
+                    <a:schemeClr val="bg2"/>
+                  </a:outerShdw>
+                </a:effectLst>
+              </a14:hiddenEffects>
+            </a:ext>
+          </a:extLst>
+        </p:spPr>
+        <p:txBody>
+          <a:bodyPr vert="horz" wrap="square" lIns="91440" tIns="45720" rIns="91440" bIns="45720" numCol="1" anchor="ctr" anchorCtr="0" compatLnSpc="1">
+            <a:prstTxWarp prst="textNoShape">
+              <a:avLst/>
+            </a:prstTxWarp>
+            <a:spAutoFit/>
+          </a:bodyPr>
+          <a:lstStyle/>
+          <a:p>
+            <a:endParaRPr lang="zh-CN" altLang="en-US"/>
+          </a:p>
+        </p:txBody>
+      </p:sp>
+      <p:sp>
+        <p:nvSpPr>
+          <p:cNvPr id="16" name="Rectangle 6"/>
+          <p:cNvSpPr>
+            <a:spLocks noChangeArrowheads="1"/>
+          </p:cNvSpPr>
+          <p:nvPr/>
+        </p:nvSpPr>
+        <p:spPr bwMode="auto">
+          <a:xfrm>
+            <a:off x="1243697" y="6007854"/>
+            <a:ext cx="9144000" cy="0"/>
+          </a:xfrm>
+          <a:prstGeom prst="rect">
+            <a:avLst/>
+          </a:prstGeom>
+          <a:noFill/>
+          <a:ln>
+            <a:noFill/>
+          </a:ln>
+          <a:effectLst/>
+          <a:extLst>
+            <a:ext uri="{909E8E84-426E-40DD-AFC4-6F175D3DCCD1}">
+              <a14:hiddenFill xmlns:a14="http://schemas.microsoft.com/office/drawing/2010/main">
+                <a:solidFill>
+                  <a:schemeClr val="accent1"/>
+                </a:solidFill>
+              </a14:hiddenFill>
+            </a:ext>
+            <a:ext uri="{91240B29-F687-4F45-9708-019B960494DF}">
+              <a14:hiddenLine xmlns:a14="http://schemas.microsoft.com/office/drawing/2010/main" w="9525">
+                <a:solidFill>
+                  <a:schemeClr val="tx1"/>
+                </a:solidFill>
+                <a:miter lim="800000"/>
+                <a:headEnd/>
+                <a:tailEnd/>
+              </a14:hiddenLine>
+            </a:ext>
+            <a:ext uri="{AF507438-7753-43E0-B8FC-AC1667EBCBE1}">
+              <a14:hiddenEffects xmlns:a14="http://schemas.microsoft.com/office/drawing/2010/main">
+                <a:effectLst>
+                  <a:outerShdw dist="35921" dir="2700000" algn="ctr" rotWithShape="0">
+                    <a:schemeClr val="bg2"/>
+                  </a:outerShdw>
+                </a:effectLst>
+              </a14:hiddenEffects>
+            </a:ext>
+          </a:extLst>
+        </p:spPr>
+        <p:txBody>
+          <a:bodyPr vert="horz" wrap="none" lIns="91440" tIns="45720" rIns="91440" bIns="45720" numCol="1" anchor="ctr" anchorCtr="0" compatLnSpc="1">
+            <a:prstTxWarp prst="textNoShape">
+              <a:avLst/>
+            </a:prstTxWarp>
+            <a:spAutoFit/>
+          </a:bodyPr>
+          <a:lstStyle/>
+          <a:p>
+            <a:endParaRPr lang="zh-CN" altLang="en-US"/>
+          </a:p>
+        </p:txBody>
+      </p:sp>
+      <p:sp>
+        <p:nvSpPr>
+          <p:cNvPr id="57" name="Rectangle 6"/>
+          <p:cNvSpPr>
+            <a:spLocks noChangeArrowheads="1"/>
+          </p:cNvSpPr>
+          <p:nvPr/>
+        </p:nvSpPr>
+        <p:spPr bwMode="auto">
+          <a:xfrm>
             <a:off x="516474" y="810079"/>
             <a:ext cx="6950320" cy="400110"/>
           </a:xfrm>
@@ -4892,7 +5489,7 @@
                 <a:ea typeface="华文细黑" panose="02010600040101010101" pitchFamily="2" charset="-122"/>
                 <a:cs typeface="Times New Roman" panose="02020603050405020304" pitchFamily="18" charset="0"/>
               </a:rPr>
-              <a:t>3.</a:t>
+              <a:t>5.</a:t>
             </a:r>
             <a:r>
               <a:rPr lang="zh-CN" altLang="en-US" sz="2000" dirty="0" smtClean="0">
@@ -4988,11 +5585,7 @@
             <a:graphicFrameLocks noChangeAspect="1"/>
           </p:cNvGraphicFramePr>
           <p:nvPr>
-            <p:extLst>
-              <p:ext uri="{D42A27DB-BD31-4B8C-83A1-F6EECF244321}">
-                <p14:modId xmlns:p14="http://schemas.microsoft.com/office/powerpoint/2010/main" val="2195389144"/>
-              </p:ext>
-            </p:extLst>
+            <p:extLst/>
           </p:nvPr>
         </p:nvGraphicFramePr>
         <p:xfrm>
@@ -5003,7 +5596,7 @@
           <a:graphicData uri="http://schemas.openxmlformats.org/presentationml/2006/ole">
             <mc:AlternateContent xmlns:mc="http://schemas.openxmlformats.org/markup-compatibility/2006">
               <mc:Choice xmlns:v="urn:schemas-microsoft-com:vml" Requires="v">
-                <p:oleObj spid="_x0000_s18665" name="Equation" r:id="rId3" imgW="1307880" imgH="444240" progId="Equation.DSMT4">
+                <p:oleObj spid="_x0000_s21575" name="Equation" r:id="rId3" imgW="1307880" imgH="444240" progId="Equation.DSMT4">
                   <p:embed/>
                 </p:oleObj>
               </mc:Choice>
@@ -5012,7 +5605,7 @@
                   <p:embed/>
                   <p:pic>
                     <p:nvPicPr>
-                      <p:cNvPr id="0" name="Object 4"/>
+                      <p:cNvPr id="0" name=""/>
                       <p:cNvPicPr>
                         <a:picLocks noChangeAspect="1" noChangeArrowheads="1"/>
                       </p:cNvPicPr>
@@ -5049,11 +5642,7 @@
             <a:graphicFrameLocks noChangeAspect="1"/>
           </p:cNvGraphicFramePr>
           <p:nvPr>
-            <p:extLst>
-              <p:ext uri="{D42A27DB-BD31-4B8C-83A1-F6EECF244321}">
-                <p14:modId xmlns:p14="http://schemas.microsoft.com/office/powerpoint/2010/main" val="1324580022"/>
-              </p:ext>
-            </p:extLst>
+            <p:extLst/>
           </p:nvPr>
         </p:nvGraphicFramePr>
         <p:xfrm>
@@ -5064,7 +5653,7 @@
           <a:graphicData uri="http://schemas.openxmlformats.org/presentationml/2006/ole">
             <mc:AlternateContent xmlns:mc="http://schemas.openxmlformats.org/markup-compatibility/2006">
               <mc:Choice xmlns:v="urn:schemas-microsoft-com:vml" Requires="v">
-                <p:oleObj spid="_x0000_s18666" name="Equation" r:id="rId5" imgW="634680" imgH="457200" progId="Equation.DSMT4">
+                <p:oleObj spid="_x0000_s21576" name="Equation" r:id="rId5" imgW="634680" imgH="457200" progId="Equation.DSMT4">
                   <p:embed/>
                 </p:oleObj>
               </mc:Choice>
@@ -5073,7 +5662,7 @@
                   <p:embed/>
                   <p:pic>
                     <p:nvPicPr>
-                      <p:cNvPr id="0" name="Object 6"/>
+                      <p:cNvPr id="0" name=""/>
                       <p:cNvPicPr>
                         <a:picLocks noChangeAspect="1" noChangeArrowheads="1"/>
                       </p:cNvPicPr>
@@ -5186,11 +5775,7 @@
             <a:graphicFrameLocks noChangeAspect="1"/>
           </p:cNvGraphicFramePr>
           <p:nvPr>
-            <p:extLst>
-              <p:ext uri="{D42A27DB-BD31-4B8C-83A1-F6EECF244321}">
-                <p14:modId xmlns:p14="http://schemas.microsoft.com/office/powerpoint/2010/main" val="4099491900"/>
-              </p:ext>
-            </p:extLst>
+            <p:extLst/>
           </p:nvPr>
         </p:nvGraphicFramePr>
         <p:xfrm>
@@ -5201,7 +5786,7 @@
           <a:graphicData uri="http://schemas.openxmlformats.org/presentationml/2006/ole">
             <mc:AlternateContent xmlns:mc="http://schemas.openxmlformats.org/markup-compatibility/2006">
               <mc:Choice xmlns:v="urn:schemas-microsoft-com:vml" Requires="v">
-                <p:oleObj spid="_x0000_s18667" name="Equation" r:id="rId7" imgW="3479760" imgH="1917360" progId="Equation.DSMT4">
+                <p:oleObj spid="_x0000_s21577" name="Equation" r:id="rId7" imgW="3479760" imgH="1917360" progId="Equation.DSMT4">
                   <p:embed/>
                 </p:oleObj>
               </mc:Choice>
@@ -5210,7 +5795,7 @@
                   <p:embed/>
                   <p:pic>
                     <p:nvPicPr>
-                      <p:cNvPr id="0" name="Object 12"/>
+                      <p:cNvPr id="0" name=""/>
                       <p:cNvPicPr>
                         <a:picLocks noChangeAspect="1" noChangeArrowheads="1"/>
                       </p:cNvPicPr>
@@ -5333,682 +5918,7 @@
     </p:spTree>
     <p:extLst>
       <p:ext uri="{BB962C8B-B14F-4D97-AF65-F5344CB8AC3E}">
-        <p14:creationId xmlns:p14="http://schemas.microsoft.com/office/powerpoint/2010/main" val="2161090358"/>
-      </p:ext>
-    </p:extLst>
-  </p:cSld>
-  <p:clrMapOvr>
-    <a:masterClrMapping/>
-  </p:clrMapOvr>
-</p:sld>
-</file>
-
-<file path=ppt/slides/slide11.xml><?xml version="1.0" encoding="utf-8"?>
-<p:sld xmlns:a="http://schemas.openxmlformats.org/drawingml/2006/main" xmlns:r="http://schemas.openxmlformats.org/officeDocument/2006/relationships" xmlns:p="http://schemas.openxmlformats.org/presentationml/2006/main">
-  <p:cSld>
-    <p:spTree>
-      <p:nvGrpSpPr>
-        <p:cNvPr id="1" name=""/>
-        <p:cNvGrpSpPr/>
-        <p:nvPr/>
-      </p:nvGrpSpPr>
-      <p:grpSpPr>
-        <a:xfrm>
-          <a:off x="0" y="0"/>
-          <a:ext cx="0" cy="0"/>
-          <a:chOff x="0" y="0"/>
-          <a:chExt cx="0" cy="0"/>
-        </a:xfrm>
-      </p:grpSpPr>
-      <p:sp>
-        <p:nvSpPr>
-          <p:cNvPr id="2" name="标题 1"/>
-          <p:cNvSpPr>
-            <a:spLocks noGrp="1"/>
-          </p:cNvSpPr>
-          <p:nvPr>
-            <p:ph type="title"/>
-          </p:nvPr>
-        </p:nvSpPr>
-        <p:spPr>
-          <a:xfrm>
-            <a:off x="516474" y="-155613"/>
-            <a:ext cx="4529823" cy="1325563"/>
-          </a:xfrm>
-        </p:spPr>
-        <p:txBody>
-          <a:bodyPr/>
-          <a:lstStyle/>
-          <a:p>
-            <a:r>
-              <a:rPr lang="zh-CN" altLang="en-US" dirty="0" smtClean="0">
-                <a:latin typeface="华文细黑" panose="02010600040101010101" pitchFamily="2" charset="-122"/>
-                <a:ea typeface="华文细黑" panose="02010600040101010101" pitchFamily="2" charset="-122"/>
-              </a:rPr>
-              <a:t>求解过程</a:t>
-            </a:r>
-            <a:endParaRPr lang="zh-CN" altLang="en-US" dirty="0">
-              <a:latin typeface="华文细黑" panose="02010600040101010101" pitchFamily="2" charset="-122"/>
-              <a:ea typeface="华文细黑" panose="02010600040101010101" pitchFamily="2" charset="-122"/>
-            </a:endParaRPr>
-          </a:p>
-        </p:txBody>
-      </p:sp>
-      <p:sp>
-        <p:nvSpPr>
-          <p:cNvPr id="16" name="Rectangle 6"/>
-          <p:cNvSpPr>
-            <a:spLocks noChangeArrowheads="1"/>
-          </p:cNvSpPr>
-          <p:nvPr/>
-        </p:nvSpPr>
-        <p:spPr bwMode="auto">
-          <a:xfrm>
-            <a:off x="1243697" y="6007854"/>
-            <a:ext cx="9144000" cy="0"/>
-          </a:xfrm>
-          <a:prstGeom prst="rect">
-            <a:avLst/>
-          </a:prstGeom>
-          <a:noFill/>
-          <a:ln>
-            <a:noFill/>
-          </a:ln>
-          <a:effectLst/>
-          <a:extLst>
-            <a:ext uri="{909E8E84-426E-40DD-AFC4-6F175D3DCCD1}">
-              <a14:hiddenFill xmlns:a14="http://schemas.microsoft.com/office/drawing/2010/main">
-                <a:solidFill>
-                  <a:schemeClr val="accent1"/>
-                </a:solidFill>
-              </a14:hiddenFill>
-            </a:ext>
-            <a:ext uri="{91240B29-F687-4F45-9708-019B960494DF}">
-              <a14:hiddenLine xmlns:a14="http://schemas.microsoft.com/office/drawing/2010/main" w="9525">
-                <a:solidFill>
-                  <a:schemeClr val="tx1"/>
-                </a:solidFill>
-                <a:miter lim="800000"/>
-                <a:headEnd/>
-                <a:tailEnd/>
-              </a14:hiddenLine>
-            </a:ext>
-            <a:ext uri="{AF507438-7753-43E0-B8FC-AC1667EBCBE1}">
-              <a14:hiddenEffects xmlns:a14="http://schemas.microsoft.com/office/drawing/2010/main">
-                <a:effectLst>
-                  <a:outerShdw dist="35921" dir="2700000" algn="ctr" rotWithShape="0">
-                    <a:schemeClr val="bg2"/>
-                  </a:outerShdw>
-                </a:effectLst>
-              </a14:hiddenEffects>
-            </a:ext>
-          </a:extLst>
-        </p:spPr>
-        <p:txBody>
-          <a:bodyPr vert="horz" wrap="none" lIns="91440" tIns="45720" rIns="91440" bIns="45720" numCol="1" anchor="ctr" anchorCtr="0" compatLnSpc="1">
-            <a:prstTxWarp prst="textNoShape">
-              <a:avLst/>
-            </a:prstTxWarp>
-            <a:spAutoFit/>
-          </a:bodyPr>
-          <a:lstStyle/>
-          <a:p>
-            <a:endParaRPr lang="zh-CN" altLang="en-US"/>
-          </a:p>
-        </p:txBody>
-      </p:sp>
-      <p:sp>
-        <p:nvSpPr>
-          <p:cNvPr id="57" name="Rectangle 6"/>
-          <p:cNvSpPr>
-            <a:spLocks noChangeArrowheads="1"/>
-          </p:cNvSpPr>
-          <p:nvPr/>
-        </p:nvSpPr>
-        <p:spPr bwMode="auto">
-          <a:xfrm>
-            <a:off x="516474" y="810079"/>
-            <a:ext cx="6950320" cy="400110"/>
-          </a:xfrm>
-          <a:prstGeom prst="rect">
-            <a:avLst/>
-          </a:prstGeom>
-          <a:noFill/>
-          <a:ln>
-            <a:noFill/>
-          </a:ln>
-          <a:effectLst/>
-          <a:extLst>
-            <a:ext uri="{909E8E84-426E-40DD-AFC4-6F175D3DCCD1}">
-              <a14:hiddenFill xmlns:a14="http://schemas.microsoft.com/office/drawing/2010/main">
-                <a:solidFill>
-                  <a:schemeClr val="accent1"/>
-                </a:solidFill>
-              </a14:hiddenFill>
-            </a:ext>
-            <a:ext uri="{91240B29-F687-4F45-9708-019B960494DF}">
-              <a14:hiddenLine xmlns:a14="http://schemas.microsoft.com/office/drawing/2010/main" w="9525">
-                <a:solidFill>
-                  <a:schemeClr val="tx1"/>
-                </a:solidFill>
-                <a:miter lim="800000"/>
-                <a:headEnd/>
-                <a:tailEnd/>
-              </a14:hiddenLine>
-            </a:ext>
-            <a:ext uri="{AF507438-7753-43E0-B8FC-AC1667EBCBE1}">
-              <a14:hiddenEffects xmlns:a14="http://schemas.microsoft.com/office/drawing/2010/main">
-                <a:effectLst>
-                  <a:outerShdw dist="35921" dir="2700000" algn="ctr" rotWithShape="0">
-                    <a:schemeClr val="bg2"/>
-                  </a:outerShdw>
-                </a:effectLst>
-              </a14:hiddenEffects>
-            </a:ext>
-          </a:extLst>
-        </p:spPr>
-        <p:txBody>
-          <a:bodyPr vert="horz" wrap="square" lIns="91440" tIns="45720" rIns="91440" bIns="45720" numCol="1" anchor="ctr" anchorCtr="0" compatLnSpc="1">
-            <a:prstTxWarp prst="textNoShape">
-              <a:avLst/>
-            </a:prstTxWarp>
-            <a:spAutoFit/>
-          </a:bodyPr>
-          <a:lstStyle/>
-          <a:p>
-            <a:pPr lvl="0" eaLnBrk="0" fontAlgn="base" hangingPunct="0">
-              <a:spcBef>
-                <a:spcPct val="0"/>
-              </a:spcBef>
-              <a:spcAft>
-                <a:spcPct val="0"/>
-              </a:spcAft>
-            </a:pPr>
-            <a:r>
-              <a:rPr lang="en-US" altLang="zh-CN" sz="2000" dirty="0" smtClean="0">
-                <a:latin typeface="Times New Roman" panose="02020603050405020304" pitchFamily="18" charset="0"/>
-                <a:ea typeface="华文细黑" panose="02010600040101010101" pitchFamily="2" charset="-122"/>
-                <a:cs typeface="Times New Roman" panose="02020603050405020304" pitchFamily="18" charset="0"/>
-              </a:rPr>
-              <a:t>4.</a:t>
-            </a:r>
-            <a:r>
-              <a:rPr lang="zh-CN" altLang="en-US" sz="2000" dirty="0" smtClean="0">
-                <a:latin typeface="Times New Roman" panose="02020603050405020304" pitchFamily="18" charset="0"/>
-                <a:ea typeface="华文细黑" panose="02010600040101010101" pitchFamily="2" charset="-122"/>
-                <a:cs typeface="Times New Roman" panose="02020603050405020304" pitchFamily="18" charset="0"/>
-              </a:rPr>
-              <a:t>初始化流场</a:t>
-            </a:r>
-          </a:p>
-        </p:txBody>
-      </p:sp>
-      <p:sp>
-        <p:nvSpPr>
-          <p:cNvPr id="4" name="矩形 3"/>
-          <p:cNvSpPr/>
-          <p:nvPr/>
-        </p:nvSpPr>
-        <p:spPr>
-          <a:xfrm>
-            <a:off x="516474" y="1221081"/>
-            <a:ext cx="8530811" cy="1015663"/>
-          </a:xfrm>
-          <a:prstGeom prst="rect">
-            <a:avLst/>
-          </a:prstGeom>
-        </p:spPr>
-        <p:txBody>
-          <a:bodyPr wrap="square">
-            <a:spAutoFit/>
-          </a:bodyPr>
-          <a:lstStyle/>
-          <a:p>
-            <a:pPr eaLnBrk="0" fontAlgn="base" hangingPunct="0">
-              <a:spcBef>
-                <a:spcPct val="0"/>
-              </a:spcBef>
-              <a:spcAft>
-                <a:spcPct val="0"/>
-              </a:spcAft>
-            </a:pPr>
-            <a:r>
-              <a:rPr lang="zh-CN" altLang="en-US" sz="2000" dirty="0" smtClean="0">
-                <a:latin typeface="Times New Roman" panose="02020603050405020304" pitchFamily="18" charset="0"/>
-                <a:ea typeface="华文细黑" panose="02010600040101010101" pitchFamily="2" charset="-122"/>
-                <a:cs typeface="Times New Roman" panose="02020603050405020304" pitchFamily="18" charset="0"/>
-              </a:rPr>
-              <a:t>初始化不影响最终流场结果，</a:t>
-            </a:r>
-            <a:r>
-              <a:rPr lang="en-US" altLang="zh-CN" sz="2000" dirty="0" smtClean="0">
-                <a:latin typeface="Times New Roman" panose="02020603050405020304" pitchFamily="18" charset="0"/>
-                <a:ea typeface="华文细黑" panose="02010600040101010101" pitchFamily="2" charset="-122"/>
-                <a:cs typeface="Times New Roman" panose="02020603050405020304" pitchFamily="18" charset="0"/>
-              </a:rPr>
-              <a:t>6.	</a:t>
-            </a:r>
-            <a:r>
-              <a:rPr lang="zh-CN" altLang="en-US" sz="2000" dirty="0" smtClean="0">
-                <a:latin typeface="Times New Roman" panose="02020603050405020304" pitchFamily="18" charset="0"/>
-                <a:ea typeface="华文细黑" panose="02010600040101010101" pitchFamily="2" charset="-122"/>
-                <a:cs typeface="Times New Roman" panose="02020603050405020304" pitchFamily="18" charset="0"/>
-              </a:rPr>
-              <a:t>流场初始化。给定初始无量纲参数，在喷管入口段根据滞止参数将初始无量纲场设为 </a:t>
-            </a:r>
-            <a:r>
-              <a:rPr lang="en-US" altLang="zh-CN" sz="2000" dirty="0" smtClean="0">
-                <a:latin typeface="Times New Roman" panose="02020603050405020304" pitchFamily="18" charset="0"/>
-                <a:ea typeface="华文细黑" panose="02010600040101010101" pitchFamily="2" charset="-122"/>
-                <a:cs typeface="Times New Roman" panose="02020603050405020304" pitchFamily="18" charset="0"/>
-              </a:rPr>
-              <a:t>p=60</a:t>
-            </a:r>
-            <a:r>
-              <a:rPr lang="zh-CN" altLang="en-US" sz="2000" dirty="0" smtClean="0">
-                <a:latin typeface="Times New Roman" panose="02020603050405020304" pitchFamily="18" charset="0"/>
-                <a:ea typeface="华文细黑" panose="02010600040101010101" pitchFamily="2" charset="-122"/>
-                <a:cs typeface="Times New Roman" panose="02020603050405020304" pitchFamily="18" charset="0"/>
-              </a:rPr>
-              <a:t>，</a:t>
-            </a:r>
-            <a:r>
-              <a:rPr lang="el-GR" altLang="zh-CN" sz="2000" dirty="0" smtClean="0">
-                <a:latin typeface="Times New Roman" panose="02020603050405020304" pitchFamily="18" charset="0"/>
-                <a:ea typeface="华文细黑" panose="02010600040101010101" pitchFamily="2" charset="-122"/>
-                <a:cs typeface="Times New Roman" panose="02020603050405020304" pitchFamily="18" charset="0"/>
-              </a:rPr>
-              <a:t>ρ</a:t>
-            </a:r>
-            <a:r>
-              <a:rPr lang="en-US" altLang="zh-CN" sz="2000" dirty="0" smtClean="0">
-                <a:latin typeface="Times New Roman" panose="02020603050405020304" pitchFamily="18" charset="0"/>
-                <a:ea typeface="华文细黑" panose="02010600040101010101" pitchFamily="2" charset="-122"/>
-                <a:cs typeface="Times New Roman" panose="02020603050405020304" pitchFamily="18" charset="0"/>
-              </a:rPr>
-              <a:t>=5.625</a:t>
-            </a:r>
-            <a:r>
-              <a:rPr lang="zh-CN" altLang="en-US" sz="2000" dirty="0" smtClean="0">
-                <a:latin typeface="Times New Roman" panose="02020603050405020304" pitchFamily="18" charset="0"/>
-                <a:ea typeface="华文细黑" panose="02010600040101010101" pitchFamily="2" charset="-122"/>
-                <a:cs typeface="Times New Roman" panose="02020603050405020304" pitchFamily="18" charset="0"/>
-              </a:rPr>
-              <a:t> ，</a:t>
-            </a:r>
-            <a:r>
-              <a:rPr lang="en-US" altLang="zh-CN" sz="2000" dirty="0" smtClean="0">
-                <a:latin typeface="Times New Roman" panose="02020603050405020304" pitchFamily="18" charset="0"/>
-                <a:ea typeface="华文细黑" panose="02010600040101010101" pitchFamily="2" charset="-122"/>
-                <a:cs typeface="Times New Roman" panose="02020603050405020304" pitchFamily="18" charset="0"/>
-              </a:rPr>
-              <a:t>u=v=0</a:t>
-            </a:r>
-            <a:r>
-              <a:rPr lang="zh-CN" altLang="en-US" sz="2000" dirty="0" smtClean="0">
-                <a:latin typeface="Times New Roman" panose="02020603050405020304" pitchFamily="18" charset="0"/>
-                <a:ea typeface="华文细黑" panose="02010600040101010101" pitchFamily="2" charset="-122"/>
-                <a:cs typeface="Times New Roman" panose="02020603050405020304" pitchFamily="18" charset="0"/>
-              </a:rPr>
-              <a:t> ，在收缩及扩张段内初始场的无量纲参数为</a:t>
-            </a:r>
-            <a:r>
-              <a:rPr lang="en-US" altLang="zh-CN" sz="2000" dirty="0" smtClean="0">
-                <a:latin typeface="Times New Roman" panose="02020603050405020304" pitchFamily="18" charset="0"/>
-                <a:ea typeface="华文细黑" panose="02010600040101010101" pitchFamily="2" charset="-122"/>
-                <a:cs typeface="Times New Roman" panose="02020603050405020304" pitchFamily="18" charset="0"/>
-              </a:rPr>
-              <a:t>p=1.0</a:t>
-            </a:r>
-            <a:r>
-              <a:rPr lang="zh-CN" altLang="en-US" sz="2000" dirty="0" smtClean="0">
-                <a:latin typeface="Times New Roman" panose="02020603050405020304" pitchFamily="18" charset="0"/>
-                <a:ea typeface="华文细黑" panose="02010600040101010101" pitchFamily="2" charset="-122"/>
-                <a:cs typeface="Times New Roman" panose="02020603050405020304" pitchFamily="18" charset="0"/>
-              </a:rPr>
-              <a:t> ，</a:t>
-            </a:r>
-            <a:r>
-              <a:rPr lang="el-GR" altLang="zh-CN" sz="2000" dirty="0" smtClean="0">
-                <a:latin typeface="Times New Roman" panose="02020603050405020304" pitchFamily="18" charset="0"/>
-                <a:ea typeface="华文细黑" panose="02010600040101010101" pitchFamily="2" charset="-122"/>
-                <a:cs typeface="Times New Roman" panose="02020603050405020304" pitchFamily="18" charset="0"/>
-              </a:rPr>
-              <a:t>ρ</a:t>
-            </a:r>
-            <a:r>
-              <a:rPr lang="en-US" altLang="zh-CN" sz="2000" dirty="0" smtClean="0">
-                <a:latin typeface="Times New Roman" panose="02020603050405020304" pitchFamily="18" charset="0"/>
-                <a:ea typeface="华文细黑" panose="02010600040101010101" pitchFamily="2" charset="-122"/>
-                <a:cs typeface="Times New Roman" panose="02020603050405020304" pitchFamily="18" charset="0"/>
-              </a:rPr>
-              <a:t>=1.0</a:t>
-            </a:r>
-            <a:r>
-              <a:rPr lang="zh-CN" altLang="en-US" sz="2000" dirty="0" smtClean="0">
-                <a:latin typeface="Times New Roman" panose="02020603050405020304" pitchFamily="18" charset="0"/>
-                <a:ea typeface="华文细黑" panose="02010600040101010101" pitchFamily="2" charset="-122"/>
-                <a:cs typeface="Times New Roman" panose="02020603050405020304" pitchFamily="18" charset="0"/>
-              </a:rPr>
-              <a:t> ，</a:t>
-            </a:r>
-            <a:r>
-              <a:rPr lang="en-US" altLang="zh-CN" sz="2000" dirty="0" smtClean="0">
-                <a:latin typeface="Times New Roman" panose="02020603050405020304" pitchFamily="18" charset="0"/>
-                <a:ea typeface="华文细黑" panose="02010600040101010101" pitchFamily="2" charset="-122"/>
-                <a:cs typeface="Times New Roman" panose="02020603050405020304" pitchFamily="18" charset="0"/>
-              </a:rPr>
-              <a:t>u=v=0</a:t>
-            </a:r>
-            <a:r>
-              <a:rPr lang="zh-CN" altLang="en-US" sz="2000" dirty="0" smtClean="0">
-                <a:latin typeface="Times New Roman" panose="02020603050405020304" pitchFamily="18" charset="0"/>
-                <a:ea typeface="华文细黑" panose="02010600040101010101" pitchFamily="2" charset="-122"/>
-                <a:cs typeface="Times New Roman" panose="02020603050405020304" pitchFamily="18" charset="0"/>
-              </a:rPr>
-              <a:t> </a:t>
-            </a:r>
-            <a:endParaRPr lang="zh-CN" altLang="en-US" sz="2000" dirty="0">
-              <a:latin typeface="Times New Roman" panose="02020603050405020304" pitchFamily="18" charset="0"/>
-              <a:ea typeface="华文细黑" panose="02010600040101010101" pitchFamily="2" charset="-122"/>
-              <a:cs typeface="Times New Roman" panose="02020603050405020304" pitchFamily="18" charset="0"/>
-            </a:endParaRPr>
-          </a:p>
-        </p:txBody>
-      </p:sp>
-      <p:sp>
-        <p:nvSpPr>
-          <p:cNvPr id="14" name="Rectangle 6"/>
-          <p:cNvSpPr>
-            <a:spLocks noChangeArrowheads="1"/>
-          </p:cNvSpPr>
-          <p:nvPr/>
-        </p:nvSpPr>
-        <p:spPr bwMode="auto">
-          <a:xfrm>
-            <a:off x="516474" y="2484194"/>
-            <a:ext cx="6950320" cy="400110"/>
-          </a:xfrm>
-          <a:prstGeom prst="rect">
-            <a:avLst/>
-          </a:prstGeom>
-          <a:noFill/>
-          <a:ln>
-            <a:noFill/>
-          </a:ln>
-          <a:effectLst/>
-          <a:extLst>
-            <a:ext uri="{909E8E84-426E-40DD-AFC4-6F175D3DCCD1}">
-              <a14:hiddenFill xmlns:a14="http://schemas.microsoft.com/office/drawing/2010/main">
-                <a:solidFill>
-                  <a:schemeClr val="accent1"/>
-                </a:solidFill>
-              </a14:hiddenFill>
-            </a:ext>
-            <a:ext uri="{91240B29-F687-4F45-9708-019B960494DF}">
-              <a14:hiddenLine xmlns:a14="http://schemas.microsoft.com/office/drawing/2010/main" w="9525">
-                <a:solidFill>
-                  <a:schemeClr val="tx1"/>
-                </a:solidFill>
-                <a:miter lim="800000"/>
-                <a:headEnd/>
-                <a:tailEnd/>
-              </a14:hiddenLine>
-            </a:ext>
-            <a:ext uri="{AF507438-7753-43E0-B8FC-AC1667EBCBE1}">
-              <a14:hiddenEffects xmlns:a14="http://schemas.microsoft.com/office/drawing/2010/main">
-                <a:effectLst>
-                  <a:outerShdw dist="35921" dir="2700000" algn="ctr" rotWithShape="0">
-                    <a:schemeClr val="bg2"/>
-                  </a:outerShdw>
-                </a:effectLst>
-              </a14:hiddenEffects>
-            </a:ext>
-          </a:extLst>
-        </p:spPr>
-        <p:txBody>
-          <a:bodyPr vert="horz" wrap="square" lIns="91440" tIns="45720" rIns="91440" bIns="45720" numCol="1" anchor="ctr" anchorCtr="0" compatLnSpc="1">
-            <a:prstTxWarp prst="textNoShape">
-              <a:avLst/>
-            </a:prstTxWarp>
-            <a:spAutoFit/>
-          </a:bodyPr>
-          <a:lstStyle/>
-          <a:p>
-            <a:pPr lvl="0" eaLnBrk="0" fontAlgn="base" hangingPunct="0">
-              <a:spcBef>
-                <a:spcPct val="0"/>
-              </a:spcBef>
-              <a:spcAft>
-                <a:spcPct val="0"/>
-              </a:spcAft>
-            </a:pPr>
-            <a:r>
-              <a:rPr lang="en-US" altLang="zh-CN" sz="2000" dirty="0" smtClean="0">
-                <a:latin typeface="Times New Roman" panose="02020603050405020304" pitchFamily="18" charset="0"/>
-                <a:ea typeface="华文细黑" panose="02010600040101010101" pitchFamily="2" charset="-122"/>
-                <a:cs typeface="Times New Roman" panose="02020603050405020304" pitchFamily="18" charset="0"/>
-              </a:rPr>
-              <a:t>5.</a:t>
-            </a:r>
-            <a:r>
-              <a:rPr lang="zh-CN" altLang="en-US" sz="2000" dirty="0" smtClean="0">
-                <a:latin typeface="Times New Roman" panose="02020603050405020304" pitchFamily="18" charset="0"/>
-                <a:ea typeface="华文细黑" panose="02010600040101010101" pitchFamily="2" charset="-122"/>
-                <a:cs typeface="Times New Roman" panose="02020603050405020304" pitchFamily="18" charset="0"/>
-              </a:rPr>
-              <a:t>时间推进求解</a:t>
-            </a:r>
-          </a:p>
-        </p:txBody>
-      </p:sp>
-      <p:sp>
-        <p:nvSpPr>
-          <p:cNvPr id="15" name="矩形 14"/>
-          <p:cNvSpPr/>
-          <p:nvPr/>
-        </p:nvSpPr>
-        <p:spPr>
-          <a:xfrm>
-            <a:off x="516474" y="2895196"/>
-            <a:ext cx="8530811" cy="400110"/>
-          </a:xfrm>
-          <a:prstGeom prst="rect">
-            <a:avLst/>
-          </a:prstGeom>
-        </p:spPr>
-        <p:txBody>
-          <a:bodyPr wrap="square">
-            <a:spAutoFit/>
-          </a:bodyPr>
-          <a:lstStyle/>
-          <a:p>
-            <a:pPr eaLnBrk="0" fontAlgn="base" hangingPunct="0">
-              <a:spcBef>
-                <a:spcPct val="0"/>
-              </a:spcBef>
-              <a:spcAft>
-                <a:spcPct val="0"/>
-              </a:spcAft>
-            </a:pPr>
-            <a:r>
-              <a:rPr lang="zh-CN" altLang="en-US" sz="2000" dirty="0" smtClean="0">
-                <a:latin typeface="Times New Roman" panose="02020603050405020304" pitchFamily="18" charset="0"/>
-                <a:ea typeface="华文细黑" panose="02010600040101010101" pitchFamily="2" charset="-122"/>
-                <a:cs typeface="Times New Roman" panose="02020603050405020304" pitchFamily="18" charset="0"/>
-              </a:rPr>
-              <a:t>时间步长根据</a:t>
-            </a:r>
-            <a:r>
-              <a:rPr lang="en-US" altLang="zh-CN" sz="2000" dirty="0" smtClean="0">
-                <a:latin typeface="Times New Roman" panose="02020603050405020304" pitchFamily="18" charset="0"/>
-                <a:ea typeface="华文细黑" panose="02010600040101010101" pitchFamily="2" charset="-122"/>
-                <a:cs typeface="Times New Roman" panose="02020603050405020304" pitchFamily="18" charset="0"/>
-              </a:rPr>
-              <a:t>CFL</a:t>
-            </a:r>
-            <a:r>
-              <a:rPr lang="zh-CN" altLang="en-US" sz="2000" dirty="0" smtClean="0">
-                <a:latin typeface="Times New Roman" panose="02020603050405020304" pitchFamily="18" charset="0"/>
-                <a:ea typeface="华文细黑" panose="02010600040101010101" pitchFamily="2" charset="-122"/>
-                <a:cs typeface="Times New Roman" panose="02020603050405020304" pitchFamily="18" charset="0"/>
-              </a:rPr>
-              <a:t>数确定，</a:t>
-            </a:r>
-            <a:r>
-              <a:rPr lang="en-US" altLang="zh-CN" sz="2000" dirty="0" smtClean="0">
-                <a:latin typeface="Times New Roman" panose="02020603050405020304" pitchFamily="18" charset="0"/>
-                <a:ea typeface="华文细黑" panose="02010600040101010101" pitchFamily="2" charset="-122"/>
-                <a:cs typeface="Times New Roman" panose="02020603050405020304" pitchFamily="18" charset="0"/>
-              </a:rPr>
-              <a:t>CFL</a:t>
-            </a:r>
-            <a:r>
-              <a:rPr lang="zh-CN" altLang="en-US" sz="2000" dirty="0" smtClean="0">
-                <a:latin typeface="Times New Roman" panose="02020603050405020304" pitchFamily="18" charset="0"/>
-                <a:ea typeface="华文细黑" panose="02010600040101010101" pitchFamily="2" charset="-122"/>
-                <a:cs typeface="Times New Roman" panose="02020603050405020304" pitchFamily="18" charset="0"/>
-              </a:rPr>
-              <a:t>数实时根据</a:t>
-            </a:r>
-            <a:r>
-              <a:rPr lang="en-US" altLang="zh-CN" sz="2000" dirty="0" smtClean="0">
-                <a:latin typeface="Times New Roman" panose="02020603050405020304" pitchFamily="18" charset="0"/>
-                <a:ea typeface="华文细黑" panose="02010600040101010101" pitchFamily="2" charset="-122"/>
-                <a:cs typeface="Times New Roman" panose="02020603050405020304" pitchFamily="18" charset="0"/>
-              </a:rPr>
-              <a:t>	</a:t>
-            </a:r>
-            <a:r>
-              <a:rPr lang="zh-CN" altLang="en-US" sz="2000" dirty="0" smtClean="0">
-                <a:latin typeface="Times New Roman" panose="02020603050405020304" pitchFamily="18" charset="0"/>
-                <a:ea typeface="华文细黑" panose="02010600040101010101" pitchFamily="2" charset="-122"/>
-                <a:cs typeface="Times New Roman" panose="02020603050405020304" pitchFamily="18" charset="0"/>
-              </a:rPr>
-              <a:t>更新</a:t>
-            </a:r>
-            <a:endParaRPr lang="zh-CN" altLang="en-US" sz="2000" dirty="0">
-              <a:latin typeface="Times New Roman" panose="02020603050405020304" pitchFamily="18" charset="0"/>
-              <a:ea typeface="华文细黑" panose="02010600040101010101" pitchFamily="2" charset="-122"/>
-              <a:cs typeface="Times New Roman" panose="02020603050405020304" pitchFamily="18" charset="0"/>
-            </a:endParaRPr>
-          </a:p>
-        </p:txBody>
-      </p:sp>
-      <p:graphicFrame>
-        <p:nvGraphicFramePr>
-          <p:cNvPr id="3" name="对象 2"/>
-          <p:cNvGraphicFramePr>
-            <a:graphicFrameLocks noChangeAspect="1"/>
-          </p:cNvGraphicFramePr>
-          <p:nvPr>
-            <p:extLst>
-              <p:ext uri="{D42A27DB-BD31-4B8C-83A1-F6EECF244321}">
-                <p14:modId xmlns:p14="http://schemas.microsoft.com/office/powerpoint/2010/main" val="2215136272"/>
-              </p:ext>
-            </p:extLst>
-          </p:nvPr>
-        </p:nvGraphicFramePr>
-        <p:xfrm>
-          <a:off x="5446713" y="2747964"/>
-          <a:ext cx="692843" cy="760168"/>
-        </p:xfrm>
-        <a:graphic>
-          <a:graphicData uri="http://schemas.openxmlformats.org/presentationml/2006/ole">
-            <mc:AlternateContent xmlns:mc="http://schemas.openxmlformats.org/markup-compatibility/2006">
-              <mc:Choice xmlns:v="urn:schemas-microsoft-com:vml" Requires="v">
-                <p:oleObj spid="_x0000_s19523" name="Equation" r:id="rId3" imgW="393480" imgH="431640" progId="Equation.DSMT4">
-                  <p:embed/>
-                </p:oleObj>
-              </mc:Choice>
-              <mc:Fallback>
-                <p:oleObj name="Equation" r:id="rId3" imgW="393480" imgH="431640" progId="Equation.DSMT4">
-                  <p:embed/>
-                  <p:pic>
-                    <p:nvPicPr>
-                      <p:cNvPr id="0" name=""/>
-                      <p:cNvPicPr/>
-                      <p:nvPr/>
-                    </p:nvPicPr>
-                    <p:blipFill>
-                      <a:blip r:embed="rId4"/>
-                      <a:stretch>
-                        <a:fillRect/>
-                      </a:stretch>
-                    </p:blipFill>
-                    <p:spPr>
-                      <a:xfrm>
-                        <a:off x="5446713" y="2747964"/>
-                        <a:ext cx="692843" cy="760168"/>
-                      </a:xfrm>
-                      <a:prstGeom prst="rect">
-                        <a:avLst/>
-                      </a:prstGeom>
-                    </p:spPr>
-                  </p:pic>
-                </p:oleObj>
-              </mc:Fallback>
-            </mc:AlternateContent>
-          </a:graphicData>
-        </a:graphic>
-      </p:graphicFrame>
-      <p:sp>
-        <p:nvSpPr>
-          <p:cNvPr id="19" name="矩形 18"/>
-          <p:cNvSpPr/>
-          <p:nvPr/>
-        </p:nvSpPr>
-        <p:spPr>
-          <a:xfrm>
-            <a:off x="516474" y="3669672"/>
-            <a:ext cx="8530811" cy="400110"/>
-          </a:xfrm>
-          <a:prstGeom prst="rect">
-            <a:avLst/>
-          </a:prstGeom>
-        </p:spPr>
-        <p:txBody>
-          <a:bodyPr wrap="square">
-            <a:spAutoFit/>
-          </a:bodyPr>
-          <a:lstStyle/>
-          <a:p>
-            <a:pPr eaLnBrk="0" fontAlgn="base" hangingPunct="0">
-              <a:spcBef>
-                <a:spcPct val="0"/>
-              </a:spcBef>
-              <a:spcAft>
-                <a:spcPct val="0"/>
-              </a:spcAft>
-            </a:pPr>
-            <a:r>
-              <a:rPr lang="zh-CN" altLang="en-US" sz="2000" dirty="0" smtClean="0">
-                <a:latin typeface="Times New Roman" panose="02020603050405020304" pitchFamily="18" charset="0"/>
-                <a:ea typeface="华文细黑" panose="02010600040101010101" pitchFamily="2" charset="-122"/>
-                <a:cs typeface="Times New Roman" panose="02020603050405020304" pitchFamily="18" charset="0"/>
-              </a:rPr>
-              <a:t>求解终止条件设置为两次时间步之间相对偏差小于</a:t>
-            </a:r>
-            <a:r>
-              <a:rPr lang="en-US" altLang="zh-CN" sz="2000" dirty="0" smtClean="0">
-                <a:latin typeface="Times New Roman" panose="02020603050405020304" pitchFamily="18" charset="0"/>
-                <a:ea typeface="华文细黑" panose="02010600040101010101" pitchFamily="2" charset="-122"/>
-                <a:cs typeface="Times New Roman" panose="02020603050405020304" pitchFamily="18" charset="0"/>
-              </a:rPr>
-              <a:t>1e-3</a:t>
-            </a:r>
-            <a:endParaRPr lang="zh-CN" altLang="en-US" sz="2000" dirty="0">
-              <a:latin typeface="Times New Roman" panose="02020603050405020304" pitchFamily="18" charset="0"/>
-              <a:ea typeface="华文细黑" panose="02010600040101010101" pitchFamily="2" charset="-122"/>
-              <a:cs typeface="Times New Roman" panose="02020603050405020304" pitchFamily="18" charset="0"/>
-            </a:endParaRPr>
-          </a:p>
-        </p:txBody>
-      </p:sp>
-    </p:spTree>
-    <p:extLst>
-      <p:ext uri="{BB962C8B-B14F-4D97-AF65-F5344CB8AC3E}">
-        <p14:creationId xmlns:p14="http://schemas.microsoft.com/office/powerpoint/2010/main" val="2981452930"/>
+        <p14:creationId xmlns:p14="http://schemas.microsoft.com/office/powerpoint/2010/main" val="3801097704"/>
       </p:ext>
     </p:extLst>
   </p:cSld>
@@ -8519,15 +8429,7 @@
                 <a:ea typeface="华文细黑" panose="02010600040101010101" pitchFamily="2" charset="-122"/>
                 <a:cs typeface="Times New Roman" panose="02020603050405020304" pitchFamily="18" charset="0"/>
               </a:rPr>
-              <a:t>，</a:t>
-            </a:r>
-            <a:r>
-              <a:rPr lang="zh-CN" altLang="en-US" sz="2000" dirty="0" smtClean="0">
-                <a:latin typeface="Times New Roman" panose="02020603050405020304" pitchFamily="18" charset="0"/>
-                <a:ea typeface="华文细黑" panose="02010600040101010101" pitchFamily="2" charset="-122"/>
-                <a:cs typeface="Times New Roman" panose="02020603050405020304" pitchFamily="18" charset="0"/>
-              </a:rPr>
-              <a:t>取喉部截面的速度分布如下图：</a:t>
+              <a:t>，取喉部截面的速度分布如下图：</a:t>
             </a:r>
             <a:endParaRPr lang="zh-CN" altLang="en-US" sz="2000" dirty="0">
               <a:latin typeface="Times New Roman" panose="02020603050405020304" pitchFamily="18" charset="0"/>
@@ -9389,11 +9291,6 @@
               </a:rPr>
               <a:t>密度变化与压力相同</a:t>
             </a:r>
-            <a:endParaRPr lang="zh-CN" altLang="en-US" sz="2000" dirty="0" smtClean="0">
-              <a:latin typeface="Times New Roman" panose="02020603050405020304" pitchFamily="18" charset="0"/>
-              <a:ea typeface="华文细黑" panose="02010600040101010101" pitchFamily="2" charset="-122"/>
-              <a:cs typeface="Times New Roman" panose="02020603050405020304" pitchFamily="18" charset="0"/>
-            </a:endParaRPr>
           </a:p>
         </p:txBody>
       </p:sp>
@@ -9767,7 +9664,7 @@
           <a:graphicData uri="http://schemas.openxmlformats.org/presentationml/2006/ole">
             <mc:AlternateContent xmlns:mc="http://schemas.openxmlformats.org/markup-compatibility/2006">
               <mc:Choice xmlns:v="urn:schemas-microsoft-com:vml" Requires="v">
-                <p:oleObj spid="_x0000_s1238" name="Equation" r:id="rId3" imgW="2552700" imgH="1168400" progId="Equation.DSMT4">
+                <p:oleObj spid="_x0000_s1320" name="Equation" r:id="rId3" imgW="2552700" imgH="1168400" progId="Equation.DSMT4">
                   <p:embed/>
                 </p:oleObj>
               </mc:Choice>
@@ -9985,7 +9882,7 @@
           <a:graphicData uri="http://schemas.openxmlformats.org/presentationml/2006/ole">
             <mc:AlternateContent xmlns:mc="http://schemas.openxmlformats.org/markup-compatibility/2006">
               <mc:Choice xmlns:v="urn:schemas-microsoft-com:vml" Requires="v">
-                <p:oleObj spid="_x0000_s1239" name="Equation" r:id="rId5" imgW="3606800" imgH="431800" progId="Equation.DSMT4">
+                <p:oleObj spid="_x0000_s1321" name="Equation" r:id="rId5" imgW="3606800" imgH="431800" progId="Equation.DSMT4">
                   <p:embed/>
                 </p:oleObj>
               </mc:Choice>
@@ -10490,11 +10387,6 @@
               </a:rPr>
               <a:t>速度越大</a:t>
             </a:r>
-            <a:endParaRPr lang="zh-CN" altLang="en-US" sz="2000" dirty="0" smtClean="0">
-              <a:latin typeface="Times New Roman" panose="02020603050405020304" pitchFamily="18" charset="0"/>
-              <a:ea typeface="华文细黑" panose="02010600040101010101" pitchFamily="2" charset="-122"/>
-              <a:cs typeface="Times New Roman" panose="02020603050405020304" pitchFamily="18" charset="0"/>
-            </a:endParaRPr>
           </a:p>
         </p:txBody>
       </p:sp>
@@ -10660,15 +10552,7 @@
                 <a:ea typeface="华文细黑" panose="02010600040101010101" pitchFamily="2" charset="-122"/>
                 <a:cs typeface="Times New Roman" panose="02020603050405020304" pitchFamily="18" charset="0"/>
               </a:rPr>
-              <a:t>d</a:t>
-            </a:r>
-            <a:r>
-              <a:rPr lang="en-US" altLang="zh-CN" sz="2000" dirty="0" smtClean="0">
-                <a:latin typeface="Times New Roman" panose="02020603050405020304" pitchFamily="18" charset="0"/>
-                <a:ea typeface="华文细黑" panose="02010600040101010101" pitchFamily="2" charset="-122"/>
-                <a:cs typeface="Times New Roman" panose="02020603050405020304" pitchFamily="18" charset="0"/>
-              </a:rPr>
-              <a:t>)</a:t>
+              <a:t>d)</a:t>
             </a:r>
             <a:r>
               <a:rPr lang="zh-CN" altLang="en-US" sz="2000" dirty="0" smtClean="0">
@@ -10676,15 +10560,7 @@
                 <a:ea typeface="华文细黑" panose="02010600040101010101" pitchFamily="2" charset="-122"/>
                 <a:cs typeface="Times New Roman" panose="02020603050405020304" pitchFamily="18" charset="0"/>
               </a:rPr>
-              <a:t>对于</a:t>
-            </a:r>
-            <a:r>
-              <a:rPr lang="zh-CN" altLang="en-US" sz="2000" dirty="0" smtClean="0">
-                <a:latin typeface="Times New Roman" panose="02020603050405020304" pitchFamily="18" charset="0"/>
-                <a:ea typeface="华文细黑" panose="02010600040101010101" pitchFamily="2" charset="-122"/>
-                <a:cs typeface="Times New Roman" panose="02020603050405020304" pitchFamily="18" charset="0"/>
-              </a:rPr>
-              <a:t>出口</a:t>
+              <a:t>对于出口</a:t>
             </a:r>
             <a:r>
               <a:rPr lang="en-US" altLang="zh-CN" sz="2000" dirty="0" smtClean="0">
@@ -10843,11 +10719,6 @@
               </a:rPr>
               <a:t>对出口速度影响不大</a:t>
             </a:r>
-            <a:endParaRPr lang="zh-CN" altLang="en-US" sz="2000" dirty="0" smtClean="0">
-              <a:latin typeface="Times New Roman" panose="02020603050405020304" pitchFamily="18" charset="0"/>
-              <a:ea typeface="华文细黑" panose="02010600040101010101" pitchFamily="2" charset="-122"/>
-              <a:cs typeface="Times New Roman" panose="02020603050405020304" pitchFamily="18" charset="0"/>
-            </a:endParaRPr>
           </a:p>
         </p:txBody>
       </p:sp>
@@ -10997,7 +10868,7 @@
           <a:graphicData uri="http://schemas.openxmlformats.org/presentationml/2006/ole">
             <mc:AlternateContent xmlns:mc="http://schemas.openxmlformats.org/markup-compatibility/2006">
               <mc:Choice xmlns:v="urn:schemas-microsoft-com:vml" Requires="v">
-                <p:oleObj spid="_x0000_s9809" name="Equation" r:id="rId3" imgW="3606800" imgH="431800" progId="Equation.DSMT4">
+                <p:oleObj spid="_x0000_s10055" name="Equation" r:id="rId3" imgW="3606800" imgH="431800" progId="Equation.DSMT4">
                   <p:embed/>
                 </p:oleObj>
               </mc:Choice>
@@ -11052,7 +10923,7 @@
         </p:nvSpPr>
         <p:spPr bwMode="auto">
           <a:xfrm>
-            <a:off x="499255" y="1544818"/>
+            <a:off x="549397" y="1658184"/>
             <a:ext cx="8515350" cy="1015663"/>
           </a:xfrm>
           <a:prstGeom prst="rect">
@@ -11250,20 +11121,20 @@
           <p:nvPr>
             <p:extLst>
               <p:ext uri="{D42A27DB-BD31-4B8C-83A1-F6EECF244321}">
-                <p14:modId xmlns:p14="http://schemas.microsoft.com/office/powerpoint/2010/main" val="3360589795"/>
+                <p14:modId xmlns:p14="http://schemas.microsoft.com/office/powerpoint/2010/main" val="17010995"/>
               </p:ext>
             </p:extLst>
           </p:nvPr>
         </p:nvGraphicFramePr>
         <p:xfrm>
-          <a:off x="2893561" y="2538884"/>
+          <a:off x="2893561" y="2650643"/>
           <a:ext cx="2133379" cy="689246"/>
         </p:xfrm>
         <a:graphic>
           <a:graphicData uri="http://schemas.openxmlformats.org/presentationml/2006/ole">
             <mc:AlternateContent xmlns:mc="http://schemas.openxmlformats.org/markup-compatibility/2006">
               <mc:Choice xmlns:v="urn:schemas-microsoft-com:vml" Requires="v">
-                <p:oleObj spid="_x0000_s9810" name="Equation" r:id="rId5" imgW="1231366" imgH="393529" progId="Equation.DSMT4">
+                <p:oleObj spid="_x0000_s10056" name="Equation" r:id="rId5" imgW="1231366" imgH="393529" progId="Equation.DSMT4">
                   <p:embed/>
                 </p:oleObj>
               </mc:Choice>
@@ -11293,7 +11164,7 @@
                     </p:blipFill>
                     <p:spPr bwMode="auto">
                       <a:xfrm>
-                        <a:off x="2893561" y="2538884"/>
+                        <a:off x="2893561" y="2650643"/>
                         <a:ext cx="2133379" cy="689246"/>
                       </a:xfrm>
                       <a:prstGeom prst="rect">
@@ -11318,7 +11189,7 @@
         </p:nvSpPr>
         <p:spPr bwMode="auto">
           <a:xfrm>
-            <a:off x="560801" y="3264658"/>
+            <a:off x="549397" y="3334793"/>
             <a:ext cx="8515350" cy="400110"/>
           </a:xfrm>
           <a:prstGeom prst="rect">
@@ -11414,7 +11285,7 @@
         </p:nvSpPr>
         <p:spPr bwMode="auto">
           <a:xfrm>
-            <a:off x="234045" y="4717178"/>
+            <a:off x="591038" y="4732289"/>
             <a:ext cx="8515350" cy="400110"/>
           </a:xfrm>
           <a:prstGeom prst="rect">
@@ -11577,7 +11448,7 @@
           <a:graphicData uri="http://schemas.openxmlformats.org/presentationml/2006/ole">
             <mc:AlternateContent xmlns:mc="http://schemas.openxmlformats.org/markup-compatibility/2006">
               <mc:Choice xmlns:v="urn:schemas-microsoft-com:vml" Requires="v">
-                <p:oleObj spid="_x0000_s9811" name="Equation" r:id="rId7" imgW="774364" imgH="279279" progId="Equation.DSMT4">
+                <p:oleObj spid="_x0000_s10057" name="Equation" r:id="rId7" imgW="774364" imgH="279279" progId="Equation.DSMT4">
                   <p:embed/>
                 </p:oleObj>
               </mc:Choice>
@@ -11707,7 +11578,7 @@
           <a:graphicData uri="http://schemas.openxmlformats.org/presentationml/2006/ole">
             <mc:AlternateContent xmlns:mc="http://schemas.openxmlformats.org/markup-compatibility/2006">
               <mc:Choice xmlns:v="urn:schemas-microsoft-com:vml" Requires="v">
-                <p:oleObj spid="_x0000_s9812" name="Equation" r:id="rId9" imgW="1435100" imgH="508000" progId="Equation.DSMT4">
+                <p:oleObj spid="_x0000_s10058" name="Equation" r:id="rId9" imgW="1435100" imgH="508000" progId="Equation.DSMT4">
                   <p:embed/>
                 </p:oleObj>
               </mc:Choice>
@@ -11837,7 +11708,7 @@
           <a:graphicData uri="http://schemas.openxmlformats.org/presentationml/2006/ole">
             <mc:AlternateContent xmlns:mc="http://schemas.openxmlformats.org/markup-compatibility/2006">
               <mc:Choice xmlns:v="urn:schemas-microsoft-com:vml" Requires="v">
-                <p:oleObj spid="_x0000_s9813" name="Equation" r:id="rId11" imgW="800100" imgH="279400" progId="Equation.DSMT4">
+                <p:oleObj spid="_x0000_s10059" name="Equation" r:id="rId11" imgW="800100" imgH="279400" progId="Equation.DSMT4">
                   <p:embed/>
                 </p:oleObj>
               </mc:Choice>
@@ -11904,7 +11775,7 @@
           <a:graphicData uri="http://schemas.openxmlformats.org/presentationml/2006/ole">
             <mc:AlternateContent xmlns:mc="http://schemas.openxmlformats.org/markup-compatibility/2006">
               <mc:Choice xmlns:v="urn:schemas-microsoft-com:vml" Requires="v">
-                <p:oleObj spid="_x0000_s9814" name="Equation" r:id="rId13" imgW="2666880" imgH="482400" progId="Equation.DSMT4">
+                <p:oleObj spid="_x0000_s10060" name="Equation" r:id="rId13" imgW="2666880" imgH="482400" progId="Equation.DSMT4">
                   <p:embed/>
                 </p:oleObj>
               </mc:Choice>
@@ -12117,7 +11988,7 @@
           <a:graphicData uri="http://schemas.openxmlformats.org/presentationml/2006/ole">
             <mc:AlternateContent xmlns:mc="http://schemas.openxmlformats.org/markup-compatibility/2006">
               <mc:Choice xmlns:v="urn:schemas-microsoft-com:vml" Requires="v">
-                <p:oleObj spid="_x0000_s8696" name="Equation" r:id="rId3" imgW="1930400" imgH="2286000" progId="Equation.DSMT4">
+                <p:oleObj spid="_x0000_s8901" name="Equation" r:id="rId3" imgW="1930400" imgH="2286000" progId="Equation.DSMT4">
                   <p:embed/>
                 </p:oleObj>
               </mc:Choice>
@@ -12247,7 +12118,7 @@
           <a:graphicData uri="http://schemas.openxmlformats.org/presentationml/2006/ole">
             <mc:AlternateContent xmlns:mc="http://schemas.openxmlformats.org/markup-compatibility/2006">
               <mc:Choice xmlns:v="urn:schemas-microsoft-com:vml" Requires="v">
-                <p:oleObj spid="_x0000_s8697" name="Equation" r:id="rId5" imgW="3124200" imgH="431800" progId="Equation.DSMT4">
+                <p:oleObj spid="_x0000_s8902" name="Equation" r:id="rId5" imgW="3124200" imgH="431800" progId="Equation.DSMT4">
                   <p:embed/>
                 </p:oleObj>
               </mc:Choice>
@@ -12377,7 +12248,7 @@
           <a:graphicData uri="http://schemas.openxmlformats.org/presentationml/2006/ole">
             <mc:AlternateContent xmlns:mc="http://schemas.openxmlformats.org/markup-compatibility/2006">
               <mc:Choice xmlns:v="urn:schemas-microsoft-com:vml" Requires="v">
-                <p:oleObj spid="_x0000_s8698" name="Equation" r:id="rId7" imgW="2552700" imgH="279400" progId="Equation.DSMT4">
+                <p:oleObj spid="_x0000_s8903" name="Equation" r:id="rId7" imgW="2552700" imgH="279400" progId="Equation.DSMT4">
                   <p:embed/>
                 </p:oleObj>
               </mc:Choice>
@@ -12507,7 +12378,7 @@
           <a:graphicData uri="http://schemas.openxmlformats.org/presentationml/2006/ole">
             <mc:AlternateContent xmlns:mc="http://schemas.openxmlformats.org/markup-compatibility/2006">
               <mc:Choice xmlns:v="urn:schemas-microsoft-com:vml" Requires="v">
-                <p:oleObj spid="_x0000_s8699" name="Equation" r:id="rId9" imgW="1294838" imgH="266584" progId="Equation.DSMT4">
+                <p:oleObj spid="_x0000_s8904" name="Equation" r:id="rId9" imgW="1294838" imgH="266584" progId="Equation.DSMT4">
                   <p:embed/>
                 </p:oleObj>
               </mc:Choice>
@@ -12574,7 +12445,7 @@
           <a:graphicData uri="http://schemas.openxmlformats.org/presentationml/2006/ole">
             <mc:AlternateContent xmlns:mc="http://schemas.openxmlformats.org/markup-compatibility/2006">
               <mc:Choice xmlns:v="urn:schemas-microsoft-com:vml" Requires="v">
-                <p:oleObj spid="_x0000_s8700" name="Equation" r:id="rId11" imgW="2032000" imgH="1549400" progId="Equation.DSMT4">
+                <p:oleObj spid="_x0000_s8905" name="Equation" r:id="rId11" imgW="2032000" imgH="1549400" progId="Equation.DSMT4">
                   <p:embed/>
                 </p:oleObj>
               </mc:Choice>
@@ -13078,7 +12949,7 @@
           <a:graphicData uri="http://schemas.openxmlformats.org/presentationml/2006/ole">
             <mc:AlternateContent xmlns:mc="http://schemas.openxmlformats.org/markup-compatibility/2006">
               <mc:Choice xmlns:v="urn:schemas-microsoft-com:vml" Requires="v">
-                <p:oleObj spid="_x0000_s10529" name="Equation" r:id="rId4" imgW="2349500" imgH="482600" progId="Equation.DSMT4">
+                <p:oleObj spid="_x0000_s10652" name="Equation" r:id="rId4" imgW="2349500" imgH="482600" progId="Equation.DSMT4">
                   <p:embed/>
                 </p:oleObj>
               </mc:Choice>
@@ -13208,7 +13079,7 @@
           <a:graphicData uri="http://schemas.openxmlformats.org/presentationml/2006/ole">
             <mc:AlternateContent xmlns:mc="http://schemas.openxmlformats.org/markup-compatibility/2006">
               <mc:Choice xmlns:v="urn:schemas-microsoft-com:vml" Requires="v">
-                <p:oleObj spid="_x0000_s10530" name="Equation" r:id="rId6" imgW="2755900" imgH="469900" progId="Equation.DSMT4">
+                <p:oleObj spid="_x0000_s10653" name="Equation" r:id="rId6" imgW="2755900" imgH="469900" progId="Equation.DSMT4">
                   <p:embed/>
                 </p:oleObj>
               </mc:Choice>
@@ -13338,7 +13209,7 @@
           <a:graphicData uri="http://schemas.openxmlformats.org/presentationml/2006/ole">
             <mc:AlternateContent xmlns:mc="http://schemas.openxmlformats.org/markup-compatibility/2006">
               <mc:Choice xmlns:v="urn:schemas-microsoft-com:vml" Requires="v">
-                <p:oleObj spid="_x0000_s10531" name="Equation" r:id="rId8" imgW="3441700" imgH="736600" progId="Equation.DSMT4">
+                <p:oleObj spid="_x0000_s10654" name="Equation" r:id="rId8" imgW="3441700" imgH="736600" progId="Equation.DSMT4">
                   <p:embed/>
                 </p:oleObj>
               </mc:Choice>
@@ -16391,7 +16262,7 @@
         </p:nvSpPr>
         <p:spPr>
           <a:xfrm>
-            <a:off x="606668" y="3610279"/>
+            <a:off x="606668" y="3559228"/>
             <a:ext cx="6989885" cy="369332"/>
           </a:xfrm>
           <a:prstGeom prst="rect">
@@ -16442,7 +16313,7 @@
           <a:graphicData uri="http://schemas.openxmlformats.org/presentationml/2006/ole">
             <mc:AlternateContent xmlns:mc="http://schemas.openxmlformats.org/markup-compatibility/2006">
               <mc:Choice xmlns:v="urn:schemas-microsoft-com:vml" Requires="v">
-                <p:oleObj spid="_x0000_s16721" name="Equation" r:id="rId3" imgW="1308100" imgH="279400" progId="Equation.DSMT4">
+                <p:oleObj spid="_x0000_s16859" name="Equation" r:id="rId3" imgW="1308100" imgH="279400" progId="Equation.DSMT4">
                   <p:embed/>
                 </p:oleObj>
               </mc:Choice>
@@ -16509,7 +16380,7 @@
           <a:graphicData uri="http://schemas.openxmlformats.org/presentationml/2006/ole">
             <mc:AlternateContent xmlns:mc="http://schemas.openxmlformats.org/markup-compatibility/2006">
               <mc:Choice xmlns:v="urn:schemas-microsoft-com:vml" Requires="v">
-                <p:oleObj spid="_x0000_s16722" name="Equation" r:id="rId5" imgW="1397000" imgH="431800" progId="Equation.DSMT4">
+                <p:oleObj spid="_x0000_s16860" name="Equation" r:id="rId5" imgW="1397000" imgH="431800" progId="Equation.DSMT4">
                   <p:embed/>
                 </p:oleObj>
               </mc:Choice>
@@ -16556,14 +16427,100 @@
       </p:graphicFrame>
       <p:sp>
         <p:nvSpPr>
-          <p:cNvPr id="12" name="矩形 11"/>
+          <p:cNvPr id="13" name="Rectangle 6"/>
+          <p:cNvSpPr>
+            <a:spLocks noChangeArrowheads="1"/>
+          </p:cNvSpPr>
+          <p:nvPr/>
+        </p:nvSpPr>
+        <p:spPr bwMode="auto">
+          <a:xfrm>
+            <a:off x="474296" y="4184058"/>
+            <a:ext cx="6950320" cy="400110"/>
+          </a:xfrm>
+          <a:prstGeom prst="rect">
+            <a:avLst/>
+          </a:prstGeom>
+          <a:noFill/>
+          <a:ln>
+            <a:noFill/>
+          </a:ln>
+          <a:effectLst/>
+          <a:extLst>
+            <a:ext uri="{909E8E84-426E-40DD-AFC4-6F175D3DCCD1}">
+              <a14:hiddenFill xmlns:a14="http://schemas.microsoft.com/office/drawing/2010/main">
+                <a:solidFill>
+                  <a:schemeClr val="accent1"/>
+                </a:solidFill>
+              </a14:hiddenFill>
+            </a:ext>
+            <a:ext uri="{91240B29-F687-4F45-9708-019B960494DF}">
+              <a14:hiddenLine xmlns:a14="http://schemas.microsoft.com/office/drawing/2010/main" w="9525">
+                <a:solidFill>
+                  <a:schemeClr val="tx1"/>
+                </a:solidFill>
+                <a:miter lim="800000"/>
+                <a:headEnd/>
+                <a:tailEnd/>
+              </a14:hiddenLine>
+            </a:ext>
+            <a:ext uri="{AF507438-7753-43E0-B8FC-AC1667EBCBE1}">
+              <a14:hiddenEffects xmlns:a14="http://schemas.microsoft.com/office/drawing/2010/main">
+                <a:effectLst>
+                  <a:outerShdw dist="35921" dir="2700000" algn="ctr" rotWithShape="0">
+                    <a:schemeClr val="bg2"/>
+                  </a:outerShdw>
+                </a:effectLst>
+              </a14:hiddenEffects>
+            </a:ext>
+          </a:extLst>
+        </p:spPr>
+        <p:txBody>
+          <a:bodyPr vert="horz" wrap="square" lIns="91440" tIns="45720" rIns="91440" bIns="45720" numCol="1" anchor="ctr" anchorCtr="0" compatLnSpc="1">
+            <a:prstTxWarp prst="textNoShape">
+              <a:avLst/>
+            </a:prstTxWarp>
+            <a:spAutoFit/>
+          </a:bodyPr>
+          <a:lstStyle/>
+          <a:p>
+            <a:pPr lvl="0" eaLnBrk="0" fontAlgn="base" hangingPunct="0">
+              <a:spcBef>
+                <a:spcPct val="0"/>
+              </a:spcBef>
+              <a:spcAft>
+                <a:spcPct val="0"/>
+              </a:spcAft>
+            </a:pPr>
+            <a:r>
+              <a:rPr lang="en-US" altLang="zh-CN" sz="2000" dirty="0" smtClean="0">
+                <a:latin typeface="Times New Roman" panose="02020603050405020304" pitchFamily="18" charset="0"/>
+                <a:ea typeface="华文细黑" panose="02010600040101010101" pitchFamily="2" charset="-122"/>
+                <a:cs typeface="Times New Roman" panose="02020603050405020304" pitchFamily="18" charset="0"/>
+              </a:rPr>
+              <a:t>3.</a:t>
+            </a:r>
+            <a:r>
+              <a:rPr lang="zh-CN" altLang="en-US" sz="2000" dirty="0" smtClean="0">
+                <a:latin typeface="Times New Roman" panose="02020603050405020304" pitchFamily="18" charset="0"/>
+                <a:ea typeface="华文细黑" panose="02010600040101010101" pitchFamily="2" charset="-122"/>
+                <a:cs typeface="Times New Roman" panose="02020603050405020304" pitchFamily="18" charset="0"/>
+              </a:rPr>
+              <a:t>初始化流场</a:t>
+            </a:r>
+          </a:p>
+        </p:txBody>
+      </p:sp>
+      <p:sp>
+        <p:nvSpPr>
+          <p:cNvPr id="15" name="矩形 14"/>
           <p:cNvSpPr/>
           <p:nvPr/>
         </p:nvSpPr>
         <p:spPr>
           <a:xfrm>
-            <a:off x="606667" y="4137946"/>
-            <a:ext cx="5926017" cy="369332"/>
+            <a:off x="474296" y="4595060"/>
+            <a:ext cx="8530811" cy="1015663"/>
           </a:xfrm>
           <a:prstGeom prst="rect">
             <a:avLst/>
@@ -16575,168 +16532,150 @@
           </a:bodyPr>
           <a:lstStyle/>
           <a:p>
-            <a:r>
-              <a:rPr lang="zh-CN" altLang="en-US" dirty="0" smtClean="0">
-                <a:latin typeface="Times New Roman" panose="02020603050405020304" pitchFamily="18" charset="0"/>
-                <a:ea typeface="华文细黑" panose="02010600040101010101" pitchFamily="2" charset="-122"/>
-                <a:cs typeface="Times New Roman" panose="02020603050405020304" pitchFamily="18" charset="0"/>
-              </a:rPr>
-              <a:t>时间离散方法，采用二阶</a:t>
-            </a:r>
-            <a:r>
-              <a:rPr lang="en-US" altLang="zh-CN" dirty="0" err="1" smtClean="0">
-                <a:latin typeface="Times New Roman" panose="02020603050405020304" pitchFamily="18" charset="0"/>
-                <a:ea typeface="华文细黑" panose="02010600040101010101" pitchFamily="2" charset="-122"/>
-                <a:cs typeface="Times New Roman" panose="02020603050405020304" pitchFamily="18" charset="0"/>
-              </a:rPr>
-              <a:t>Runge-Kutta</a:t>
-            </a:r>
-            <a:r>
-              <a:rPr lang="zh-CN" altLang="en-US" dirty="0" smtClean="0">
-                <a:latin typeface="Times New Roman" panose="02020603050405020304" pitchFamily="18" charset="0"/>
-                <a:ea typeface="华文细黑" panose="02010600040101010101" pitchFamily="2" charset="-122"/>
-                <a:cs typeface="Times New Roman" panose="02020603050405020304" pitchFamily="18" charset="0"/>
-              </a:rPr>
-              <a:t>格式进行时间推进：</a:t>
-            </a:r>
-            <a:endParaRPr lang="zh-CN" altLang="en-US" dirty="0"/>
-          </a:p>
-        </p:txBody>
-      </p:sp>
-      <p:graphicFrame>
-        <p:nvGraphicFramePr>
-          <p:cNvPr id="14" name="对象 13"/>
-          <p:cNvGraphicFramePr>
-            <a:graphicFrameLocks noChangeAspect="1"/>
-          </p:cNvGraphicFramePr>
-          <p:nvPr>
-            <p:extLst>
-              <p:ext uri="{D42A27DB-BD31-4B8C-83A1-F6EECF244321}">
-                <p14:modId xmlns:p14="http://schemas.microsoft.com/office/powerpoint/2010/main" val="2195968337"/>
-              </p:ext>
-            </p:extLst>
-          </p:nvPr>
-        </p:nvGraphicFramePr>
-        <p:xfrm>
-          <a:off x="2668308" y="4507888"/>
-          <a:ext cx="2646652" cy="894386"/>
-        </p:xfrm>
-        <a:graphic>
-          <a:graphicData uri="http://schemas.openxmlformats.org/presentationml/2006/ole">
-            <mc:AlternateContent xmlns:mc="http://schemas.openxmlformats.org/markup-compatibility/2006">
-              <mc:Choice xmlns:v="urn:schemas-microsoft-com:vml" Requires="v">
-                <p:oleObj spid="_x0000_s16723" name="Equation" r:id="rId7" imgW="1384300" imgH="469900" progId="Equation.DSMT4">
-                  <p:embed/>
-                </p:oleObj>
-              </mc:Choice>
-              <mc:Fallback>
-                <p:oleObj name="Equation" r:id="rId7" imgW="1384300" imgH="469900" progId="Equation.DSMT4">
-                  <p:embed/>
-                  <p:pic>
-                    <p:nvPicPr>
-                      <p:cNvPr id="0" name="Object 5"/>
-                      <p:cNvPicPr>
-                        <a:picLocks noChangeAspect="1" noChangeArrowheads="1"/>
-                      </p:cNvPicPr>
-                      <p:nvPr/>
-                    </p:nvPicPr>
-                    <p:blipFill>
-                      <a:blip r:embed="rId8">
-                        <a:extLst>
-                          <a:ext uri="{28A0092B-C50C-407E-A947-70E740481C1C}">
-                            <a14:useLocalDpi xmlns:a14="http://schemas.microsoft.com/office/drawing/2010/main" val="0"/>
-                          </a:ext>
-                        </a:extLst>
-                      </a:blip>
-                      <a:srcRect/>
-                      <a:stretch>
-                        <a:fillRect/>
-                      </a:stretch>
-                    </p:blipFill>
-                    <p:spPr bwMode="auto">
-                      <a:xfrm>
-                        <a:off x="2668308" y="4507888"/>
-                        <a:ext cx="2646652" cy="894386"/>
-                      </a:xfrm>
-                      <a:prstGeom prst="rect">
-                        <a:avLst/>
-                      </a:prstGeom>
-                      <a:noFill/>
-                    </p:spPr>
-                  </p:pic>
-                </p:oleObj>
-              </mc:Fallback>
-            </mc:AlternateContent>
-          </a:graphicData>
-        </a:graphic>
-      </p:graphicFrame>
-      <p:graphicFrame>
-        <p:nvGraphicFramePr>
-          <p:cNvPr id="17" name="对象 16"/>
-          <p:cNvGraphicFramePr>
-            <a:graphicFrameLocks noChangeAspect="1"/>
-          </p:cNvGraphicFramePr>
-          <p:nvPr>
-            <p:extLst>
-              <p:ext uri="{D42A27DB-BD31-4B8C-83A1-F6EECF244321}">
-                <p14:modId xmlns:p14="http://schemas.microsoft.com/office/powerpoint/2010/main" val="859922756"/>
-              </p:ext>
-            </p:extLst>
-          </p:nvPr>
-        </p:nvGraphicFramePr>
-        <p:xfrm>
-          <a:off x="2668308" y="5599381"/>
-          <a:ext cx="3834644" cy="816946"/>
-        </p:xfrm>
-        <a:graphic>
-          <a:graphicData uri="http://schemas.openxmlformats.org/presentationml/2006/ole">
-            <mc:AlternateContent xmlns:mc="http://schemas.openxmlformats.org/markup-compatibility/2006">
-              <mc:Choice xmlns:v="urn:schemas-microsoft-com:vml" Requires="v">
-                <p:oleObj spid="_x0000_s16724" name="Equation" r:id="rId9" imgW="2197100" imgH="469900" progId="Equation.DSMT4">
-                  <p:embed/>
-                </p:oleObj>
-              </mc:Choice>
-              <mc:Fallback>
-                <p:oleObj name="Equation" r:id="rId9" imgW="2197100" imgH="469900" progId="Equation.DSMT4">
-                  <p:embed/>
-                  <p:pic>
-                    <p:nvPicPr>
-                      <p:cNvPr id="0" name="Object 7"/>
-                      <p:cNvPicPr>
-                        <a:picLocks noChangeAspect="1" noChangeArrowheads="1"/>
-                      </p:cNvPicPr>
-                      <p:nvPr/>
-                    </p:nvPicPr>
-                    <p:blipFill>
-                      <a:blip r:embed="rId10">
-                        <a:extLst>
-                          <a:ext uri="{28A0092B-C50C-407E-A947-70E740481C1C}">
-                            <a14:useLocalDpi xmlns:a14="http://schemas.microsoft.com/office/drawing/2010/main" val="0"/>
-                          </a:ext>
-                        </a:extLst>
-                      </a:blip>
-                      <a:srcRect/>
-                      <a:stretch>
-                        <a:fillRect/>
-                      </a:stretch>
-                    </p:blipFill>
-                    <p:spPr bwMode="auto">
-                      <a:xfrm>
-                        <a:off x="2668308" y="5599381"/>
-                        <a:ext cx="3834644" cy="816946"/>
-                      </a:xfrm>
-                      <a:prstGeom prst="rect">
-                        <a:avLst/>
-                      </a:prstGeom>
-                      <a:noFill/>
-                    </p:spPr>
-                  </p:pic>
-                </p:oleObj>
-              </mc:Fallback>
-            </mc:AlternateContent>
-          </a:graphicData>
-        </a:graphic>
-      </p:graphicFrame>
+            <a:pPr eaLnBrk="0" fontAlgn="base" hangingPunct="0">
+              <a:spcBef>
+                <a:spcPct val="0"/>
+              </a:spcBef>
+              <a:spcAft>
+                <a:spcPct val="0"/>
+              </a:spcAft>
+            </a:pPr>
+            <a:r>
+              <a:rPr lang="zh-CN" altLang="en-US" sz="2000" dirty="0" smtClean="0">
+                <a:latin typeface="Times New Roman" panose="02020603050405020304" pitchFamily="18" charset="0"/>
+                <a:ea typeface="华文细黑" panose="02010600040101010101" pitchFamily="2" charset="-122"/>
+                <a:cs typeface="Times New Roman" panose="02020603050405020304" pitchFamily="18" charset="0"/>
+              </a:rPr>
+              <a:t>给定</a:t>
+            </a:r>
+            <a:r>
+              <a:rPr lang="zh-CN" altLang="en-US" sz="2000" dirty="0" smtClean="0">
+                <a:latin typeface="Times New Roman" panose="02020603050405020304" pitchFamily="18" charset="0"/>
+                <a:ea typeface="华文细黑" panose="02010600040101010101" pitchFamily="2" charset="-122"/>
+                <a:cs typeface="Times New Roman" panose="02020603050405020304" pitchFamily="18" charset="0"/>
+              </a:rPr>
+              <a:t>初始无量纲参数，在喷管入口段根据滞止参数将初始无量纲场设为 </a:t>
+            </a:r>
+            <a:r>
+              <a:rPr lang="en-US" altLang="zh-CN" sz="2000" dirty="0" smtClean="0">
+                <a:latin typeface="Times New Roman" panose="02020603050405020304" pitchFamily="18" charset="0"/>
+                <a:ea typeface="华文细黑" panose="02010600040101010101" pitchFamily="2" charset="-122"/>
+                <a:cs typeface="Times New Roman" panose="02020603050405020304" pitchFamily="18" charset="0"/>
+              </a:rPr>
+              <a:t>p=60</a:t>
+            </a:r>
+            <a:r>
+              <a:rPr lang="zh-CN" altLang="en-US" sz="2000" dirty="0" smtClean="0">
+                <a:latin typeface="Times New Roman" panose="02020603050405020304" pitchFamily="18" charset="0"/>
+                <a:ea typeface="华文细黑" panose="02010600040101010101" pitchFamily="2" charset="-122"/>
+                <a:cs typeface="Times New Roman" panose="02020603050405020304" pitchFamily="18" charset="0"/>
+              </a:rPr>
+              <a:t>，</a:t>
+            </a:r>
+            <a:r>
+              <a:rPr lang="el-GR" altLang="zh-CN" sz="2000" dirty="0" smtClean="0">
+                <a:latin typeface="Times New Roman" panose="02020603050405020304" pitchFamily="18" charset="0"/>
+                <a:ea typeface="华文细黑" panose="02010600040101010101" pitchFamily="2" charset="-122"/>
+                <a:cs typeface="Times New Roman" panose="02020603050405020304" pitchFamily="18" charset="0"/>
+              </a:rPr>
+              <a:t>ρ</a:t>
+            </a:r>
+            <a:r>
+              <a:rPr lang="en-US" altLang="zh-CN" sz="2000" dirty="0" smtClean="0">
+                <a:latin typeface="Times New Roman" panose="02020603050405020304" pitchFamily="18" charset="0"/>
+                <a:ea typeface="华文细黑" panose="02010600040101010101" pitchFamily="2" charset="-122"/>
+                <a:cs typeface="Times New Roman" panose="02020603050405020304" pitchFamily="18" charset="0"/>
+              </a:rPr>
+              <a:t>=5.625</a:t>
+            </a:r>
+            <a:r>
+              <a:rPr lang="zh-CN" altLang="en-US" sz="2000" dirty="0" smtClean="0">
+                <a:latin typeface="Times New Roman" panose="02020603050405020304" pitchFamily="18" charset="0"/>
+                <a:ea typeface="华文细黑" panose="02010600040101010101" pitchFamily="2" charset="-122"/>
+                <a:cs typeface="Times New Roman" panose="02020603050405020304" pitchFamily="18" charset="0"/>
+              </a:rPr>
+              <a:t> ，</a:t>
+            </a:r>
+            <a:r>
+              <a:rPr lang="en-US" altLang="zh-CN" sz="2000" dirty="0" smtClean="0">
+                <a:latin typeface="Times New Roman" panose="02020603050405020304" pitchFamily="18" charset="0"/>
+                <a:ea typeface="华文细黑" panose="02010600040101010101" pitchFamily="2" charset="-122"/>
+                <a:cs typeface="Times New Roman" panose="02020603050405020304" pitchFamily="18" charset="0"/>
+              </a:rPr>
+              <a:t>u=v=0</a:t>
+            </a:r>
+            <a:r>
+              <a:rPr lang="zh-CN" altLang="en-US" sz="2000" dirty="0" smtClean="0">
+                <a:latin typeface="Times New Roman" panose="02020603050405020304" pitchFamily="18" charset="0"/>
+                <a:ea typeface="华文细黑" panose="02010600040101010101" pitchFamily="2" charset="-122"/>
+                <a:cs typeface="Times New Roman" panose="02020603050405020304" pitchFamily="18" charset="0"/>
+              </a:rPr>
+              <a:t> ，在收缩及扩张段内初始场的无量纲参数为</a:t>
+            </a:r>
+            <a:r>
+              <a:rPr lang="en-US" altLang="zh-CN" sz="2000" dirty="0" smtClean="0">
+                <a:latin typeface="Times New Roman" panose="02020603050405020304" pitchFamily="18" charset="0"/>
+                <a:ea typeface="华文细黑" panose="02010600040101010101" pitchFamily="2" charset="-122"/>
+                <a:cs typeface="Times New Roman" panose="02020603050405020304" pitchFamily="18" charset="0"/>
+              </a:rPr>
+              <a:t>p=1.0</a:t>
+            </a:r>
+            <a:r>
+              <a:rPr lang="zh-CN" altLang="en-US" sz="2000" dirty="0" smtClean="0">
+                <a:latin typeface="Times New Roman" panose="02020603050405020304" pitchFamily="18" charset="0"/>
+                <a:ea typeface="华文细黑" panose="02010600040101010101" pitchFamily="2" charset="-122"/>
+                <a:cs typeface="Times New Roman" panose="02020603050405020304" pitchFamily="18" charset="0"/>
+              </a:rPr>
+              <a:t> ，</a:t>
+            </a:r>
+            <a:r>
+              <a:rPr lang="el-GR" altLang="zh-CN" sz="2000" dirty="0" smtClean="0">
+                <a:latin typeface="Times New Roman" panose="02020603050405020304" pitchFamily="18" charset="0"/>
+                <a:ea typeface="华文细黑" panose="02010600040101010101" pitchFamily="2" charset="-122"/>
+                <a:cs typeface="Times New Roman" panose="02020603050405020304" pitchFamily="18" charset="0"/>
+              </a:rPr>
+              <a:t>ρ</a:t>
+            </a:r>
+            <a:r>
+              <a:rPr lang="en-US" altLang="zh-CN" sz="2000" dirty="0" smtClean="0">
+                <a:latin typeface="Times New Roman" panose="02020603050405020304" pitchFamily="18" charset="0"/>
+                <a:ea typeface="华文细黑" panose="02010600040101010101" pitchFamily="2" charset="-122"/>
+                <a:cs typeface="Times New Roman" panose="02020603050405020304" pitchFamily="18" charset="0"/>
+              </a:rPr>
+              <a:t>=1.0</a:t>
+            </a:r>
+            <a:r>
+              <a:rPr lang="zh-CN" altLang="en-US" sz="2000" dirty="0" smtClean="0">
+                <a:latin typeface="Times New Roman" panose="02020603050405020304" pitchFamily="18" charset="0"/>
+                <a:ea typeface="华文细黑" panose="02010600040101010101" pitchFamily="2" charset="-122"/>
+                <a:cs typeface="Times New Roman" panose="02020603050405020304" pitchFamily="18" charset="0"/>
+              </a:rPr>
+              <a:t> ，</a:t>
+            </a:r>
+            <a:r>
+              <a:rPr lang="en-US" altLang="zh-CN" sz="2000" dirty="0" smtClean="0">
+                <a:latin typeface="Times New Roman" panose="02020603050405020304" pitchFamily="18" charset="0"/>
+                <a:ea typeface="华文细黑" panose="02010600040101010101" pitchFamily="2" charset="-122"/>
+                <a:cs typeface="Times New Roman" panose="02020603050405020304" pitchFamily="18" charset="0"/>
+              </a:rPr>
+              <a:t>u=v=0</a:t>
+            </a:r>
+            <a:r>
+              <a:rPr lang="zh-CN" altLang="en-US" sz="2000" dirty="0" smtClean="0">
+                <a:latin typeface="Times New Roman" panose="02020603050405020304" pitchFamily="18" charset="0"/>
+                <a:ea typeface="华文细黑" panose="02010600040101010101" pitchFamily="2" charset="-122"/>
+                <a:cs typeface="Times New Roman" panose="02020603050405020304" pitchFamily="18" charset="0"/>
+              </a:rPr>
+              <a:t> </a:t>
+            </a:r>
+            <a:endParaRPr lang="zh-CN" altLang="en-US" sz="2000" dirty="0">
+              <a:latin typeface="Times New Roman" panose="02020603050405020304" pitchFamily="18" charset="0"/>
+              <a:ea typeface="华文细黑" panose="02010600040101010101" pitchFamily="2" charset="-122"/>
+              <a:cs typeface="Times New Roman" panose="02020603050405020304" pitchFamily="18" charset="0"/>
+            </a:endParaRPr>
+          </a:p>
+        </p:txBody>
+      </p:sp>
     </p:spTree>
     <p:extLst>
       <p:ext uri="{BB962C8B-B14F-4D97-AF65-F5344CB8AC3E}">
@@ -16803,132 +16742,6 @@
       </p:sp>
       <p:sp>
         <p:nvSpPr>
-          <p:cNvPr id="5" name="Rectangle 8"/>
-          <p:cNvSpPr>
-            <a:spLocks noChangeArrowheads="1"/>
-          </p:cNvSpPr>
-          <p:nvPr/>
-        </p:nvSpPr>
-        <p:spPr bwMode="auto">
-          <a:xfrm>
-            <a:off x="3596373" y="3194810"/>
-            <a:ext cx="10138098" cy="45719"/>
-          </a:xfrm>
-          <a:prstGeom prst="rect">
-            <a:avLst/>
-          </a:prstGeom>
-          <a:noFill/>
-          <a:ln>
-            <a:noFill/>
-          </a:ln>
-          <a:effectLst/>
-          <a:extLst>
-            <a:ext uri="{909E8E84-426E-40DD-AFC4-6F175D3DCCD1}">
-              <a14:hiddenFill xmlns:a14="http://schemas.microsoft.com/office/drawing/2010/main">
-                <a:solidFill>
-                  <a:schemeClr val="accent1"/>
-                </a:solidFill>
-              </a14:hiddenFill>
-            </a:ext>
-            <a:ext uri="{91240B29-F687-4F45-9708-019B960494DF}">
-              <a14:hiddenLine xmlns:a14="http://schemas.microsoft.com/office/drawing/2010/main" w="9525">
-                <a:solidFill>
-                  <a:schemeClr val="tx1"/>
-                </a:solidFill>
-                <a:miter lim="800000"/>
-                <a:headEnd/>
-                <a:tailEnd/>
-              </a14:hiddenLine>
-            </a:ext>
-            <a:ext uri="{AF507438-7753-43E0-B8FC-AC1667EBCBE1}">
-              <a14:hiddenEffects xmlns:a14="http://schemas.microsoft.com/office/drawing/2010/main">
-                <a:effectLst>
-                  <a:outerShdw dist="35921" dir="2700000" algn="ctr" rotWithShape="0">
-                    <a:schemeClr val="bg2"/>
-                  </a:outerShdw>
-                </a:effectLst>
-              </a14:hiddenEffects>
-            </a:ext>
-          </a:extLst>
-        </p:spPr>
-        <p:txBody>
-          <a:bodyPr vert="horz" wrap="square" lIns="91440" tIns="45720" rIns="91440" bIns="45720" numCol="1" anchor="ctr" anchorCtr="0" compatLnSpc="1">
-            <a:prstTxWarp prst="textNoShape">
-              <a:avLst/>
-            </a:prstTxWarp>
-            <a:spAutoFit/>
-          </a:bodyPr>
-          <a:lstStyle/>
-          <a:p>
-            <a:endParaRPr lang="zh-CN" altLang="en-US"/>
-          </a:p>
-        </p:txBody>
-      </p:sp>
-      <p:sp>
-        <p:nvSpPr>
-          <p:cNvPr id="9" name="Rectangle 4"/>
-          <p:cNvSpPr>
-            <a:spLocks noChangeArrowheads="1"/>
-          </p:cNvSpPr>
-          <p:nvPr/>
-        </p:nvSpPr>
-        <p:spPr bwMode="auto">
-          <a:xfrm>
-            <a:off x="1243697" y="5293335"/>
-            <a:ext cx="10150558" cy="45719"/>
-          </a:xfrm>
-          <a:prstGeom prst="rect">
-            <a:avLst/>
-          </a:prstGeom>
-          <a:noFill/>
-          <a:ln>
-            <a:noFill/>
-          </a:ln>
-          <a:effectLst/>
-          <a:extLst>
-            <a:ext uri="{909E8E84-426E-40DD-AFC4-6F175D3DCCD1}">
-              <a14:hiddenFill xmlns:a14="http://schemas.microsoft.com/office/drawing/2010/main">
-                <a:solidFill>
-                  <a:schemeClr val="accent1"/>
-                </a:solidFill>
-              </a14:hiddenFill>
-            </a:ext>
-            <a:ext uri="{91240B29-F687-4F45-9708-019B960494DF}">
-              <a14:hiddenLine xmlns:a14="http://schemas.microsoft.com/office/drawing/2010/main" w="9525">
-                <a:solidFill>
-                  <a:schemeClr val="tx1"/>
-                </a:solidFill>
-                <a:miter lim="800000"/>
-                <a:headEnd/>
-                <a:tailEnd/>
-              </a14:hiddenLine>
-            </a:ext>
-            <a:ext uri="{AF507438-7753-43E0-B8FC-AC1667EBCBE1}">
-              <a14:hiddenEffects xmlns:a14="http://schemas.microsoft.com/office/drawing/2010/main">
-                <a:effectLst>
-                  <a:outerShdw dist="35921" dir="2700000" algn="ctr" rotWithShape="0">
-                    <a:schemeClr val="bg2"/>
-                  </a:outerShdw>
-                </a:effectLst>
-              </a14:hiddenEffects>
-            </a:ext>
-          </a:extLst>
-        </p:spPr>
-        <p:txBody>
-          <a:bodyPr vert="horz" wrap="square" lIns="91440" tIns="45720" rIns="91440" bIns="45720" numCol="1" anchor="ctr" anchorCtr="0" compatLnSpc="1">
-            <a:prstTxWarp prst="textNoShape">
-              <a:avLst/>
-            </a:prstTxWarp>
-            <a:spAutoFit/>
-          </a:bodyPr>
-          <a:lstStyle/>
-          <a:p>
-            <a:endParaRPr lang="zh-CN" altLang="en-US"/>
-          </a:p>
-        </p:txBody>
-      </p:sp>
-      <p:sp>
-        <p:nvSpPr>
           <p:cNvPr id="16" name="Rectangle 6"/>
           <p:cNvSpPr>
             <a:spLocks noChangeArrowheads="1"/>
@@ -17000,7 +16813,174 @@
         </p:nvSpPr>
         <p:spPr bwMode="auto">
           <a:xfrm>
-            <a:off x="516474" y="1163615"/>
+            <a:off x="516474" y="791316"/>
+            <a:ext cx="6950320" cy="707886"/>
+          </a:xfrm>
+          <a:prstGeom prst="rect">
+            <a:avLst/>
+          </a:prstGeom>
+          <a:noFill/>
+          <a:ln>
+            <a:noFill/>
+          </a:ln>
+          <a:effectLst/>
+          <a:extLst>
+            <a:ext uri="{909E8E84-426E-40DD-AFC4-6F175D3DCCD1}">
+              <a14:hiddenFill xmlns:a14="http://schemas.microsoft.com/office/drawing/2010/main">
+                <a:solidFill>
+                  <a:schemeClr val="accent1"/>
+                </a:solidFill>
+              </a14:hiddenFill>
+            </a:ext>
+            <a:ext uri="{91240B29-F687-4F45-9708-019B960494DF}">
+              <a14:hiddenLine xmlns:a14="http://schemas.microsoft.com/office/drawing/2010/main" w="9525">
+                <a:solidFill>
+                  <a:schemeClr val="tx1"/>
+                </a:solidFill>
+                <a:miter lim="800000"/>
+                <a:headEnd/>
+                <a:tailEnd/>
+              </a14:hiddenLine>
+            </a:ext>
+            <a:ext uri="{AF507438-7753-43E0-B8FC-AC1667EBCBE1}">
+              <a14:hiddenEffects xmlns:a14="http://schemas.microsoft.com/office/drawing/2010/main">
+                <a:effectLst>
+                  <a:outerShdw dist="35921" dir="2700000" algn="ctr" rotWithShape="0">
+                    <a:schemeClr val="bg2"/>
+                  </a:outerShdw>
+                </a:effectLst>
+              </a14:hiddenEffects>
+            </a:ext>
+          </a:extLst>
+        </p:spPr>
+        <p:txBody>
+          <a:bodyPr vert="horz" wrap="square" lIns="91440" tIns="45720" rIns="91440" bIns="45720" numCol="1" anchor="ctr" anchorCtr="0" compatLnSpc="1">
+            <a:prstTxWarp prst="textNoShape">
+              <a:avLst/>
+            </a:prstTxWarp>
+            <a:spAutoFit/>
+          </a:bodyPr>
+          <a:lstStyle/>
+          <a:p>
+            <a:pPr lvl="0" eaLnBrk="0" fontAlgn="base" hangingPunct="0">
+              <a:spcBef>
+                <a:spcPct val="0"/>
+              </a:spcBef>
+              <a:spcAft>
+                <a:spcPct val="0"/>
+              </a:spcAft>
+            </a:pPr>
+            <a:r>
+              <a:rPr lang="en-US" altLang="zh-CN" sz="2000" dirty="0" smtClean="0">
+                <a:latin typeface="Times New Roman" panose="02020603050405020304" pitchFamily="18" charset="0"/>
+                <a:ea typeface="华文细黑" panose="02010600040101010101" pitchFamily="2" charset="-122"/>
+                <a:cs typeface="Times New Roman" panose="02020603050405020304" pitchFamily="18" charset="0"/>
+              </a:rPr>
+              <a:t>4.</a:t>
+            </a:r>
+            <a:r>
+              <a:rPr lang="zh-CN" altLang="en-US" sz="2000" dirty="0" smtClean="0">
+                <a:latin typeface="Times New Roman" panose="02020603050405020304" pitchFamily="18" charset="0"/>
+                <a:ea typeface="华文细黑" panose="02010600040101010101" pitchFamily="2" charset="-122"/>
+                <a:cs typeface="Times New Roman" panose="02020603050405020304" pitchFamily="18" charset="0"/>
+              </a:rPr>
+              <a:t>针对每个单元求解</a:t>
+            </a:r>
+            <a:endParaRPr lang="en-US" altLang="zh-CN" sz="2000" dirty="0" smtClean="0">
+              <a:latin typeface="Times New Roman" panose="02020603050405020304" pitchFamily="18" charset="0"/>
+              <a:ea typeface="华文细黑" panose="02010600040101010101" pitchFamily="2" charset="-122"/>
+              <a:cs typeface="Times New Roman" panose="02020603050405020304" pitchFamily="18" charset="0"/>
+            </a:endParaRPr>
+          </a:p>
+          <a:p>
+            <a:pPr lvl="0" eaLnBrk="0" fontAlgn="base" hangingPunct="0">
+              <a:spcBef>
+                <a:spcPct val="0"/>
+              </a:spcBef>
+              <a:spcAft>
+                <a:spcPct val="0"/>
+              </a:spcAft>
+            </a:pPr>
+            <a:endParaRPr lang="zh-CN" altLang="en-US" sz="2000" dirty="0" smtClean="0">
+              <a:latin typeface="Times New Roman" panose="02020603050405020304" pitchFamily="18" charset="0"/>
+              <a:ea typeface="华文细黑" panose="02010600040101010101" pitchFamily="2" charset="-122"/>
+              <a:cs typeface="Times New Roman" panose="02020603050405020304" pitchFamily="18" charset="0"/>
+            </a:endParaRPr>
+          </a:p>
+        </p:txBody>
+      </p:sp>
+      <p:graphicFrame>
+        <p:nvGraphicFramePr>
+          <p:cNvPr id="19" name="对象 18"/>
+          <p:cNvGraphicFramePr>
+            <a:graphicFrameLocks noChangeAspect="1"/>
+          </p:cNvGraphicFramePr>
+          <p:nvPr>
+            <p:extLst>
+              <p:ext uri="{D42A27DB-BD31-4B8C-83A1-F6EECF244321}">
+                <p14:modId xmlns:p14="http://schemas.microsoft.com/office/powerpoint/2010/main" val="3085494151"/>
+              </p:ext>
+            </p:extLst>
+          </p:nvPr>
+        </p:nvGraphicFramePr>
+        <p:xfrm>
+          <a:off x="1725376" y="3175342"/>
+          <a:ext cx="3578225" cy="400050"/>
+        </p:xfrm>
+        <a:graphic>
+          <a:graphicData uri="http://schemas.openxmlformats.org/presentationml/2006/ole">
+            <mc:AlternateContent xmlns:mc="http://schemas.openxmlformats.org/markup-compatibility/2006">
+              <mc:Choice xmlns:v="urn:schemas-microsoft-com:vml" Requires="v">
+                <p:oleObj spid="_x0000_s20648" name="Equation" r:id="rId3" imgW="2145960" imgH="241200" progId="Equation.DSMT4">
+                  <p:embed/>
+                </p:oleObj>
+              </mc:Choice>
+              <mc:Fallback>
+                <p:oleObj name="Equation" r:id="rId3" imgW="2145960" imgH="241200" progId="Equation.DSMT4">
+                  <p:embed/>
+                  <p:pic>
+                    <p:nvPicPr>
+                      <p:cNvPr id="0" name=""/>
+                      <p:cNvPicPr>
+                        <a:picLocks noChangeAspect="1" noChangeArrowheads="1"/>
+                      </p:cNvPicPr>
+                      <p:nvPr/>
+                    </p:nvPicPr>
+                    <p:blipFill>
+                      <a:blip r:embed="rId4"/>
+                      <a:srcRect/>
+                      <a:stretch>
+                        <a:fillRect/>
+                      </a:stretch>
+                    </p:blipFill>
+                    <p:spPr bwMode="auto">
+                      <a:xfrm>
+                        <a:off x="1725376" y="3175342"/>
+                        <a:ext cx="3578225" cy="400050"/>
+                      </a:xfrm>
+                      <a:prstGeom prst="rect">
+                        <a:avLst/>
+                      </a:prstGeom>
+                      <a:noFill/>
+                    </p:spPr>
+                  </p:pic>
+                </p:oleObj>
+              </mc:Fallback>
+            </mc:AlternateContent>
+          </a:graphicData>
+        </a:graphic>
+      </p:graphicFrame>
+      <p:sp>
+        <p:nvSpPr>
+          <p:cNvPr id="20" name="Rectangle 6"/>
+          <p:cNvSpPr>
+            <a:spLocks noChangeArrowheads="1"/>
+          </p:cNvSpPr>
+          <p:nvPr/>
+        </p:nvSpPr>
+        <p:spPr bwMode="auto">
+          <a:xfrm>
+            <a:off x="383089" y="1141955"/>
             <a:ext cx="6950320" cy="400110"/>
           </a:xfrm>
           <a:prstGeom prst="rect">
@@ -17063,7 +17043,7 @@
                 <a:ea typeface="华文细黑" panose="02010600040101010101" pitchFamily="2" charset="-122"/>
                 <a:cs typeface="Times New Roman" panose="02020603050405020304" pitchFamily="18" charset="0"/>
               </a:rPr>
-              <a:t>3.</a:t>
+              <a:t>(1)</a:t>
             </a:r>
             <a:r>
               <a:rPr lang="zh-CN" altLang="en-US" sz="2000" dirty="0" smtClean="0">
@@ -17071,28 +17051,127 @@
                 <a:ea typeface="华文细黑" panose="02010600040101010101" pitchFamily="2" charset="-122"/>
                 <a:cs typeface="Times New Roman" panose="02020603050405020304" pitchFamily="18" charset="0"/>
               </a:rPr>
-              <a:t>设置边界条件</a:t>
-            </a:r>
-          </a:p>
-        </p:txBody>
-      </p:sp>
-      <p:sp>
-        <p:nvSpPr>
-          <p:cNvPr id="4" name="矩形 3"/>
-          <p:cNvSpPr/>
+              <a:t>计算每个单元</a:t>
+            </a:r>
+            <a:r>
+              <a:rPr lang="zh-CN" altLang="en-US" sz="2000" dirty="0" smtClean="0">
+                <a:latin typeface="Times New Roman" panose="02020603050405020304" pitchFamily="18" charset="0"/>
+                <a:ea typeface="华文细黑" panose="02010600040101010101" pitchFamily="2" charset="-122"/>
+                <a:cs typeface="Times New Roman" panose="02020603050405020304" pitchFamily="18" charset="0"/>
+              </a:rPr>
+              <a:t>面积</a:t>
+            </a:r>
+            <a:r>
+              <a:rPr lang="en-US" altLang="zh-CN" sz="2000" dirty="0" smtClean="0">
+                <a:latin typeface="Times New Roman" panose="02020603050405020304" pitchFamily="18" charset="0"/>
+                <a:ea typeface="华文细黑" panose="02010600040101010101" pitchFamily="2" charset="-122"/>
+                <a:cs typeface="Times New Roman" panose="02020603050405020304" pitchFamily="18" charset="0"/>
+              </a:rPr>
+              <a:t>A</a:t>
+            </a:r>
+            <a:r>
+              <a:rPr lang="zh-CN" altLang="en-US" sz="2000" dirty="0" smtClean="0">
+                <a:latin typeface="Times New Roman" panose="02020603050405020304" pitchFamily="18" charset="0"/>
+                <a:ea typeface="华文细黑" panose="02010600040101010101" pitchFamily="2" charset="-122"/>
+                <a:cs typeface="Times New Roman" panose="02020603050405020304" pitchFamily="18" charset="0"/>
+              </a:rPr>
+              <a:t>，</a:t>
+            </a:r>
+            <a:r>
+              <a:rPr lang="zh-CN" altLang="en-US" sz="2000" dirty="0" smtClean="0">
+                <a:latin typeface="Times New Roman" panose="02020603050405020304" pitchFamily="18" charset="0"/>
+                <a:ea typeface="华文细黑" panose="02010600040101010101" pitchFamily="2" charset="-122"/>
+                <a:cs typeface="Times New Roman" panose="02020603050405020304" pitchFamily="18" charset="0"/>
+              </a:rPr>
+              <a:t>每个界面的法向与长度，</a:t>
+            </a:r>
+            <a:r>
+              <a:rPr lang="en-US" altLang="zh-CN" sz="2000" dirty="0" err="1" smtClean="0">
+                <a:latin typeface="Times New Roman" panose="02020603050405020304" pitchFamily="18" charset="0"/>
+                <a:ea typeface="华文细黑" panose="02010600040101010101" pitchFamily="2" charset="-122"/>
+                <a:cs typeface="Times New Roman" panose="02020603050405020304" pitchFamily="18" charset="0"/>
+              </a:rPr>
+              <a:t>nx,ny</a:t>
+            </a:r>
+            <a:r>
+              <a:rPr lang="en-US" altLang="zh-CN" sz="2000" dirty="0">
+                <a:latin typeface="Times New Roman" panose="02020603050405020304" pitchFamily="18" charset="0"/>
+                <a:ea typeface="华文细黑" panose="02010600040101010101" pitchFamily="2" charset="-122"/>
+                <a:cs typeface="Times New Roman" panose="02020603050405020304" pitchFamily="18" charset="0"/>
+              </a:rPr>
+              <a:t>, </a:t>
+            </a:r>
+            <a:r>
+              <a:rPr lang="en-US" altLang="zh-CN" sz="2000" dirty="0" smtClean="0">
+                <a:latin typeface="Times New Roman" panose="02020603050405020304" pitchFamily="18" charset="0"/>
+                <a:ea typeface="华文细黑" panose="02010600040101010101" pitchFamily="2" charset="-122"/>
+                <a:cs typeface="Times New Roman" panose="02020603050405020304" pitchFamily="18" charset="0"/>
+              </a:rPr>
+              <a:t>△l</a:t>
+            </a:r>
+            <a:endParaRPr lang="zh-CN" altLang="en-US" sz="2000" dirty="0" smtClean="0">
+              <a:latin typeface="Times New Roman" panose="02020603050405020304" pitchFamily="18" charset="0"/>
+              <a:ea typeface="华文细黑" panose="02010600040101010101" pitchFamily="2" charset="-122"/>
+              <a:cs typeface="Times New Roman" panose="02020603050405020304" pitchFamily="18" charset="0"/>
+            </a:endParaRPr>
+          </a:p>
+        </p:txBody>
+      </p:sp>
+      <p:sp>
+        <p:nvSpPr>
+          <p:cNvPr id="21" name="Rectangle 6"/>
+          <p:cNvSpPr>
+            <a:spLocks noChangeArrowheads="1"/>
+          </p:cNvSpPr>
           <p:nvPr/>
         </p:nvSpPr>
-        <p:spPr>
+        <p:spPr bwMode="auto">
           <a:xfrm>
-            <a:off x="516474" y="1559514"/>
-            <a:ext cx="7053703" cy="1323439"/>
+            <a:off x="383089" y="1649328"/>
+            <a:ext cx="8037580" cy="400110"/>
           </a:xfrm>
           <a:prstGeom prst="rect">
             <a:avLst/>
           </a:prstGeom>
+          <a:noFill/>
+          <a:ln>
+            <a:noFill/>
+          </a:ln>
+          <a:effectLst/>
+          <a:extLst>
+            <a:ext uri="{909E8E84-426E-40DD-AFC4-6F175D3DCCD1}">
+              <a14:hiddenFill xmlns:a14="http://schemas.microsoft.com/office/drawing/2010/main">
+                <a:solidFill>
+                  <a:schemeClr val="accent1"/>
+                </a:solidFill>
+              </a14:hiddenFill>
+            </a:ext>
+            <a:ext uri="{91240B29-F687-4F45-9708-019B960494DF}">
+              <a14:hiddenLine xmlns:a14="http://schemas.microsoft.com/office/drawing/2010/main" w="9525">
+                <a:solidFill>
+                  <a:schemeClr val="tx1"/>
+                </a:solidFill>
+                <a:miter lim="800000"/>
+                <a:headEnd/>
+                <a:tailEnd/>
+              </a14:hiddenLine>
+            </a:ext>
+            <a:ext uri="{AF507438-7753-43E0-B8FC-AC1667EBCBE1}">
+              <a14:hiddenEffects xmlns:a14="http://schemas.microsoft.com/office/drawing/2010/main">
+                <a:effectLst>
+                  <a:outerShdw dist="35921" dir="2700000" algn="ctr" rotWithShape="0">
+                    <a:schemeClr val="bg2"/>
+                  </a:outerShdw>
+                </a:effectLst>
+              </a14:hiddenEffects>
+            </a:ext>
+          </a:extLst>
         </p:spPr>
         <p:txBody>
-          <a:bodyPr wrap="square">
+          <a:bodyPr vert="horz" wrap="square" lIns="91440" tIns="45720" rIns="91440" bIns="45720" numCol="1" anchor="ctr" anchorCtr="0" compatLnSpc="1">
+            <a:prstTxWarp prst="textNoShape">
+              <a:avLst/>
+            </a:prstTxWarp>
             <a:spAutoFit/>
           </a:bodyPr>
           <a:lstStyle/>
@@ -17111,7 +17190,7 @@
                 <a:ea typeface="华文细黑" panose="02010600040101010101" pitchFamily="2" charset="-122"/>
                 <a:cs typeface="Times New Roman" panose="02020603050405020304" pitchFamily="18" charset="0"/>
               </a:rPr>
-              <a:t>a)</a:t>
+              <a:t>(2)</a:t>
             </a:r>
             <a:r>
               <a:rPr lang="zh-CN" altLang="en-US" sz="2000" dirty="0" smtClean="0">
@@ -17119,46 +17198,15 @@
                 <a:ea typeface="华文细黑" panose="02010600040101010101" pitchFamily="2" charset="-122"/>
                 <a:cs typeface="Times New Roman" panose="02020603050405020304" pitchFamily="18" charset="0"/>
               </a:rPr>
-              <a:t>亚音速</a:t>
-            </a:r>
-            <a:r>
-              <a:rPr lang="zh-CN" altLang="zh-CN" sz="2000" dirty="0" smtClean="0">
-                <a:latin typeface="Times New Roman" panose="02020603050405020304" pitchFamily="18" charset="0"/>
-                <a:ea typeface="华文细黑" panose="02010600040101010101" pitchFamily="2" charset="-122"/>
-                <a:cs typeface="Times New Roman" panose="02020603050405020304" pitchFamily="18" charset="0"/>
-              </a:rPr>
-              <a:t>入口</a:t>
-            </a:r>
-            <a:endParaRPr lang="zh-CN" altLang="zh-CN" sz="2000" dirty="0">
-              <a:latin typeface="Times New Roman" panose="02020603050405020304" pitchFamily="18" charset="0"/>
-              <a:ea typeface="华文细黑" panose="02010600040101010101" pitchFamily="2" charset="-122"/>
-              <a:cs typeface="Times New Roman" panose="02020603050405020304" pitchFamily="18" charset="0"/>
-            </a:endParaRPr>
-          </a:p>
-          <a:p>
-            <a:pPr eaLnBrk="0" fontAlgn="base" hangingPunct="0">
-              <a:spcBef>
-                <a:spcPct val="0"/>
-              </a:spcBef>
-              <a:spcAft>
-                <a:spcPct val="0"/>
-              </a:spcAft>
-            </a:pPr>
-            <a:r>
-              <a:rPr lang="zh-CN" altLang="zh-CN" sz="2000" dirty="0" smtClean="0">
-                <a:latin typeface="Times New Roman" panose="02020603050405020304" pitchFamily="18" charset="0"/>
-                <a:ea typeface="华文细黑" panose="02010600040101010101" pitchFamily="2" charset="-122"/>
-                <a:cs typeface="Times New Roman" panose="02020603050405020304" pitchFamily="18" charset="0"/>
-              </a:rPr>
-              <a:t>由</a:t>
-            </a:r>
-            <a:r>
-              <a:rPr lang="zh-CN" altLang="zh-CN" sz="2000" dirty="0">
-                <a:latin typeface="Times New Roman" panose="02020603050405020304" pitchFamily="18" charset="0"/>
-                <a:ea typeface="华文细黑" panose="02010600040101010101" pitchFamily="2" charset="-122"/>
-                <a:cs typeface="Times New Roman" panose="02020603050405020304" pitchFamily="18" charset="0"/>
-              </a:rPr>
-              <a:t>特征线理论可知，亚音速入口，有</a:t>
+              <a:t>分别求解</a:t>
+            </a:r>
+            <a:r>
+              <a:rPr lang="en-US" altLang="zh-CN" sz="2000" dirty="0" smtClean="0">
+                <a:latin typeface="Times New Roman" panose="02020603050405020304" pitchFamily="18" charset="0"/>
+                <a:ea typeface="华文细黑" panose="02010600040101010101" pitchFamily="2" charset="-122"/>
+                <a:cs typeface="Times New Roman" panose="02020603050405020304" pitchFamily="18" charset="0"/>
+              </a:rPr>
+              <a:t>(</a:t>
             </a:r>
             <a:r>
               <a:rPr lang="en-US" altLang="zh-CN" sz="2000" dirty="0">
@@ -17166,31 +17214,111 @@
                 <a:ea typeface="华文细黑" panose="02010600040101010101" pitchFamily="2" charset="-122"/>
                 <a:cs typeface="Times New Roman" panose="02020603050405020304" pitchFamily="18" charset="0"/>
               </a:rPr>
-              <a:t>2</a:t>
-            </a:r>
-            <a:r>
-              <a:rPr lang="zh-CN" altLang="zh-CN" sz="2000" dirty="0">
-                <a:latin typeface="Times New Roman" panose="02020603050405020304" pitchFamily="18" charset="0"/>
-                <a:ea typeface="华文细黑" panose="02010600040101010101" pitchFamily="2" charset="-122"/>
-                <a:cs typeface="Times New Roman" panose="02020603050405020304" pitchFamily="18" charset="0"/>
-              </a:rPr>
-              <a:t>条特征线进入计算域，需给定两个边界条件，根据题目已知条件</a:t>
-            </a:r>
-            <a:r>
-              <a:rPr lang="zh-CN" altLang="zh-CN" sz="2000" dirty="0" smtClean="0">
-                <a:latin typeface="Times New Roman" panose="02020603050405020304" pitchFamily="18" charset="0"/>
-                <a:ea typeface="华文细黑" panose="02010600040101010101" pitchFamily="2" charset="-122"/>
-                <a:cs typeface="Times New Roman" panose="02020603050405020304" pitchFamily="18" charset="0"/>
-              </a:rPr>
-              <a:t>，给定</a:t>
-            </a:r>
-            <a:r>
-              <a:rPr lang="zh-CN" altLang="zh-CN" sz="2000" dirty="0">
-                <a:latin typeface="Times New Roman" panose="02020603050405020304" pitchFamily="18" charset="0"/>
-                <a:ea typeface="华文细黑" panose="02010600040101010101" pitchFamily="2" charset="-122"/>
-                <a:cs typeface="Times New Roman" panose="02020603050405020304" pitchFamily="18" charset="0"/>
-              </a:rPr>
-              <a:t>压力和密度，入口速度根据相容关系得到</a:t>
+              <a:t>i+1/2,j), (</a:t>
+            </a:r>
+            <a:r>
+              <a:rPr lang="en-US" altLang="zh-CN" sz="2000" dirty="0" smtClean="0">
+                <a:latin typeface="Times New Roman" panose="02020603050405020304" pitchFamily="18" charset="0"/>
+                <a:ea typeface="华文细黑" panose="02010600040101010101" pitchFamily="2" charset="-122"/>
+                <a:cs typeface="Times New Roman" panose="02020603050405020304" pitchFamily="18" charset="0"/>
+              </a:rPr>
+              <a:t>i-1/2,j),</a:t>
+            </a:r>
+            <a:r>
+              <a:rPr lang="en-US" altLang="zh-CN" sz="2000" dirty="0">
+                <a:latin typeface="Times New Roman" panose="02020603050405020304" pitchFamily="18" charset="0"/>
+                <a:ea typeface="华文细黑" panose="02010600040101010101" pitchFamily="2" charset="-122"/>
+                <a:cs typeface="Times New Roman" panose="02020603050405020304" pitchFamily="18" charset="0"/>
+              </a:rPr>
+              <a:t> (</a:t>
+            </a:r>
+            <a:r>
+              <a:rPr lang="en-US" altLang="zh-CN" sz="2000" dirty="0" smtClean="0">
+                <a:latin typeface="Times New Roman" panose="02020603050405020304" pitchFamily="18" charset="0"/>
+                <a:ea typeface="华文细黑" panose="02010600040101010101" pitchFamily="2" charset="-122"/>
+                <a:cs typeface="Times New Roman" panose="02020603050405020304" pitchFamily="18" charset="0"/>
+              </a:rPr>
+              <a:t>i,j</a:t>
+            </a:r>
+            <a:r>
+              <a:rPr lang="en-US" altLang="zh-CN" sz="2000" dirty="0">
+                <a:latin typeface="Times New Roman" panose="02020603050405020304" pitchFamily="18" charset="0"/>
+                <a:ea typeface="华文细黑" panose="02010600040101010101" pitchFamily="2" charset="-122"/>
+                <a:cs typeface="Times New Roman" panose="02020603050405020304" pitchFamily="18" charset="0"/>
+              </a:rPr>
+              <a:t>+1/2</a:t>
+            </a:r>
+            <a:r>
+              <a:rPr lang="en-US" altLang="zh-CN" sz="2000" dirty="0" smtClean="0">
+                <a:latin typeface="Times New Roman" panose="02020603050405020304" pitchFamily="18" charset="0"/>
+                <a:ea typeface="华文细黑" panose="02010600040101010101" pitchFamily="2" charset="-122"/>
+                <a:cs typeface="Times New Roman" panose="02020603050405020304" pitchFamily="18" charset="0"/>
+              </a:rPr>
+              <a:t>), </a:t>
+            </a:r>
+            <a:r>
+              <a:rPr lang="en-US" altLang="zh-CN" sz="2000" dirty="0">
+                <a:latin typeface="Times New Roman" panose="02020603050405020304" pitchFamily="18" charset="0"/>
+                <a:ea typeface="华文细黑" panose="02010600040101010101" pitchFamily="2" charset="-122"/>
+                <a:cs typeface="Times New Roman" panose="02020603050405020304" pitchFamily="18" charset="0"/>
+              </a:rPr>
+              <a:t>(</a:t>
+            </a:r>
+            <a:r>
+              <a:rPr lang="en-US" altLang="zh-CN" sz="2000" dirty="0" smtClean="0">
+                <a:latin typeface="Times New Roman" panose="02020603050405020304" pitchFamily="18" charset="0"/>
+                <a:ea typeface="华文细黑" panose="02010600040101010101" pitchFamily="2" charset="-122"/>
+                <a:cs typeface="Times New Roman" panose="02020603050405020304" pitchFamily="18" charset="0"/>
+              </a:rPr>
+              <a:t>i,j-1/2),Roe</a:t>
+            </a:r>
+            <a:r>
+              <a:rPr lang="zh-CN" altLang="en-US" sz="2000" dirty="0" smtClean="0">
+                <a:latin typeface="Times New Roman" panose="02020603050405020304" pitchFamily="18" charset="0"/>
+                <a:ea typeface="华文细黑" panose="02010600040101010101" pitchFamily="2" charset="-122"/>
+                <a:cs typeface="Times New Roman" panose="02020603050405020304" pitchFamily="18" charset="0"/>
+              </a:rPr>
+              <a:t>加权后，</a:t>
+            </a:r>
+            <a:r>
+              <a:rPr lang="en-US" altLang="zh-CN" sz="2000" dirty="0" smtClean="0">
+                <a:latin typeface="Times New Roman" panose="02020603050405020304" pitchFamily="18" charset="0"/>
+                <a:ea typeface="华文细黑" panose="02010600040101010101" pitchFamily="2" charset="-122"/>
+                <a:cs typeface="Times New Roman" panose="02020603050405020304" pitchFamily="18" charset="0"/>
+              </a:rPr>
+              <a:t>F</a:t>
+            </a:r>
+            <a:r>
+              <a:rPr lang="zh-CN" altLang="en-US" sz="2000" dirty="0" smtClean="0">
+                <a:latin typeface="Times New Roman" panose="02020603050405020304" pitchFamily="18" charset="0"/>
+                <a:ea typeface="华文细黑" panose="02010600040101010101" pitchFamily="2" charset="-122"/>
+                <a:cs typeface="Times New Roman" panose="02020603050405020304" pitchFamily="18" charset="0"/>
+              </a:rPr>
+              <a:t>，</a:t>
+            </a:r>
+            <a:r>
+              <a:rPr lang="en-US" altLang="zh-CN" sz="2000" dirty="0" smtClean="0">
+                <a:latin typeface="Times New Roman" panose="02020603050405020304" pitchFamily="18" charset="0"/>
+                <a:ea typeface="华文细黑" panose="02010600040101010101" pitchFamily="2" charset="-122"/>
+                <a:cs typeface="Times New Roman" panose="02020603050405020304" pitchFamily="18" charset="0"/>
+              </a:rPr>
+              <a:t>G</a:t>
+            </a:r>
+            <a:r>
+              <a:rPr lang="zh-CN" altLang="en-US" sz="2000" dirty="0" smtClean="0">
+                <a:latin typeface="Times New Roman" panose="02020603050405020304" pitchFamily="18" charset="0"/>
+                <a:ea typeface="华文细黑" panose="02010600040101010101" pitchFamily="2" charset="-122"/>
+                <a:cs typeface="Times New Roman" panose="02020603050405020304" pitchFamily="18" charset="0"/>
+              </a:rPr>
+              <a:t>的值</a:t>
+            </a:r>
+            <a:r>
+              <a:rPr lang="en-US" altLang="zh-CN" sz="2000" dirty="0" smtClean="0">
+                <a:latin typeface="Times New Roman" panose="02020603050405020304" pitchFamily="18" charset="0"/>
+                <a:ea typeface="华文细黑" panose="02010600040101010101" pitchFamily="2" charset="-122"/>
+                <a:cs typeface="Times New Roman" panose="02020603050405020304" pitchFamily="18" charset="0"/>
+              </a:rPr>
+              <a:t>:</a:t>
             </a:r>
             <a:endParaRPr lang="zh-CN" altLang="en-US" sz="2000" dirty="0">
               <a:latin typeface="Times New Roman" panose="02020603050405020304" pitchFamily="18" charset="0"/>
@@ -17202,43 +17330,43 @@
       </p:sp>
       <p:graphicFrame>
         <p:nvGraphicFramePr>
-          <p:cNvPr id="7" name="对象 6"/>
+          <p:cNvPr id="22" name="对象 21"/>
           <p:cNvGraphicFramePr>
             <a:graphicFrameLocks noChangeAspect="1"/>
           </p:cNvGraphicFramePr>
           <p:nvPr>
             <p:extLst>
               <p:ext uri="{D42A27DB-BD31-4B8C-83A1-F6EECF244321}">
-                <p14:modId xmlns:p14="http://schemas.microsoft.com/office/powerpoint/2010/main" val="3325597703"/>
+                <p14:modId xmlns:p14="http://schemas.microsoft.com/office/powerpoint/2010/main" val="1725453471"/>
               </p:ext>
             </p:extLst>
           </p:nvPr>
         </p:nvGraphicFramePr>
         <p:xfrm>
-          <a:off x="2682311" y="2997986"/>
-          <a:ext cx="3541021" cy="3009868"/>
+          <a:off x="877743" y="2077921"/>
+          <a:ext cx="4632578" cy="635567"/>
         </p:xfrm>
         <a:graphic>
           <a:graphicData uri="http://schemas.openxmlformats.org/presentationml/2006/ole">
             <mc:AlternateContent xmlns:mc="http://schemas.openxmlformats.org/markup-compatibility/2006">
               <mc:Choice xmlns:v="urn:schemas-microsoft-com:vml" Requires="v">
-                <p:oleObj spid="_x0000_s15442" name="Equation" r:id="rId3" imgW="1905000" imgH="1625600" progId="Equation.DSMT4">
+                <p:oleObj spid="_x0000_s20649" name="Equation" r:id="rId5" imgW="3124200" imgH="431800" progId="Equation.DSMT4">
                   <p:embed/>
                 </p:oleObj>
               </mc:Choice>
               <mc:Fallback>
-                <p:oleObj name="Equation" r:id="rId3" imgW="1905000" imgH="1625600" progId="Equation.DSMT4">
+                <p:oleObj name="Equation" r:id="rId5" imgW="3124200" imgH="431800" progId="Equation.DSMT4">
                   <p:embed/>
                   <p:pic>
                     <p:nvPicPr>
-                      <p:cNvPr id="0" name="Object 1"/>
+                      <p:cNvPr id="0" name=""/>
                       <p:cNvPicPr>
                         <a:picLocks noChangeAspect="1" noChangeArrowheads="1"/>
                       </p:cNvPicPr>
                       <p:nvPr/>
                     </p:nvPicPr>
                     <p:blipFill>
-                      <a:blip r:embed="rId4">
+                      <a:blip r:embed="rId6">
                         <a:extLst>
                           <a:ext uri="{28A0092B-C50C-407E-A947-70E740481C1C}">
                             <a14:useLocalDpi xmlns:a14="http://schemas.microsoft.com/office/drawing/2010/main" val="0"/>
@@ -17252,8 +17380,520 @@
                     </p:blipFill>
                     <p:spPr bwMode="auto">
                       <a:xfrm>
-                        <a:off x="2682311" y="2997986"/>
-                        <a:ext cx="3541021" cy="3009868"/>
+                        <a:off x="877743" y="2077921"/>
+                        <a:ext cx="4632578" cy="635567"/>
+                      </a:xfrm>
+                      <a:prstGeom prst="rect">
+                        <a:avLst/>
+                      </a:prstGeom>
+                      <a:noFill/>
+                    </p:spPr>
+                  </p:pic>
+                </p:oleObj>
+              </mc:Fallback>
+            </mc:AlternateContent>
+          </a:graphicData>
+        </a:graphic>
+      </p:graphicFrame>
+      <p:sp>
+        <p:nvSpPr>
+          <p:cNvPr id="23" name="Rectangle 6"/>
+          <p:cNvSpPr>
+            <a:spLocks noChangeArrowheads="1"/>
+          </p:cNvSpPr>
+          <p:nvPr/>
+        </p:nvSpPr>
+        <p:spPr bwMode="auto">
+          <a:xfrm>
+            <a:off x="383089" y="2671598"/>
+            <a:ext cx="5367617" cy="400110"/>
+          </a:xfrm>
+          <a:prstGeom prst="rect">
+            <a:avLst/>
+          </a:prstGeom>
+          <a:noFill/>
+          <a:ln>
+            <a:noFill/>
+          </a:ln>
+          <a:effectLst/>
+          <a:extLst>
+            <a:ext uri="{909E8E84-426E-40DD-AFC4-6F175D3DCCD1}">
+              <a14:hiddenFill xmlns:a14="http://schemas.microsoft.com/office/drawing/2010/main">
+                <a:solidFill>
+                  <a:schemeClr val="accent1"/>
+                </a:solidFill>
+              </a14:hiddenFill>
+            </a:ext>
+            <a:ext uri="{91240B29-F687-4F45-9708-019B960494DF}">
+              <a14:hiddenLine xmlns:a14="http://schemas.microsoft.com/office/drawing/2010/main" w="9525">
+                <a:solidFill>
+                  <a:schemeClr val="tx1"/>
+                </a:solidFill>
+                <a:miter lim="800000"/>
+                <a:headEnd/>
+                <a:tailEnd/>
+              </a14:hiddenLine>
+            </a:ext>
+            <a:ext uri="{AF507438-7753-43E0-B8FC-AC1667EBCBE1}">
+              <a14:hiddenEffects xmlns:a14="http://schemas.microsoft.com/office/drawing/2010/main">
+                <a:effectLst>
+                  <a:outerShdw dist="35921" dir="2700000" algn="ctr" rotWithShape="0">
+                    <a:schemeClr val="bg2"/>
+                  </a:outerShdw>
+                </a:effectLst>
+              </a14:hiddenEffects>
+            </a:ext>
+          </a:extLst>
+        </p:spPr>
+        <p:txBody>
+          <a:bodyPr vert="horz" wrap="square" lIns="91440" tIns="45720" rIns="91440" bIns="45720" numCol="1" anchor="ctr" anchorCtr="0" compatLnSpc="1">
+            <a:prstTxWarp prst="textNoShape">
+              <a:avLst/>
+            </a:prstTxWarp>
+            <a:spAutoFit/>
+          </a:bodyPr>
+          <a:lstStyle/>
+          <a:p>
+            <a:pPr eaLnBrk="0" fontAlgn="base" hangingPunct="0">
+              <a:spcBef>
+                <a:spcPct val="0"/>
+              </a:spcBef>
+              <a:spcAft>
+                <a:spcPct val="0"/>
+              </a:spcAft>
+            </a:pPr>
+            <a:r>
+              <a:rPr lang="en-US" altLang="zh-CN" sz="2000" dirty="0" smtClean="0">
+                <a:latin typeface="Times New Roman" panose="02020603050405020304" pitchFamily="18" charset="0"/>
+                <a:ea typeface="华文细黑" panose="02010600040101010101" pitchFamily="2" charset="-122"/>
+                <a:cs typeface="Times New Roman" panose="02020603050405020304" pitchFamily="18" charset="0"/>
+              </a:rPr>
+              <a:t>(3)</a:t>
+            </a:r>
+            <a:r>
+              <a:rPr lang="zh-CN" altLang="en-US" sz="2000" dirty="0" smtClean="0">
+                <a:latin typeface="Times New Roman" panose="02020603050405020304" pitchFamily="18" charset="0"/>
+                <a:ea typeface="华文细黑" panose="02010600040101010101" pitchFamily="2" charset="-122"/>
+                <a:cs typeface="Times New Roman" panose="02020603050405020304" pitchFamily="18" charset="0"/>
+              </a:rPr>
+              <a:t>计算</a:t>
+            </a:r>
+            <a:r>
+              <a:rPr lang="en-US" altLang="zh-CN" sz="2000" dirty="0" smtClean="0">
+                <a:latin typeface="Times New Roman" panose="02020603050405020304" pitchFamily="18" charset="0"/>
+                <a:ea typeface="华文细黑" panose="02010600040101010101" pitchFamily="2" charset="-122"/>
+                <a:cs typeface="Times New Roman" panose="02020603050405020304" pitchFamily="18" charset="0"/>
+              </a:rPr>
+              <a:t>n</a:t>
+            </a:r>
+            <a:r>
+              <a:rPr lang="zh-CN" altLang="en-US" sz="2000" dirty="0" smtClean="0">
+                <a:latin typeface="Times New Roman" panose="02020603050405020304" pitchFamily="18" charset="0"/>
+                <a:ea typeface="华文细黑" panose="02010600040101010101" pitchFamily="2" charset="-122"/>
+                <a:cs typeface="Times New Roman" panose="02020603050405020304" pitchFamily="18" charset="0"/>
+              </a:rPr>
+              <a:t>时刻通量</a:t>
+            </a:r>
+            <a:r>
+              <a:rPr lang="en-US" altLang="zh-CN" sz="2000" dirty="0" smtClean="0">
+                <a:latin typeface="Times New Roman" panose="02020603050405020304" pitchFamily="18" charset="0"/>
+                <a:ea typeface="华文细黑" panose="02010600040101010101" pitchFamily="2" charset="-122"/>
+                <a:cs typeface="Times New Roman" panose="02020603050405020304" pitchFamily="18" charset="0"/>
+              </a:rPr>
+              <a:t>:</a:t>
+            </a:r>
+            <a:endParaRPr lang="zh-CN" altLang="en-US" sz="2000" dirty="0">
+              <a:latin typeface="Times New Roman" panose="02020603050405020304" pitchFamily="18" charset="0"/>
+              <a:ea typeface="华文细黑" panose="02010600040101010101" pitchFamily="2" charset="-122"/>
+              <a:cs typeface="Times New Roman" panose="02020603050405020304" pitchFamily="18" charset="0"/>
+            </a:endParaRPr>
+          </a:p>
+        </p:txBody>
+      </p:sp>
+      <p:sp>
+        <p:nvSpPr>
+          <p:cNvPr id="24" name="Rectangle 6"/>
+          <p:cNvSpPr>
+            <a:spLocks noChangeArrowheads="1"/>
+          </p:cNvSpPr>
+          <p:nvPr/>
+        </p:nvSpPr>
+        <p:spPr bwMode="auto">
+          <a:xfrm>
+            <a:off x="383089" y="3693868"/>
+            <a:ext cx="5367617" cy="400110"/>
+          </a:xfrm>
+          <a:prstGeom prst="rect">
+            <a:avLst/>
+          </a:prstGeom>
+          <a:noFill/>
+          <a:ln>
+            <a:noFill/>
+          </a:ln>
+          <a:effectLst/>
+          <a:extLst>
+            <a:ext uri="{909E8E84-426E-40DD-AFC4-6F175D3DCCD1}">
+              <a14:hiddenFill xmlns:a14="http://schemas.microsoft.com/office/drawing/2010/main">
+                <a:solidFill>
+                  <a:schemeClr val="accent1"/>
+                </a:solidFill>
+              </a14:hiddenFill>
+            </a:ext>
+            <a:ext uri="{91240B29-F687-4F45-9708-019B960494DF}">
+              <a14:hiddenLine xmlns:a14="http://schemas.microsoft.com/office/drawing/2010/main" w="9525">
+                <a:solidFill>
+                  <a:schemeClr val="tx1"/>
+                </a:solidFill>
+                <a:miter lim="800000"/>
+                <a:headEnd/>
+                <a:tailEnd/>
+              </a14:hiddenLine>
+            </a:ext>
+            <a:ext uri="{AF507438-7753-43E0-B8FC-AC1667EBCBE1}">
+              <a14:hiddenEffects xmlns:a14="http://schemas.microsoft.com/office/drawing/2010/main">
+                <a:effectLst>
+                  <a:outerShdw dist="35921" dir="2700000" algn="ctr" rotWithShape="0">
+                    <a:schemeClr val="bg2"/>
+                  </a:outerShdw>
+                </a:effectLst>
+              </a14:hiddenEffects>
+            </a:ext>
+          </a:extLst>
+        </p:spPr>
+        <p:txBody>
+          <a:bodyPr vert="horz" wrap="square" lIns="91440" tIns="45720" rIns="91440" bIns="45720" numCol="1" anchor="ctr" anchorCtr="0" compatLnSpc="1">
+            <a:prstTxWarp prst="textNoShape">
+              <a:avLst/>
+            </a:prstTxWarp>
+            <a:spAutoFit/>
+          </a:bodyPr>
+          <a:lstStyle/>
+          <a:p>
+            <a:pPr eaLnBrk="0" fontAlgn="base" hangingPunct="0">
+              <a:spcBef>
+                <a:spcPct val="0"/>
+              </a:spcBef>
+              <a:spcAft>
+                <a:spcPct val="0"/>
+              </a:spcAft>
+            </a:pPr>
+            <a:r>
+              <a:rPr lang="en-US" altLang="zh-CN" sz="2000" dirty="0" smtClean="0">
+                <a:latin typeface="Times New Roman" panose="02020603050405020304" pitchFamily="18" charset="0"/>
+                <a:ea typeface="华文细黑" panose="02010600040101010101" pitchFamily="2" charset="-122"/>
+                <a:cs typeface="Times New Roman" panose="02020603050405020304" pitchFamily="18" charset="0"/>
+              </a:rPr>
+              <a:t>(4)</a:t>
+            </a:r>
+            <a:r>
+              <a:rPr lang="zh-CN" altLang="en-US" sz="2000" dirty="0" smtClean="0">
+                <a:latin typeface="Times New Roman" panose="02020603050405020304" pitchFamily="18" charset="0"/>
+                <a:ea typeface="华文细黑" panose="02010600040101010101" pitchFamily="2" charset="-122"/>
+                <a:cs typeface="Times New Roman" panose="02020603050405020304" pitchFamily="18" charset="0"/>
+              </a:rPr>
+              <a:t>，根据</a:t>
+            </a:r>
+            <a:r>
+              <a:rPr lang="en-US" altLang="zh-CN" sz="2000" dirty="0" smtClean="0">
+                <a:latin typeface="Times New Roman" panose="02020603050405020304" pitchFamily="18" charset="0"/>
+                <a:ea typeface="华文细黑" panose="02010600040101010101" pitchFamily="2" charset="-122"/>
+                <a:cs typeface="Times New Roman" panose="02020603050405020304" pitchFamily="18" charset="0"/>
+              </a:rPr>
+              <a:t>5</a:t>
+            </a:r>
+            <a:r>
+              <a:rPr lang="zh-CN" altLang="en-US" sz="2000" dirty="0" smtClean="0">
+                <a:latin typeface="Times New Roman" panose="02020603050405020304" pitchFamily="18" charset="0"/>
+                <a:ea typeface="华文细黑" panose="02010600040101010101" pitchFamily="2" charset="-122"/>
+                <a:cs typeface="Times New Roman" panose="02020603050405020304" pitchFamily="18" charset="0"/>
+              </a:rPr>
+              <a:t>设置边界条件后，时间推进</a:t>
+            </a:r>
+            <a:r>
+              <a:rPr lang="en-US" altLang="zh-CN" sz="2000" dirty="0" smtClean="0">
+                <a:latin typeface="Times New Roman" panose="02020603050405020304" pitchFamily="18" charset="0"/>
+                <a:ea typeface="华文细黑" panose="02010600040101010101" pitchFamily="2" charset="-122"/>
+                <a:cs typeface="Times New Roman" panose="02020603050405020304" pitchFamily="18" charset="0"/>
+              </a:rPr>
+              <a:t>:</a:t>
+            </a:r>
+            <a:endParaRPr lang="zh-CN" altLang="en-US" sz="2000" dirty="0">
+              <a:latin typeface="Times New Roman" panose="02020603050405020304" pitchFamily="18" charset="0"/>
+              <a:ea typeface="华文细黑" panose="02010600040101010101" pitchFamily="2" charset="-122"/>
+              <a:cs typeface="Times New Roman" panose="02020603050405020304" pitchFamily="18" charset="0"/>
+            </a:endParaRPr>
+          </a:p>
+        </p:txBody>
+      </p:sp>
+      <p:graphicFrame>
+        <p:nvGraphicFramePr>
+          <p:cNvPr id="25" name="对象 24"/>
+          <p:cNvGraphicFramePr>
+            <a:graphicFrameLocks noChangeAspect="1"/>
+          </p:cNvGraphicFramePr>
+          <p:nvPr>
+            <p:extLst>
+              <p:ext uri="{D42A27DB-BD31-4B8C-83A1-F6EECF244321}">
+                <p14:modId xmlns:p14="http://schemas.microsoft.com/office/powerpoint/2010/main" val="3244916312"/>
+              </p:ext>
+            </p:extLst>
+          </p:nvPr>
+        </p:nvGraphicFramePr>
+        <p:xfrm>
+          <a:off x="463551" y="3940082"/>
+          <a:ext cx="8624888" cy="779463"/>
+        </p:xfrm>
+        <a:graphic>
+          <a:graphicData uri="http://schemas.openxmlformats.org/presentationml/2006/ole">
+            <mc:AlternateContent xmlns:mc="http://schemas.openxmlformats.org/markup-compatibility/2006">
+              <mc:Choice xmlns:v="urn:schemas-microsoft-com:vml" Requires="v">
+                <p:oleObj spid="_x0000_s20650" name="Equation" r:id="rId7" imgW="5194080" imgH="469800" progId="Equation.DSMT4">
+                  <p:embed/>
+                </p:oleObj>
+              </mc:Choice>
+              <mc:Fallback>
+                <p:oleObj name="Equation" r:id="rId7" imgW="5194080" imgH="469800" progId="Equation.DSMT4">
+                  <p:embed/>
+                  <p:pic>
+                    <p:nvPicPr>
+                      <p:cNvPr id="0" name=""/>
+                      <p:cNvPicPr>
+                        <a:picLocks noChangeAspect="1" noChangeArrowheads="1"/>
+                      </p:cNvPicPr>
+                      <p:nvPr/>
+                    </p:nvPicPr>
+                    <p:blipFill>
+                      <a:blip r:embed="rId8"/>
+                      <a:srcRect/>
+                      <a:stretch>
+                        <a:fillRect/>
+                      </a:stretch>
+                    </p:blipFill>
+                    <p:spPr bwMode="auto">
+                      <a:xfrm>
+                        <a:off x="463551" y="3940082"/>
+                        <a:ext cx="8624888" cy="779463"/>
+                      </a:xfrm>
+                      <a:prstGeom prst="rect">
+                        <a:avLst/>
+                      </a:prstGeom>
+                      <a:noFill/>
+                    </p:spPr>
+                  </p:pic>
+                </p:oleObj>
+              </mc:Fallback>
+            </mc:AlternateContent>
+          </a:graphicData>
+        </a:graphic>
+      </p:graphicFrame>
+      <p:graphicFrame>
+        <p:nvGraphicFramePr>
+          <p:cNvPr id="26" name="对象 25"/>
+          <p:cNvGraphicFramePr>
+            <a:graphicFrameLocks noChangeAspect="1"/>
+          </p:cNvGraphicFramePr>
+          <p:nvPr>
+            <p:extLst>
+              <p:ext uri="{D42A27DB-BD31-4B8C-83A1-F6EECF244321}">
+                <p14:modId xmlns:p14="http://schemas.microsoft.com/office/powerpoint/2010/main" val="2126637003"/>
+              </p:ext>
+            </p:extLst>
+          </p:nvPr>
+        </p:nvGraphicFramePr>
+        <p:xfrm>
+          <a:off x="1735823" y="5727195"/>
+          <a:ext cx="4079875" cy="815975"/>
+        </p:xfrm>
+        <a:graphic>
+          <a:graphicData uri="http://schemas.openxmlformats.org/presentationml/2006/ole">
+            <mc:AlternateContent xmlns:mc="http://schemas.openxmlformats.org/markup-compatibility/2006">
+              <mc:Choice xmlns:v="urn:schemas-microsoft-com:vml" Requires="v">
+                <p:oleObj spid="_x0000_s20651" name="Equation" r:id="rId9" imgW="2336760" imgH="469800" progId="Equation.DSMT4">
+                  <p:embed/>
+                </p:oleObj>
+              </mc:Choice>
+              <mc:Fallback>
+                <p:oleObj name="Equation" r:id="rId9" imgW="2336760" imgH="469800" progId="Equation.DSMT4">
+                  <p:embed/>
+                  <p:pic>
+                    <p:nvPicPr>
+                      <p:cNvPr id="0" name=""/>
+                      <p:cNvPicPr>
+                        <a:picLocks noChangeAspect="1" noChangeArrowheads="1"/>
+                      </p:cNvPicPr>
+                      <p:nvPr/>
+                    </p:nvPicPr>
+                    <p:blipFill>
+                      <a:blip r:embed="rId10"/>
+                      <a:srcRect/>
+                      <a:stretch>
+                        <a:fillRect/>
+                      </a:stretch>
+                    </p:blipFill>
+                    <p:spPr bwMode="auto">
+                      <a:xfrm>
+                        <a:off x="1735823" y="5727195"/>
+                        <a:ext cx="4079875" cy="815975"/>
+                      </a:xfrm>
+                      <a:prstGeom prst="rect">
+                        <a:avLst/>
+                      </a:prstGeom>
+                      <a:noFill/>
+                    </p:spPr>
+                  </p:pic>
+                </p:oleObj>
+              </mc:Fallback>
+            </mc:AlternateContent>
+          </a:graphicData>
+        </a:graphic>
+      </p:graphicFrame>
+      <p:sp>
+        <p:nvSpPr>
+          <p:cNvPr id="27" name="Rectangle 6"/>
+          <p:cNvSpPr>
+            <a:spLocks noChangeArrowheads="1"/>
+          </p:cNvSpPr>
+          <p:nvPr/>
+        </p:nvSpPr>
+        <p:spPr bwMode="auto">
+          <a:xfrm>
+            <a:off x="784761" y="4590295"/>
+            <a:ext cx="5367617" cy="400110"/>
+          </a:xfrm>
+          <a:prstGeom prst="rect">
+            <a:avLst/>
+          </a:prstGeom>
+          <a:noFill/>
+          <a:ln>
+            <a:noFill/>
+          </a:ln>
+          <a:effectLst/>
+          <a:extLst>
+            <a:ext uri="{909E8E84-426E-40DD-AFC4-6F175D3DCCD1}">
+              <a14:hiddenFill xmlns:a14="http://schemas.microsoft.com/office/drawing/2010/main">
+                <a:solidFill>
+                  <a:schemeClr val="accent1"/>
+                </a:solidFill>
+              </a14:hiddenFill>
+            </a:ext>
+            <a:ext uri="{91240B29-F687-4F45-9708-019B960494DF}">
+              <a14:hiddenLine xmlns:a14="http://schemas.microsoft.com/office/drawing/2010/main" w="9525">
+                <a:solidFill>
+                  <a:schemeClr val="tx1"/>
+                </a:solidFill>
+                <a:miter lim="800000"/>
+                <a:headEnd/>
+                <a:tailEnd/>
+              </a14:hiddenLine>
+            </a:ext>
+            <a:ext uri="{AF507438-7753-43E0-B8FC-AC1667EBCBE1}">
+              <a14:hiddenEffects xmlns:a14="http://schemas.microsoft.com/office/drawing/2010/main">
+                <a:effectLst>
+                  <a:outerShdw dist="35921" dir="2700000" algn="ctr" rotWithShape="0">
+                    <a:schemeClr val="bg2"/>
+                  </a:outerShdw>
+                </a:effectLst>
+              </a14:hiddenEffects>
+            </a:ext>
+          </a:extLst>
+        </p:spPr>
+        <p:txBody>
+          <a:bodyPr vert="horz" wrap="square" lIns="91440" tIns="45720" rIns="91440" bIns="45720" numCol="1" anchor="ctr" anchorCtr="0" compatLnSpc="1">
+            <a:prstTxWarp prst="textNoShape">
+              <a:avLst/>
+            </a:prstTxWarp>
+            <a:spAutoFit/>
+          </a:bodyPr>
+          <a:lstStyle/>
+          <a:p>
+            <a:pPr eaLnBrk="0" fontAlgn="base" hangingPunct="0">
+              <a:spcBef>
+                <a:spcPct val="0"/>
+              </a:spcBef>
+              <a:spcAft>
+                <a:spcPct val="0"/>
+              </a:spcAft>
+            </a:pPr>
+            <a:r>
+              <a:rPr lang="zh-CN" altLang="en-US" sz="2000" dirty="0" smtClean="0">
+                <a:latin typeface="Times New Roman" panose="02020603050405020304" pitchFamily="18" charset="0"/>
+                <a:ea typeface="华文细黑" panose="02010600040101010101" pitchFamily="2" charset="-122"/>
+                <a:cs typeface="Times New Roman" panose="02020603050405020304" pitchFamily="18" charset="0"/>
+              </a:rPr>
+              <a:t>计算</a:t>
+            </a:r>
+            <a:r>
+              <a:rPr lang="en-US" altLang="zh-CN" sz="2000" dirty="0" smtClean="0">
+                <a:latin typeface="Times New Roman" panose="02020603050405020304" pitchFamily="18" charset="0"/>
+                <a:ea typeface="华文细黑" panose="02010600040101010101" pitchFamily="2" charset="-122"/>
+                <a:cs typeface="Times New Roman" panose="02020603050405020304" pitchFamily="18" charset="0"/>
+              </a:rPr>
+              <a:t>n+1/2</a:t>
+            </a:r>
+            <a:r>
+              <a:rPr lang="zh-CN" altLang="en-US" sz="2000" dirty="0" smtClean="0">
+                <a:latin typeface="Times New Roman" panose="02020603050405020304" pitchFamily="18" charset="0"/>
+                <a:ea typeface="华文细黑" panose="02010600040101010101" pitchFamily="2" charset="-122"/>
+                <a:cs typeface="Times New Roman" panose="02020603050405020304" pitchFamily="18" charset="0"/>
+              </a:rPr>
+              <a:t>时刻通量：</a:t>
+            </a:r>
+            <a:endParaRPr lang="zh-CN" altLang="en-US" sz="2000" dirty="0">
+              <a:latin typeface="Times New Roman" panose="02020603050405020304" pitchFamily="18" charset="0"/>
+              <a:ea typeface="华文细黑" panose="02010600040101010101" pitchFamily="2" charset="-122"/>
+              <a:cs typeface="Times New Roman" panose="02020603050405020304" pitchFamily="18" charset="0"/>
+            </a:endParaRPr>
+          </a:p>
+        </p:txBody>
+      </p:sp>
+      <p:graphicFrame>
+        <p:nvGraphicFramePr>
+          <p:cNvPr id="28" name="对象 27"/>
+          <p:cNvGraphicFramePr>
+            <a:graphicFrameLocks noChangeAspect="1"/>
+          </p:cNvGraphicFramePr>
+          <p:nvPr>
+            <p:extLst>
+              <p:ext uri="{D42A27DB-BD31-4B8C-83A1-F6EECF244321}">
+                <p14:modId xmlns:p14="http://schemas.microsoft.com/office/powerpoint/2010/main" val="2122605030"/>
+              </p:ext>
+            </p:extLst>
+          </p:nvPr>
+        </p:nvGraphicFramePr>
+        <p:xfrm>
+          <a:off x="1638836" y="4970695"/>
+          <a:ext cx="5526087" cy="777875"/>
+        </p:xfrm>
+        <a:graphic>
+          <a:graphicData uri="http://schemas.openxmlformats.org/presentationml/2006/ole">
+            <mc:AlternateContent xmlns:mc="http://schemas.openxmlformats.org/markup-compatibility/2006">
+              <mc:Choice xmlns:v="urn:schemas-microsoft-com:vml" Requires="v">
+                <p:oleObj spid="_x0000_s20652" name="Equation" r:id="rId11" imgW="3327120" imgH="469800" progId="Equation.DSMT4">
+                  <p:embed/>
+                </p:oleObj>
+              </mc:Choice>
+              <mc:Fallback>
+                <p:oleObj name="Equation" r:id="rId11" imgW="3327120" imgH="469800" progId="Equation.DSMT4">
+                  <p:embed/>
+                  <p:pic>
+                    <p:nvPicPr>
+                      <p:cNvPr id="0" name=""/>
+                      <p:cNvPicPr>
+                        <a:picLocks noChangeAspect="1" noChangeArrowheads="1"/>
+                      </p:cNvPicPr>
+                      <p:nvPr/>
+                    </p:nvPicPr>
+                    <p:blipFill>
+                      <a:blip r:embed="rId12"/>
+                      <a:srcRect/>
+                      <a:stretch>
+                        <a:fillRect/>
+                      </a:stretch>
+                    </p:blipFill>
+                    <p:spPr bwMode="auto">
+                      <a:xfrm>
+                        <a:off x="1638836" y="4970695"/>
+                        <a:ext cx="5526087" cy="777875"/>
                       </a:xfrm>
                       <a:prstGeom prst="rect">
                         <a:avLst/>
@@ -17270,7 +17910,7 @@
     </p:spTree>
     <p:extLst>
       <p:ext uri="{BB962C8B-B14F-4D97-AF65-F5344CB8AC3E}">
-        <p14:creationId xmlns:p14="http://schemas.microsoft.com/office/powerpoint/2010/main" val="1819784162"/>
+        <p14:creationId xmlns:p14="http://schemas.microsoft.com/office/powerpoint/2010/main" val="2287429462"/>
       </p:ext>
     </p:extLst>
   </p:cSld>
